--- a/Presentation/Group_1_Project_Presentation.pptx
+++ b/Presentation/Group_1_Project_Presentation.pptx
@@ -1,45 +1,45 @@
 
 <file path=ppt/presentation.xml><?xml version="1.0" encoding="utf-8"?>
-<p:presentation xmlns:a="http://schemas.openxmlformats.org/drawingml/2006/main" xmlns:r="http://schemas.openxmlformats.org/officeDocument/2006/relationships" xmlns:mc="http://schemas.openxmlformats.org/markup-compatibility/2006" xmlns:mv="urn:schemas-microsoft-com:mac:vml" xmlns:p="http://schemas.openxmlformats.org/presentationml/2006/main" xmlns:c="http://schemas.openxmlformats.org/drawingml/2006/chart" xmlns:dgm="http://schemas.openxmlformats.org/drawingml/2006/diagram" xmlns:o="urn:schemas-microsoft-com:office:office" xmlns:v="urn:schemas-microsoft-com:vml" xmlns:pvml="urn:schemas-microsoft-com:office:powerpoint" xmlns:com="http://schemas.openxmlformats.org/drawingml/2006/compatibility" xmlns:p14="http://schemas.microsoft.com/office/powerpoint/2010/main" xmlns:p15="http://schemas.microsoft.com/office/powerpoint/2012/main" xmlns:ahyp="http://schemas.microsoft.com/office/drawing/2018/hyperlinkcolor" autoCompressPictures="0" embedTrueTypeFonts="1" strictFirstAndLastChars="0" saveSubsetFonts="1">
+<p:presentation xmlns:a="http://schemas.openxmlformats.org/drawingml/2006/main" xmlns:r="http://schemas.openxmlformats.org/officeDocument/2006/relationships" xmlns:p="http://schemas.openxmlformats.org/presentationml/2006/main" strictFirstAndLastChars="0" embedTrueTypeFonts="1" saveSubsetFonts="1" autoCompressPictures="0">
   <p:sldMasterIdLst>
-    <p:sldMasterId id="2147483659" r:id="rId3"/>
+    <p:sldMasterId id="2147483659" r:id="rId1"/>
   </p:sldMasterIdLst>
   <p:notesMasterIdLst>
-    <p:notesMasterId r:id="rId4"/>
+    <p:notesMasterId r:id="rId13"/>
   </p:notesMasterIdLst>
   <p:sldIdLst>
-    <p:sldId id="256" r:id="rId5"/>
-    <p:sldId id="257" r:id="rId6"/>
-    <p:sldId id="258" r:id="rId7"/>
-    <p:sldId id="259" r:id="rId8"/>
-    <p:sldId id="260" r:id="rId9"/>
-    <p:sldId id="261" r:id="rId10"/>
-    <p:sldId id="262" r:id="rId11"/>
-    <p:sldId id="263" r:id="rId12"/>
-    <p:sldId id="264" r:id="rId13"/>
-    <p:sldId id="265" r:id="rId14"/>
-    <p:sldId id="266" r:id="rId15"/>
+    <p:sldId id="256" r:id="rId2"/>
+    <p:sldId id="257" r:id="rId3"/>
+    <p:sldId id="258" r:id="rId4"/>
+    <p:sldId id="259" r:id="rId5"/>
+    <p:sldId id="260" r:id="rId6"/>
+    <p:sldId id="261" r:id="rId7"/>
+    <p:sldId id="262" r:id="rId8"/>
+    <p:sldId id="263" r:id="rId9"/>
+    <p:sldId id="264" r:id="rId10"/>
+    <p:sldId id="265" r:id="rId11"/>
+    <p:sldId id="266" r:id="rId12"/>
   </p:sldIdLst>
-  <p:sldSz cy="5143500" cx="9144000"/>
+  <p:sldSz cx="9144000" cy="5143500" type="screen16x9"/>
   <p:notesSz cx="6858000" cy="9144000"/>
   <p:embeddedFontLst>
     <p:embeddedFont>
-      <p:font typeface="Raleway"/>
-      <p:regular r:id="rId16"/>
-      <p:bold r:id="rId17"/>
-      <p:italic r:id="rId18"/>
-      <p:boldItalic r:id="rId19"/>
+      <p:font typeface="Lato" panose="020F0502020204030203" pitchFamily="34" charset="0"/>
+      <p:regular r:id="rId14"/>
+      <p:bold r:id="rId15"/>
+      <p:italic r:id="rId16"/>
+      <p:boldItalic r:id="rId17"/>
     </p:embeddedFont>
     <p:embeddedFont>
-      <p:font typeface="Lato"/>
-      <p:regular r:id="rId20"/>
-      <p:bold r:id="rId21"/>
-      <p:italic r:id="rId22"/>
-      <p:boldItalic r:id="rId23"/>
+      <p:font typeface="Raleway" panose="020B0604020202020204" pitchFamily="2" charset="0"/>
+      <p:regular r:id="rId18"/>
+      <p:bold r:id="rId19"/>
+      <p:italic r:id="rId20"/>
+      <p:boldItalic r:id="rId21"/>
     </p:embeddedFont>
   </p:embeddedFontLst>
   <p:defaultTextStyle>
-    <a:defPPr lvl="0" marR="0" rtl="0" algn="l">
+    <a:defPPr marR="0" lvl="0" algn="l" rtl="0">
       <a:lnSpc>
         <a:spcPct val="100000"/>
       </a:lnSpc>
@@ -50,7 +50,7 @@
         <a:spcPts val="0"/>
       </a:spcAft>
     </a:defPPr>
-    <a:lvl1pPr lvl="0" marR="0" rtl="0" algn="l">
+    <a:lvl1pPr marR="0" lvl="0" algn="l" rtl="0">
       <a:lnSpc>
         <a:spcPct val="100000"/>
       </a:lnSpc>
@@ -64,7 +64,7 @@
         <a:srgbClr val="000000"/>
       </a:buClr>
       <a:buFont typeface="Arial"/>
-      <a:defRPr b="0" i="0" sz="1400" u="none" cap="none" strike="noStrike">
+      <a:defRPr sz="1400" b="0" i="0" u="none" strike="noStrike" cap="none">
         <a:solidFill>
           <a:srgbClr val="000000"/>
         </a:solidFill>
@@ -74,7 +74,7 @@
         <a:sym typeface="Arial"/>
       </a:defRPr>
     </a:lvl1pPr>
-    <a:lvl2pPr lvl="1" marR="0" rtl="0" algn="l">
+    <a:lvl2pPr marR="0" lvl="1" algn="l" rtl="0">
       <a:lnSpc>
         <a:spcPct val="100000"/>
       </a:lnSpc>
@@ -88,7 +88,7 @@
         <a:srgbClr val="000000"/>
       </a:buClr>
       <a:buFont typeface="Arial"/>
-      <a:defRPr b="0" i="0" sz="1400" u="none" cap="none" strike="noStrike">
+      <a:defRPr sz="1400" b="0" i="0" u="none" strike="noStrike" cap="none">
         <a:solidFill>
           <a:srgbClr val="000000"/>
         </a:solidFill>
@@ -98,7 +98,7 @@
         <a:sym typeface="Arial"/>
       </a:defRPr>
     </a:lvl2pPr>
-    <a:lvl3pPr lvl="2" marR="0" rtl="0" algn="l">
+    <a:lvl3pPr marR="0" lvl="2" algn="l" rtl="0">
       <a:lnSpc>
         <a:spcPct val="100000"/>
       </a:lnSpc>
@@ -112,7 +112,7 @@
         <a:srgbClr val="000000"/>
       </a:buClr>
       <a:buFont typeface="Arial"/>
-      <a:defRPr b="0" i="0" sz="1400" u="none" cap="none" strike="noStrike">
+      <a:defRPr sz="1400" b="0" i="0" u="none" strike="noStrike" cap="none">
         <a:solidFill>
           <a:srgbClr val="000000"/>
         </a:solidFill>
@@ -122,7 +122,7 @@
         <a:sym typeface="Arial"/>
       </a:defRPr>
     </a:lvl3pPr>
-    <a:lvl4pPr lvl="3" marR="0" rtl="0" algn="l">
+    <a:lvl4pPr marR="0" lvl="3" algn="l" rtl="0">
       <a:lnSpc>
         <a:spcPct val="100000"/>
       </a:lnSpc>
@@ -136,7 +136,7 @@
         <a:srgbClr val="000000"/>
       </a:buClr>
       <a:buFont typeface="Arial"/>
-      <a:defRPr b="0" i="0" sz="1400" u="none" cap="none" strike="noStrike">
+      <a:defRPr sz="1400" b="0" i="0" u="none" strike="noStrike" cap="none">
         <a:solidFill>
           <a:srgbClr val="000000"/>
         </a:solidFill>
@@ -146,7 +146,7 @@
         <a:sym typeface="Arial"/>
       </a:defRPr>
     </a:lvl4pPr>
-    <a:lvl5pPr lvl="4" marR="0" rtl="0" algn="l">
+    <a:lvl5pPr marR="0" lvl="4" algn="l" rtl="0">
       <a:lnSpc>
         <a:spcPct val="100000"/>
       </a:lnSpc>
@@ -160,7 +160,7 @@
         <a:srgbClr val="000000"/>
       </a:buClr>
       <a:buFont typeface="Arial"/>
-      <a:defRPr b="0" i="0" sz="1400" u="none" cap="none" strike="noStrike">
+      <a:defRPr sz="1400" b="0" i="0" u="none" strike="noStrike" cap="none">
         <a:solidFill>
           <a:srgbClr val="000000"/>
         </a:solidFill>
@@ -170,7 +170,7 @@
         <a:sym typeface="Arial"/>
       </a:defRPr>
     </a:lvl5pPr>
-    <a:lvl6pPr lvl="5" marR="0" rtl="0" algn="l">
+    <a:lvl6pPr marR="0" lvl="5" algn="l" rtl="0">
       <a:lnSpc>
         <a:spcPct val="100000"/>
       </a:lnSpc>
@@ -184,7 +184,7 @@
         <a:srgbClr val="000000"/>
       </a:buClr>
       <a:buFont typeface="Arial"/>
-      <a:defRPr b="0" i="0" sz="1400" u="none" cap="none" strike="noStrike">
+      <a:defRPr sz="1400" b="0" i="0" u="none" strike="noStrike" cap="none">
         <a:solidFill>
           <a:srgbClr val="000000"/>
         </a:solidFill>
@@ -194,7 +194,7 @@
         <a:sym typeface="Arial"/>
       </a:defRPr>
     </a:lvl6pPr>
-    <a:lvl7pPr lvl="6" marR="0" rtl="0" algn="l">
+    <a:lvl7pPr marR="0" lvl="6" algn="l" rtl="0">
       <a:lnSpc>
         <a:spcPct val="100000"/>
       </a:lnSpc>
@@ -208,7 +208,7 @@
         <a:srgbClr val="000000"/>
       </a:buClr>
       <a:buFont typeface="Arial"/>
-      <a:defRPr b="0" i="0" sz="1400" u="none" cap="none" strike="noStrike">
+      <a:defRPr sz="1400" b="0" i="0" u="none" strike="noStrike" cap="none">
         <a:solidFill>
           <a:srgbClr val="000000"/>
         </a:solidFill>
@@ -218,7 +218,7 @@
         <a:sym typeface="Arial"/>
       </a:defRPr>
     </a:lvl7pPr>
-    <a:lvl8pPr lvl="7" marR="0" rtl="0" algn="l">
+    <a:lvl8pPr marR="0" lvl="7" algn="l" rtl="0">
       <a:lnSpc>
         <a:spcPct val="100000"/>
       </a:lnSpc>
@@ -232,7 +232,7 @@
         <a:srgbClr val="000000"/>
       </a:buClr>
       <a:buFont typeface="Arial"/>
-      <a:defRPr b="0" i="0" sz="1400" u="none" cap="none" strike="noStrike">
+      <a:defRPr sz="1400" b="0" i="0" u="none" strike="noStrike" cap="none">
         <a:solidFill>
           <a:srgbClr val="000000"/>
         </a:solidFill>
@@ -242,7 +242,7 @@
         <a:sym typeface="Arial"/>
       </a:defRPr>
     </a:lvl8pPr>
-    <a:lvl9pPr lvl="8" marR="0" rtl="0" algn="l">
+    <a:lvl9pPr marR="0" lvl="8" algn="l" rtl="0">
       <a:lnSpc>
         <a:spcPct val="100000"/>
       </a:lnSpc>
@@ -256,7 +256,7 @@
         <a:srgbClr val="000000"/>
       </a:buClr>
       <a:buFont typeface="Arial"/>
-      <a:defRPr b="0" i="0" sz="1400" u="none" cap="none" strike="noStrike">
+      <a:defRPr sz="1400" b="0" i="0" u="none" strike="noStrike" cap="none">
         <a:solidFill>
           <a:srgbClr val="000000"/>
         </a:solidFill>
@@ -271,11 +271,16 @@
 </file>
 
 <file path=ppt/notesMasters/notesMaster1.xml><?xml version="1.0" encoding="utf-8"?>
-<p:notesMaster xmlns:a="http://schemas.openxmlformats.org/drawingml/2006/main" xmlns:r="http://schemas.openxmlformats.org/officeDocument/2006/relationships" xmlns:mc="http://schemas.openxmlformats.org/markup-compatibility/2006" xmlns:mv="urn:schemas-microsoft-com:mac:vml" xmlns:p="http://schemas.openxmlformats.org/presentationml/2006/main" xmlns:c="http://schemas.openxmlformats.org/drawingml/2006/chart" xmlns:dgm="http://schemas.openxmlformats.org/drawingml/2006/diagram" xmlns:o="urn:schemas-microsoft-com:office:office" xmlns:v="urn:schemas-microsoft-com:vml" xmlns:pvml="urn:schemas-microsoft-com:office:powerpoint" xmlns:com="http://schemas.openxmlformats.org/drawingml/2006/compatibility" xmlns:p14="http://schemas.microsoft.com/office/powerpoint/2010/main" xmlns:p15="http://schemas.microsoft.com/office/powerpoint/2012/main" xmlns:ahyp="http://schemas.microsoft.com/office/drawing/2018/hyperlinkcolor">
+<p:notesMaster xmlns:a="http://schemas.openxmlformats.org/drawingml/2006/main" xmlns:r="http://schemas.openxmlformats.org/officeDocument/2006/relationships" xmlns:p="http://schemas.openxmlformats.org/presentationml/2006/main">
   <p:cSld>
+    <p:bg>
+      <p:bgRef idx="1001">
+        <a:schemeClr val="bg1"/>
+      </p:bgRef>
+    </p:bg>
     <p:spTree>
       <p:nvGrpSpPr>
-        <p:cNvPr id="2" name="Shape 2"/>
+        <p:cNvPr id="1" name="Shape 2"/>
         <p:cNvGrpSpPr/>
         <p:nvPr/>
       </p:nvGrpSpPr>
@@ -290,9 +295,11 @@
       <p:sp>
         <p:nvSpPr>
           <p:cNvPr id="3" name="Google Shape;3;n"/>
-          <p:cNvSpPr/>
+          <p:cNvSpPr>
+            <a:spLocks noGrp="1" noRot="1" noChangeAspect="1"/>
+          </p:cNvSpPr>
           <p:nvPr>
-            <p:ph idx="2" type="sldImg"/>
+            <p:ph type="sldImg" idx="2"/>
           </p:nvPr>
         </p:nvSpPr>
         <p:spPr>
@@ -301,9 +308,13 @@
             <a:ext cx="6096075" cy="3429000"/>
           </a:xfrm>
           <a:custGeom>
-            <a:rect b="b" l="l" r="r" t="t"/>
+            <a:avLst/>
+            <a:gdLst/>
+            <a:ahLst/>
+            <a:cxnLst/>
+            <a:rect l="l" t="t" r="r" b="b"/>
             <a:pathLst>
-              <a:path extrusionOk="0" h="120000" w="120000">
+              <a:path w="120000" h="120000" extrusionOk="0">
                 <a:moveTo>
                   <a:pt x="0" y="0"/>
                 </a:moveTo>
@@ -321,23 +332,25 @@
             </a:pathLst>
           </a:custGeom>
           <a:noFill/>
-          <a:ln cap="flat" cmpd="sng" w="9525">
+          <a:ln w="9525" cap="flat" cmpd="sng">
             <a:solidFill>
               <a:srgbClr val="000000"/>
             </a:solidFill>
             <a:prstDash val="solid"/>
             <a:round/>
-            <a:headEnd len="sm" w="sm" type="none"/>
-            <a:tailEnd len="sm" w="sm" type="none"/>
+            <a:headEnd type="none" w="sm" len="sm"/>
+            <a:tailEnd type="none" w="sm" len="sm"/>
           </a:ln>
         </p:spPr>
       </p:sp>
       <p:sp>
         <p:nvSpPr>
           <p:cNvPr id="4" name="Google Shape;4;n"/>
-          <p:cNvSpPr txBox="1"/>
+          <p:cNvSpPr txBox="1">
+            <a:spLocks noGrp="1"/>
+          </p:cNvSpPr>
           <p:nvPr>
-            <p:ph idx="1" type="body"/>
+            <p:ph type="body" idx="1"/>
           </p:nvPr>
         </p:nvSpPr>
         <p:spPr>
@@ -354,11 +367,11 @@
           </a:ln>
         </p:spPr>
         <p:txBody>
-          <a:bodyPr anchorCtr="0" anchor="t" bIns="91425" lIns="91425" spcFirstLastPara="1" rIns="91425" wrap="square" tIns="91425">
+          <a:bodyPr spcFirstLastPara="1" wrap="square" lIns="91425" tIns="91425" rIns="91425" bIns="91425" anchor="t" anchorCtr="0">
             <a:noAutofit/>
           </a:bodyPr>
           <a:lstStyle>
-            <a:lvl1pPr indent="-298450" lvl="0" marL="457200">
+            <a:lvl1pPr marL="457200" lvl="0" indent="-298450">
               <a:spcBef>
                 <a:spcPts val="0"/>
               </a:spcBef>
@@ -369,7 +382,7 @@
               <a:buChar char="●"/>
               <a:defRPr sz="1100"/>
             </a:lvl1pPr>
-            <a:lvl2pPr indent="-298450" lvl="1" marL="914400">
+            <a:lvl2pPr marL="914400" lvl="1" indent="-298450">
               <a:spcBef>
                 <a:spcPts val="0"/>
               </a:spcBef>
@@ -380,7 +393,7 @@
               <a:buChar char="○"/>
               <a:defRPr sz="1100"/>
             </a:lvl2pPr>
-            <a:lvl3pPr indent="-298450" lvl="2" marL="1371600">
+            <a:lvl3pPr marL="1371600" lvl="2" indent="-298450">
               <a:spcBef>
                 <a:spcPts val="0"/>
               </a:spcBef>
@@ -391,7 +404,7 @@
               <a:buChar char="■"/>
               <a:defRPr sz="1100"/>
             </a:lvl3pPr>
-            <a:lvl4pPr indent="-298450" lvl="3" marL="1828800">
+            <a:lvl4pPr marL="1828800" lvl="3" indent="-298450">
               <a:spcBef>
                 <a:spcPts val="0"/>
               </a:spcBef>
@@ -402,7 +415,7 @@
               <a:buChar char="●"/>
               <a:defRPr sz="1100"/>
             </a:lvl4pPr>
-            <a:lvl5pPr indent="-298450" lvl="4" marL="2286000">
+            <a:lvl5pPr marL="2286000" lvl="4" indent="-298450">
               <a:spcBef>
                 <a:spcPts val="0"/>
               </a:spcBef>
@@ -413,7 +426,7 @@
               <a:buChar char="○"/>
               <a:defRPr sz="1100"/>
             </a:lvl5pPr>
-            <a:lvl6pPr indent="-298450" lvl="5" marL="2743200">
+            <a:lvl6pPr marL="2743200" lvl="5" indent="-298450">
               <a:spcBef>
                 <a:spcPts val="0"/>
               </a:spcBef>
@@ -424,7 +437,7 @@
               <a:buChar char="■"/>
               <a:defRPr sz="1100"/>
             </a:lvl6pPr>
-            <a:lvl7pPr indent="-298450" lvl="6" marL="3200400">
+            <a:lvl7pPr marL="3200400" lvl="6" indent="-298450">
               <a:spcBef>
                 <a:spcPts val="0"/>
               </a:spcBef>
@@ -435,7 +448,7 @@
               <a:buChar char="●"/>
               <a:defRPr sz="1100"/>
             </a:lvl7pPr>
-            <a:lvl8pPr indent="-298450" lvl="7" marL="3657600">
+            <a:lvl8pPr marL="3657600" lvl="7" indent="-298450">
               <a:spcBef>
                 <a:spcPts val="0"/>
               </a:spcBef>
@@ -446,7 +459,7 @@
               <a:buChar char="○"/>
               <a:defRPr sz="1100"/>
             </a:lvl8pPr>
-            <a:lvl9pPr indent="-298450" lvl="8" marL="4114800">
+            <a:lvl9pPr marL="4114800" lvl="8" indent="-298450">
               <a:spcBef>
                 <a:spcPts val="0"/>
               </a:spcBef>
@@ -458,14 +471,16 @@
               <a:defRPr sz="1100"/>
             </a:lvl9pPr>
           </a:lstStyle>
-          <a:p/>
+          <a:p>
+            <a:endParaRPr/>
+          </a:p>
         </p:txBody>
       </p:sp>
     </p:spTree>
   </p:cSld>
-  <p:clrMap accent1="accent1" accent2="accent2" accent3="accent3" accent4="accent4" accent5="accent5" accent6="accent6" bg1="lt1" bg2="dk2" tx1="dk1" tx2="lt2" folHlink="folHlink" hlink="hlink"/>
+  <p:clrMap bg1="lt1" tx1="dk1" bg2="dk2" tx2="lt2" accent1="accent1" accent2="accent2" accent3="accent3" accent4="accent4" accent5="accent5" accent6="accent6" hlink="hlink" folHlink="folHlink"/>
   <p:notesStyle>
-    <a:defPPr lvl="0" marR="0" rtl="0" algn="l">
+    <a:defPPr marR="0" lvl="0" algn="l" rtl="0">
       <a:lnSpc>
         <a:spcPct val="100000"/>
       </a:lnSpc>
@@ -476,7 +491,7 @@
         <a:spcPts val="0"/>
       </a:spcAft>
     </a:defPPr>
-    <a:lvl1pPr lvl="0" marR="0" rtl="0" algn="l">
+    <a:lvl1pPr marR="0" lvl="0" algn="l" rtl="0">
       <a:lnSpc>
         <a:spcPct val="100000"/>
       </a:lnSpc>
@@ -490,7 +505,7 @@
         <a:srgbClr val="000000"/>
       </a:buClr>
       <a:buFont typeface="Arial"/>
-      <a:defRPr b="0" i="0" sz="1400" u="none" cap="none" strike="noStrike">
+      <a:defRPr sz="1400" b="0" i="0" u="none" strike="noStrike" cap="none">
         <a:solidFill>
           <a:srgbClr val="000000"/>
         </a:solidFill>
@@ -500,7 +515,7 @@
         <a:sym typeface="Arial"/>
       </a:defRPr>
     </a:lvl1pPr>
-    <a:lvl2pPr lvl="1" marR="0" rtl="0" algn="l">
+    <a:lvl2pPr marR="0" lvl="1" algn="l" rtl="0">
       <a:lnSpc>
         <a:spcPct val="100000"/>
       </a:lnSpc>
@@ -514,7 +529,7 @@
         <a:srgbClr val="000000"/>
       </a:buClr>
       <a:buFont typeface="Arial"/>
-      <a:defRPr b="0" i="0" sz="1400" u="none" cap="none" strike="noStrike">
+      <a:defRPr sz="1400" b="0" i="0" u="none" strike="noStrike" cap="none">
         <a:solidFill>
           <a:srgbClr val="000000"/>
         </a:solidFill>
@@ -524,7 +539,7 @@
         <a:sym typeface="Arial"/>
       </a:defRPr>
     </a:lvl2pPr>
-    <a:lvl3pPr lvl="2" marR="0" rtl="0" algn="l">
+    <a:lvl3pPr marR="0" lvl="2" algn="l" rtl="0">
       <a:lnSpc>
         <a:spcPct val="100000"/>
       </a:lnSpc>
@@ -538,7 +553,7 @@
         <a:srgbClr val="000000"/>
       </a:buClr>
       <a:buFont typeface="Arial"/>
-      <a:defRPr b="0" i="0" sz="1400" u="none" cap="none" strike="noStrike">
+      <a:defRPr sz="1400" b="0" i="0" u="none" strike="noStrike" cap="none">
         <a:solidFill>
           <a:srgbClr val="000000"/>
         </a:solidFill>
@@ -548,7 +563,7 @@
         <a:sym typeface="Arial"/>
       </a:defRPr>
     </a:lvl3pPr>
-    <a:lvl4pPr lvl="3" marR="0" rtl="0" algn="l">
+    <a:lvl4pPr marR="0" lvl="3" algn="l" rtl="0">
       <a:lnSpc>
         <a:spcPct val="100000"/>
       </a:lnSpc>
@@ -562,7 +577,7 @@
         <a:srgbClr val="000000"/>
       </a:buClr>
       <a:buFont typeface="Arial"/>
-      <a:defRPr b="0" i="0" sz="1400" u="none" cap="none" strike="noStrike">
+      <a:defRPr sz="1400" b="0" i="0" u="none" strike="noStrike" cap="none">
         <a:solidFill>
           <a:srgbClr val="000000"/>
         </a:solidFill>
@@ -572,7 +587,7 @@
         <a:sym typeface="Arial"/>
       </a:defRPr>
     </a:lvl4pPr>
-    <a:lvl5pPr lvl="4" marR="0" rtl="0" algn="l">
+    <a:lvl5pPr marR="0" lvl="4" algn="l" rtl="0">
       <a:lnSpc>
         <a:spcPct val="100000"/>
       </a:lnSpc>
@@ -586,7 +601,7 @@
         <a:srgbClr val="000000"/>
       </a:buClr>
       <a:buFont typeface="Arial"/>
-      <a:defRPr b="0" i="0" sz="1400" u="none" cap="none" strike="noStrike">
+      <a:defRPr sz="1400" b="0" i="0" u="none" strike="noStrike" cap="none">
         <a:solidFill>
           <a:srgbClr val="000000"/>
         </a:solidFill>
@@ -596,7 +611,7 @@
         <a:sym typeface="Arial"/>
       </a:defRPr>
     </a:lvl5pPr>
-    <a:lvl6pPr lvl="5" marR="0" rtl="0" algn="l">
+    <a:lvl6pPr marR="0" lvl="5" algn="l" rtl="0">
       <a:lnSpc>
         <a:spcPct val="100000"/>
       </a:lnSpc>
@@ -610,7 +625,7 @@
         <a:srgbClr val="000000"/>
       </a:buClr>
       <a:buFont typeface="Arial"/>
-      <a:defRPr b="0" i="0" sz="1400" u="none" cap="none" strike="noStrike">
+      <a:defRPr sz="1400" b="0" i="0" u="none" strike="noStrike" cap="none">
         <a:solidFill>
           <a:srgbClr val="000000"/>
         </a:solidFill>
@@ -620,7 +635,7 @@
         <a:sym typeface="Arial"/>
       </a:defRPr>
     </a:lvl6pPr>
-    <a:lvl7pPr lvl="6" marR="0" rtl="0" algn="l">
+    <a:lvl7pPr marR="0" lvl="6" algn="l" rtl="0">
       <a:lnSpc>
         <a:spcPct val="100000"/>
       </a:lnSpc>
@@ -634,7 +649,7 @@
         <a:srgbClr val="000000"/>
       </a:buClr>
       <a:buFont typeface="Arial"/>
-      <a:defRPr b="0" i="0" sz="1400" u="none" cap="none" strike="noStrike">
+      <a:defRPr sz="1400" b="0" i="0" u="none" strike="noStrike" cap="none">
         <a:solidFill>
           <a:srgbClr val="000000"/>
         </a:solidFill>
@@ -644,7 +659,7 @@
         <a:sym typeface="Arial"/>
       </a:defRPr>
     </a:lvl7pPr>
-    <a:lvl8pPr lvl="7" marR="0" rtl="0" algn="l">
+    <a:lvl8pPr marR="0" lvl="7" algn="l" rtl="0">
       <a:lnSpc>
         <a:spcPct val="100000"/>
       </a:lnSpc>
@@ -658,7 +673,7 @@
         <a:srgbClr val="000000"/>
       </a:buClr>
       <a:buFont typeface="Arial"/>
-      <a:defRPr b="0" i="0" sz="1400" u="none" cap="none" strike="noStrike">
+      <a:defRPr sz="1400" b="0" i="0" u="none" strike="noStrike" cap="none">
         <a:solidFill>
           <a:srgbClr val="000000"/>
         </a:solidFill>
@@ -668,7 +683,7 @@
         <a:sym typeface="Arial"/>
       </a:defRPr>
     </a:lvl8pPr>
-    <a:lvl9pPr lvl="8" marR="0" rtl="0" algn="l">
+    <a:lvl9pPr marR="0" lvl="8" algn="l" rtl="0">
       <a:lnSpc>
         <a:spcPct val="100000"/>
       </a:lnSpc>
@@ -682,7 +697,7 @@
         <a:srgbClr val="000000"/>
       </a:buClr>
       <a:buFont typeface="Arial"/>
-      <a:defRPr b="0" i="0" sz="1400" u="none" cap="none" strike="noStrike">
+      <a:defRPr sz="1400" b="0" i="0" u="none" strike="noStrike" cap="none">
         <a:solidFill>
           <a:srgbClr val="000000"/>
         </a:solidFill>
@@ -697,11 +712,11 @@
 </file>
 
 <file path=ppt/notesSlides/notesSlide1.xml><?xml version="1.0" encoding="utf-8"?>
-<p:notes xmlns:a="http://schemas.openxmlformats.org/drawingml/2006/main" xmlns:r="http://schemas.openxmlformats.org/officeDocument/2006/relationships" xmlns:mc="http://schemas.openxmlformats.org/markup-compatibility/2006" xmlns:mv="urn:schemas-microsoft-com:mac:vml" xmlns:p="http://schemas.openxmlformats.org/presentationml/2006/main" xmlns:c="http://schemas.openxmlformats.org/drawingml/2006/chart" xmlns:dgm="http://schemas.openxmlformats.org/drawingml/2006/diagram" xmlns:o="urn:schemas-microsoft-com:office:office" xmlns:v="urn:schemas-microsoft-com:vml" xmlns:pvml="urn:schemas-microsoft-com:office:powerpoint" xmlns:com="http://schemas.openxmlformats.org/drawingml/2006/compatibility" xmlns:p14="http://schemas.microsoft.com/office/powerpoint/2010/main" xmlns:p15="http://schemas.microsoft.com/office/powerpoint/2012/main" xmlns:ahyp="http://schemas.microsoft.com/office/drawing/2018/hyperlinkcolor" showMasterPhAnim="0" showMasterSp="0">
+<p:notes xmlns:a="http://schemas.openxmlformats.org/drawingml/2006/main" xmlns:r="http://schemas.openxmlformats.org/officeDocument/2006/relationships" xmlns:p="http://schemas.openxmlformats.org/presentationml/2006/main" showMasterSp="0" showMasterPhAnim="0">
   <p:cSld>
     <p:spTree>
       <p:nvGrpSpPr>
-        <p:cNvPr id="82" name="Shape 82"/>
+        <p:cNvPr id="1" name="Shape 82"/>
         <p:cNvGrpSpPr/>
         <p:nvPr/>
       </p:nvGrpSpPr>
@@ -716,9 +731,11 @@
       <p:sp>
         <p:nvSpPr>
           <p:cNvPr id="83" name="Google Shape;83;p:notes"/>
-          <p:cNvSpPr/>
+          <p:cNvSpPr>
+            <a:spLocks noGrp="1" noRot="1" noChangeAspect="1"/>
+          </p:cNvSpPr>
           <p:nvPr>
-            <p:ph idx="2" type="sldImg"/>
+            <p:ph type="sldImg" idx="2"/>
           </p:nvPr>
         </p:nvSpPr>
         <p:spPr>
@@ -727,9 +744,13 @@
             <a:ext cx="6096075" cy="3429000"/>
           </a:xfrm>
           <a:custGeom>
-            <a:rect b="b" l="l" r="r" t="t"/>
+            <a:avLst/>
+            <a:gdLst/>
+            <a:ahLst/>
+            <a:cxnLst/>
+            <a:rect l="l" t="t" r="r" b="b"/>
             <a:pathLst>
-              <a:path extrusionOk="0" h="120000" w="120000">
+              <a:path w="120000" h="120000" extrusionOk="0">
                 <a:moveTo>
                   <a:pt x="0" y="0"/>
                 </a:moveTo>
@@ -751,9 +772,11 @@
       <p:sp>
         <p:nvSpPr>
           <p:cNvPr id="84" name="Google Shape;84;p:notes"/>
-          <p:cNvSpPr txBox="1"/>
+          <p:cNvSpPr txBox="1">
+            <a:spLocks noGrp="1"/>
+          </p:cNvSpPr>
           <p:nvPr>
-            <p:ph idx="1" type="body"/>
+            <p:ph type="body" idx="1"/>
           </p:nvPr>
         </p:nvSpPr>
         <p:spPr>
@@ -766,23 +789,20 @@
           </a:prstGeom>
         </p:spPr>
         <p:txBody>
-          <a:bodyPr anchorCtr="0" anchor="t" bIns="91425" lIns="91425" spcFirstLastPara="1" rIns="91425" wrap="square" tIns="91425">
+          <a:bodyPr spcFirstLastPara="1" wrap="square" lIns="91425" tIns="91425" rIns="91425" bIns="91425" anchor="t" anchorCtr="0">
             <a:noAutofit/>
           </a:bodyPr>
           <a:lstStyle/>
           <a:p>
-            <a:pPr indent="0" lvl="0" marL="0" rtl="0" algn="l">
-              <a:spcBef>
-                <a:spcPts val="0"/>
-              </a:spcBef>
-              <a:spcAft>
-                <a:spcPts val="0"/>
-              </a:spcAft>
-              <a:buNone/>
-            </a:pPr>
-            <a:r>
-              <a:t/>
-            </a:r>
+            <a:pPr marL="0" lvl="0" indent="0" algn="l" rtl="0">
+              <a:spcBef>
+                <a:spcPts val="0"/>
+              </a:spcBef>
+              <a:spcAft>
+                <a:spcPts val="0"/>
+              </a:spcAft>
+              <a:buNone/>
+            </a:pPr>
             <a:endParaRPr/>
           </a:p>
         </p:txBody>
@@ -796,11 +816,11 @@
 </file>
 
 <file path=ppt/notesSlides/notesSlide10.xml><?xml version="1.0" encoding="utf-8"?>
-<p:notes xmlns:a="http://schemas.openxmlformats.org/drawingml/2006/main" xmlns:r="http://schemas.openxmlformats.org/officeDocument/2006/relationships" xmlns:mc="http://schemas.openxmlformats.org/markup-compatibility/2006" xmlns:mv="urn:schemas-microsoft-com:mac:vml" xmlns:p="http://schemas.openxmlformats.org/presentationml/2006/main" xmlns:c="http://schemas.openxmlformats.org/drawingml/2006/chart" xmlns:dgm="http://schemas.openxmlformats.org/drawingml/2006/diagram" xmlns:o="urn:schemas-microsoft-com:office:office" xmlns:v="urn:schemas-microsoft-com:vml" xmlns:pvml="urn:schemas-microsoft-com:office:powerpoint" xmlns:com="http://schemas.openxmlformats.org/drawingml/2006/compatibility" xmlns:p14="http://schemas.microsoft.com/office/powerpoint/2010/main" xmlns:p15="http://schemas.microsoft.com/office/powerpoint/2012/main" xmlns:ahyp="http://schemas.microsoft.com/office/drawing/2018/hyperlinkcolor" showMasterPhAnim="0" showMasterSp="0">
+<p:notes xmlns:a="http://schemas.openxmlformats.org/drawingml/2006/main" xmlns:r="http://schemas.openxmlformats.org/officeDocument/2006/relationships" xmlns:p="http://schemas.openxmlformats.org/presentationml/2006/main" showMasterSp="0" showMasterPhAnim="0">
   <p:cSld>
     <p:spTree>
       <p:nvGrpSpPr>
-        <p:cNvPr id="134" name="Shape 134"/>
+        <p:cNvPr id="1" name="Shape 134"/>
         <p:cNvGrpSpPr/>
         <p:nvPr/>
       </p:nvGrpSpPr>
@@ -815,9 +835,11 @@
       <p:sp>
         <p:nvSpPr>
           <p:cNvPr id="135" name="Google Shape;135;g29f43f0a72_0_24:notes"/>
-          <p:cNvSpPr/>
+          <p:cNvSpPr>
+            <a:spLocks noGrp="1" noRot="1" noChangeAspect="1"/>
+          </p:cNvSpPr>
           <p:nvPr>
-            <p:ph idx="2" type="sldImg"/>
+            <p:ph type="sldImg" idx="2"/>
           </p:nvPr>
         </p:nvSpPr>
         <p:spPr>
@@ -826,9 +848,13 @@
             <a:ext cx="6096000" cy="3429000"/>
           </a:xfrm>
           <a:custGeom>
-            <a:rect b="b" l="l" r="r" t="t"/>
+            <a:avLst/>
+            <a:gdLst/>
+            <a:ahLst/>
+            <a:cxnLst/>
+            <a:rect l="l" t="t" r="r" b="b"/>
             <a:pathLst>
-              <a:path extrusionOk="0" h="120000" w="120000">
+              <a:path w="120000" h="120000" extrusionOk="0">
                 <a:moveTo>
                   <a:pt x="0" y="0"/>
                 </a:moveTo>
@@ -850,9 +876,11 @@
       <p:sp>
         <p:nvSpPr>
           <p:cNvPr id="136" name="Google Shape;136;g29f43f0a72_0_24:notes"/>
-          <p:cNvSpPr txBox="1"/>
+          <p:cNvSpPr txBox="1">
+            <a:spLocks noGrp="1"/>
+          </p:cNvSpPr>
           <p:nvPr>
-            <p:ph idx="1" type="body"/>
+            <p:ph type="body" idx="1"/>
           </p:nvPr>
         </p:nvSpPr>
         <p:spPr>
@@ -865,23 +893,20 @@
           </a:prstGeom>
         </p:spPr>
         <p:txBody>
-          <a:bodyPr anchorCtr="0" anchor="t" bIns="91425" lIns="91425" spcFirstLastPara="1" rIns="91425" wrap="square" tIns="91425">
+          <a:bodyPr spcFirstLastPara="1" wrap="square" lIns="91425" tIns="91425" rIns="91425" bIns="91425" anchor="t" anchorCtr="0">
             <a:noAutofit/>
           </a:bodyPr>
           <a:lstStyle/>
           <a:p>
-            <a:pPr indent="0" lvl="0" marL="0" rtl="0" algn="l">
-              <a:spcBef>
-                <a:spcPts val="0"/>
-              </a:spcBef>
-              <a:spcAft>
-                <a:spcPts val="0"/>
-              </a:spcAft>
-              <a:buNone/>
-            </a:pPr>
-            <a:r>
-              <a:t/>
-            </a:r>
+            <a:pPr marL="0" lvl="0" indent="0" algn="l" rtl="0">
+              <a:spcBef>
+                <a:spcPts val="0"/>
+              </a:spcBef>
+              <a:spcAft>
+                <a:spcPts val="0"/>
+              </a:spcAft>
+              <a:buNone/>
+            </a:pPr>
             <a:endParaRPr/>
           </a:p>
         </p:txBody>
@@ -895,11 +920,11 @@
 </file>
 
 <file path=ppt/notesSlides/notesSlide11.xml><?xml version="1.0" encoding="utf-8"?>
-<p:notes xmlns:a="http://schemas.openxmlformats.org/drawingml/2006/main" xmlns:r="http://schemas.openxmlformats.org/officeDocument/2006/relationships" xmlns:mc="http://schemas.openxmlformats.org/markup-compatibility/2006" xmlns:mv="urn:schemas-microsoft-com:mac:vml" xmlns:p="http://schemas.openxmlformats.org/presentationml/2006/main" xmlns:c="http://schemas.openxmlformats.org/drawingml/2006/chart" xmlns:dgm="http://schemas.openxmlformats.org/drawingml/2006/diagram" xmlns:o="urn:schemas-microsoft-com:office:office" xmlns:v="urn:schemas-microsoft-com:vml" xmlns:pvml="urn:schemas-microsoft-com:office:powerpoint" xmlns:com="http://schemas.openxmlformats.org/drawingml/2006/compatibility" xmlns:p14="http://schemas.microsoft.com/office/powerpoint/2010/main" xmlns:p15="http://schemas.microsoft.com/office/powerpoint/2012/main" xmlns:ahyp="http://schemas.microsoft.com/office/drawing/2018/hyperlinkcolor" showMasterPhAnim="0" showMasterSp="0">
+<p:notes xmlns:a="http://schemas.openxmlformats.org/drawingml/2006/main" xmlns:r="http://schemas.openxmlformats.org/officeDocument/2006/relationships" xmlns:p="http://schemas.openxmlformats.org/presentationml/2006/main" showMasterSp="0" showMasterPhAnim="0">
   <p:cSld>
     <p:spTree>
       <p:nvGrpSpPr>
-        <p:cNvPr id="140" name="Shape 140"/>
+        <p:cNvPr id="1" name="Shape 140"/>
         <p:cNvGrpSpPr/>
         <p:nvPr/>
       </p:nvGrpSpPr>
@@ -914,20 +939,26 @@
       <p:sp>
         <p:nvSpPr>
           <p:cNvPr id="141" name="Google Shape;141;gf7dde1287d_0_87:notes"/>
-          <p:cNvSpPr/>
+          <p:cNvSpPr>
+            <a:spLocks noGrp="1" noRot="1" noChangeAspect="1"/>
+          </p:cNvSpPr>
           <p:nvPr>
-            <p:ph idx="2" type="sldImg"/>
+            <p:ph type="sldImg" idx="2"/>
           </p:nvPr>
         </p:nvSpPr>
         <p:spPr>
           <a:xfrm>
-            <a:off x="381300" y="685800"/>
+            <a:off x="381000" y="685800"/>
             <a:ext cx="6096000" cy="3429000"/>
           </a:xfrm>
           <a:custGeom>
-            <a:rect b="b" l="l" r="r" t="t"/>
+            <a:avLst/>
+            <a:gdLst/>
+            <a:ahLst/>
+            <a:cxnLst/>
+            <a:rect l="l" t="t" r="r" b="b"/>
             <a:pathLst>
-              <a:path extrusionOk="0" h="120000" w="120000">
+              <a:path w="120000" h="120000" extrusionOk="0">
                 <a:moveTo>
                   <a:pt x="0" y="0"/>
                 </a:moveTo>
@@ -949,9 +980,11 @@
       <p:sp>
         <p:nvSpPr>
           <p:cNvPr id="142" name="Google Shape;142;gf7dde1287d_0_87:notes"/>
-          <p:cNvSpPr txBox="1"/>
+          <p:cNvSpPr txBox="1">
+            <a:spLocks noGrp="1"/>
+          </p:cNvSpPr>
           <p:nvPr>
-            <p:ph idx="1" type="body"/>
+            <p:ph type="body" idx="1"/>
           </p:nvPr>
         </p:nvSpPr>
         <p:spPr>
@@ -964,23 +997,20 @@
           </a:prstGeom>
         </p:spPr>
         <p:txBody>
-          <a:bodyPr anchorCtr="0" anchor="t" bIns="91425" lIns="91425" spcFirstLastPara="1" rIns="91425" wrap="square" tIns="91425">
+          <a:bodyPr spcFirstLastPara="1" wrap="square" lIns="91425" tIns="91425" rIns="91425" bIns="91425" anchor="t" anchorCtr="0">
             <a:noAutofit/>
           </a:bodyPr>
           <a:lstStyle/>
           <a:p>
-            <a:pPr indent="0" lvl="0" marL="0" rtl="0" algn="l">
-              <a:spcBef>
-                <a:spcPts val="0"/>
-              </a:spcBef>
-              <a:spcAft>
-                <a:spcPts val="0"/>
-              </a:spcAft>
-              <a:buNone/>
-            </a:pPr>
-            <a:r>
-              <a:t/>
-            </a:r>
+            <a:pPr marL="0" lvl="0" indent="0" algn="l" rtl="0">
+              <a:spcBef>
+                <a:spcPts val="0"/>
+              </a:spcBef>
+              <a:spcAft>
+                <a:spcPts val="0"/>
+              </a:spcAft>
+              <a:buNone/>
+            </a:pPr>
             <a:endParaRPr/>
           </a:p>
         </p:txBody>
@@ -994,11 +1024,11 @@
 </file>
 
 <file path=ppt/notesSlides/notesSlide2.xml><?xml version="1.0" encoding="utf-8"?>
-<p:notes xmlns:a="http://schemas.openxmlformats.org/drawingml/2006/main" xmlns:r="http://schemas.openxmlformats.org/officeDocument/2006/relationships" xmlns:mc="http://schemas.openxmlformats.org/markup-compatibility/2006" xmlns:mv="urn:schemas-microsoft-com:mac:vml" xmlns:p="http://schemas.openxmlformats.org/presentationml/2006/main" xmlns:c="http://schemas.openxmlformats.org/drawingml/2006/chart" xmlns:dgm="http://schemas.openxmlformats.org/drawingml/2006/diagram" xmlns:o="urn:schemas-microsoft-com:office:office" xmlns:v="urn:schemas-microsoft-com:vml" xmlns:pvml="urn:schemas-microsoft-com:office:powerpoint" xmlns:com="http://schemas.openxmlformats.org/drawingml/2006/compatibility" xmlns:p14="http://schemas.microsoft.com/office/powerpoint/2010/main" xmlns:p15="http://schemas.microsoft.com/office/powerpoint/2012/main" xmlns:ahyp="http://schemas.microsoft.com/office/drawing/2018/hyperlinkcolor" showMasterPhAnim="0" showMasterSp="0">
+<p:notes xmlns:a="http://schemas.openxmlformats.org/drawingml/2006/main" xmlns:r="http://schemas.openxmlformats.org/officeDocument/2006/relationships" xmlns:p="http://schemas.openxmlformats.org/presentationml/2006/main" showMasterSp="0" showMasterPhAnim="0">
   <p:cSld>
     <p:spTree>
       <p:nvGrpSpPr>
-        <p:cNvPr id="87" name="Shape 87"/>
+        <p:cNvPr id="1" name="Shape 87"/>
         <p:cNvGrpSpPr/>
         <p:nvPr/>
       </p:nvGrpSpPr>
@@ -1013,9 +1043,11 @@
       <p:sp>
         <p:nvSpPr>
           <p:cNvPr id="88" name="Google Shape;88;g320332ed93_1_0:notes"/>
-          <p:cNvSpPr/>
+          <p:cNvSpPr>
+            <a:spLocks noGrp="1" noRot="1" noChangeAspect="1"/>
+          </p:cNvSpPr>
           <p:nvPr>
-            <p:ph idx="2" type="sldImg"/>
+            <p:ph type="sldImg" idx="2"/>
           </p:nvPr>
         </p:nvSpPr>
         <p:spPr>
@@ -1024,9 +1056,13 @@
             <a:ext cx="6096000" cy="3429000"/>
           </a:xfrm>
           <a:custGeom>
-            <a:rect b="b" l="l" r="r" t="t"/>
+            <a:avLst/>
+            <a:gdLst/>
+            <a:ahLst/>
+            <a:cxnLst/>
+            <a:rect l="l" t="t" r="r" b="b"/>
             <a:pathLst>
-              <a:path extrusionOk="0" h="120000" w="120000">
+              <a:path w="120000" h="120000" extrusionOk="0">
                 <a:moveTo>
                   <a:pt x="0" y="0"/>
                 </a:moveTo>
@@ -1048,9 +1084,11 @@
       <p:sp>
         <p:nvSpPr>
           <p:cNvPr id="89" name="Google Shape;89;g320332ed93_1_0:notes"/>
-          <p:cNvSpPr txBox="1"/>
+          <p:cNvSpPr txBox="1">
+            <a:spLocks noGrp="1"/>
+          </p:cNvSpPr>
           <p:nvPr>
-            <p:ph idx="1" type="body"/>
+            <p:ph type="body" idx="1"/>
           </p:nvPr>
         </p:nvSpPr>
         <p:spPr>
@@ -1063,23 +1101,20 @@
           </a:prstGeom>
         </p:spPr>
         <p:txBody>
-          <a:bodyPr anchorCtr="0" anchor="t" bIns="91425" lIns="91425" spcFirstLastPara="1" rIns="91425" wrap="square" tIns="91425">
+          <a:bodyPr spcFirstLastPara="1" wrap="square" lIns="91425" tIns="91425" rIns="91425" bIns="91425" anchor="t" anchorCtr="0">
             <a:noAutofit/>
           </a:bodyPr>
           <a:lstStyle/>
           <a:p>
-            <a:pPr indent="0" lvl="0" marL="0" rtl="0" algn="l">
-              <a:spcBef>
-                <a:spcPts val="0"/>
-              </a:spcBef>
-              <a:spcAft>
-                <a:spcPts val="0"/>
-              </a:spcAft>
-              <a:buNone/>
-            </a:pPr>
-            <a:r>
-              <a:t/>
-            </a:r>
+            <a:pPr marL="0" lvl="0" indent="0" algn="l" rtl="0">
+              <a:spcBef>
+                <a:spcPts val="0"/>
+              </a:spcBef>
+              <a:spcAft>
+                <a:spcPts val="0"/>
+              </a:spcAft>
+              <a:buNone/>
+            </a:pPr>
             <a:endParaRPr/>
           </a:p>
         </p:txBody>
@@ -1093,11 +1128,11 @@
 </file>
 
 <file path=ppt/notesSlides/notesSlide3.xml><?xml version="1.0" encoding="utf-8"?>
-<p:notes xmlns:a="http://schemas.openxmlformats.org/drawingml/2006/main" xmlns:r="http://schemas.openxmlformats.org/officeDocument/2006/relationships" xmlns:mc="http://schemas.openxmlformats.org/markup-compatibility/2006" xmlns:mv="urn:schemas-microsoft-com:mac:vml" xmlns:p="http://schemas.openxmlformats.org/presentationml/2006/main" xmlns:c="http://schemas.openxmlformats.org/drawingml/2006/chart" xmlns:dgm="http://schemas.openxmlformats.org/drawingml/2006/diagram" xmlns:o="urn:schemas-microsoft-com:office:office" xmlns:v="urn:schemas-microsoft-com:vml" xmlns:pvml="urn:schemas-microsoft-com:office:powerpoint" xmlns:com="http://schemas.openxmlformats.org/drawingml/2006/compatibility" xmlns:p14="http://schemas.microsoft.com/office/powerpoint/2010/main" xmlns:p15="http://schemas.microsoft.com/office/powerpoint/2012/main" xmlns:ahyp="http://schemas.microsoft.com/office/drawing/2018/hyperlinkcolor" showMasterPhAnim="0" showMasterSp="0">
+<p:notes xmlns:a="http://schemas.openxmlformats.org/drawingml/2006/main" xmlns:r="http://schemas.openxmlformats.org/officeDocument/2006/relationships" xmlns:p="http://schemas.openxmlformats.org/presentationml/2006/main" showMasterSp="0" showMasterPhAnim="0">
   <p:cSld>
     <p:spTree>
       <p:nvGrpSpPr>
-        <p:cNvPr id="93" name="Shape 93"/>
+        <p:cNvPr id="1" name="Shape 93"/>
         <p:cNvGrpSpPr/>
         <p:nvPr/>
       </p:nvGrpSpPr>
@@ -1112,9 +1147,11 @@
       <p:sp>
         <p:nvSpPr>
           <p:cNvPr id="94" name="Google Shape;94;gf7dde1287d_0_82:notes"/>
-          <p:cNvSpPr/>
+          <p:cNvSpPr>
+            <a:spLocks noGrp="1" noRot="1" noChangeAspect="1"/>
+          </p:cNvSpPr>
           <p:nvPr>
-            <p:ph idx="2" type="sldImg"/>
+            <p:ph type="sldImg" idx="2"/>
           </p:nvPr>
         </p:nvSpPr>
         <p:spPr>
@@ -1123,9 +1160,13 @@
             <a:ext cx="6096000" cy="3429000"/>
           </a:xfrm>
           <a:custGeom>
-            <a:rect b="b" l="l" r="r" t="t"/>
+            <a:avLst/>
+            <a:gdLst/>
+            <a:ahLst/>
+            <a:cxnLst/>
+            <a:rect l="l" t="t" r="r" b="b"/>
             <a:pathLst>
-              <a:path extrusionOk="0" h="120000" w="120000">
+              <a:path w="120000" h="120000" extrusionOk="0">
                 <a:moveTo>
                   <a:pt x="0" y="0"/>
                 </a:moveTo>
@@ -1147,9 +1188,11 @@
       <p:sp>
         <p:nvSpPr>
           <p:cNvPr id="95" name="Google Shape;95;gf7dde1287d_0_82:notes"/>
-          <p:cNvSpPr txBox="1"/>
+          <p:cNvSpPr txBox="1">
+            <a:spLocks noGrp="1"/>
+          </p:cNvSpPr>
           <p:nvPr>
-            <p:ph idx="1" type="body"/>
+            <p:ph type="body" idx="1"/>
           </p:nvPr>
         </p:nvSpPr>
         <p:spPr>
@@ -1162,23 +1205,20 @@
           </a:prstGeom>
         </p:spPr>
         <p:txBody>
-          <a:bodyPr anchorCtr="0" anchor="t" bIns="91425" lIns="91425" spcFirstLastPara="1" rIns="91425" wrap="square" tIns="91425">
+          <a:bodyPr spcFirstLastPara="1" wrap="square" lIns="91425" tIns="91425" rIns="91425" bIns="91425" anchor="t" anchorCtr="0">
             <a:noAutofit/>
           </a:bodyPr>
           <a:lstStyle/>
           <a:p>
-            <a:pPr indent="0" lvl="0" marL="0" rtl="0" algn="l">
-              <a:spcBef>
-                <a:spcPts val="0"/>
-              </a:spcBef>
-              <a:spcAft>
-                <a:spcPts val="0"/>
-              </a:spcAft>
-              <a:buNone/>
-            </a:pPr>
-            <a:r>
-              <a:t/>
-            </a:r>
+            <a:pPr marL="0" lvl="0" indent="0" algn="l" rtl="0">
+              <a:spcBef>
+                <a:spcPts val="0"/>
+              </a:spcBef>
+              <a:spcAft>
+                <a:spcPts val="0"/>
+              </a:spcAft>
+              <a:buNone/>
+            </a:pPr>
             <a:endParaRPr/>
           </a:p>
         </p:txBody>
@@ -1192,11 +1232,11 @@
 </file>
 
 <file path=ppt/notesSlides/notesSlide4.xml><?xml version="1.0" encoding="utf-8"?>
-<p:notes xmlns:a="http://schemas.openxmlformats.org/drawingml/2006/main" xmlns:r="http://schemas.openxmlformats.org/officeDocument/2006/relationships" xmlns:mc="http://schemas.openxmlformats.org/markup-compatibility/2006" xmlns:mv="urn:schemas-microsoft-com:mac:vml" xmlns:p="http://schemas.openxmlformats.org/presentationml/2006/main" xmlns:c="http://schemas.openxmlformats.org/drawingml/2006/chart" xmlns:dgm="http://schemas.openxmlformats.org/drawingml/2006/diagram" xmlns:o="urn:schemas-microsoft-com:office:office" xmlns:v="urn:schemas-microsoft-com:vml" xmlns:pvml="urn:schemas-microsoft-com:office:powerpoint" xmlns:com="http://schemas.openxmlformats.org/drawingml/2006/compatibility" xmlns:p14="http://schemas.microsoft.com/office/powerpoint/2010/main" xmlns:p15="http://schemas.microsoft.com/office/powerpoint/2012/main" xmlns:ahyp="http://schemas.microsoft.com/office/drawing/2018/hyperlinkcolor" showMasterPhAnim="0" showMasterSp="0">
+<p:notes xmlns:a="http://schemas.openxmlformats.org/drawingml/2006/main" xmlns:r="http://schemas.openxmlformats.org/officeDocument/2006/relationships" xmlns:p="http://schemas.openxmlformats.org/presentationml/2006/main" showMasterSp="0" showMasterPhAnim="0">
   <p:cSld>
     <p:spTree>
       <p:nvGrpSpPr>
-        <p:cNvPr id="99" name="Shape 99"/>
+        <p:cNvPr id="1" name="Shape 99"/>
         <p:cNvGrpSpPr/>
         <p:nvPr/>
       </p:nvGrpSpPr>
@@ -1211,9 +1251,11 @@
       <p:sp>
         <p:nvSpPr>
           <p:cNvPr id="100" name="Google Shape;100;g29f43f0a72_0_0:notes"/>
-          <p:cNvSpPr/>
+          <p:cNvSpPr>
+            <a:spLocks noGrp="1" noRot="1" noChangeAspect="1"/>
+          </p:cNvSpPr>
           <p:nvPr>
-            <p:ph idx="2" type="sldImg"/>
+            <p:ph type="sldImg" idx="2"/>
           </p:nvPr>
         </p:nvSpPr>
         <p:spPr>
@@ -1222,9 +1264,13 @@
             <a:ext cx="6096000" cy="3429000"/>
           </a:xfrm>
           <a:custGeom>
-            <a:rect b="b" l="l" r="r" t="t"/>
+            <a:avLst/>
+            <a:gdLst/>
+            <a:ahLst/>
+            <a:cxnLst/>
+            <a:rect l="l" t="t" r="r" b="b"/>
             <a:pathLst>
-              <a:path extrusionOk="0" h="120000" w="120000">
+              <a:path w="120000" h="120000" extrusionOk="0">
                 <a:moveTo>
                   <a:pt x="0" y="0"/>
                 </a:moveTo>
@@ -1246,9 +1292,11 @@
       <p:sp>
         <p:nvSpPr>
           <p:cNvPr id="101" name="Google Shape;101;g29f43f0a72_0_0:notes"/>
-          <p:cNvSpPr txBox="1"/>
+          <p:cNvSpPr txBox="1">
+            <a:spLocks noGrp="1"/>
+          </p:cNvSpPr>
           <p:nvPr>
-            <p:ph idx="1" type="body"/>
+            <p:ph type="body" idx="1"/>
           </p:nvPr>
         </p:nvSpPr>
         <p:spPr>
@@ -1261,23 +1309,20 @@
           </a:prstGeom>
         </p:spPr>
         <p:txBody>
-          <a:bodyPr anchorCtr="0" anchor="t" bIns="91425" lIns="91425" spcFirstLastPara="1" rIns="91425" wrap="square" tIns="91425">
+          <a:bodyPr spcFirstLastPara="1" wrap="square" lIns="91425" tIns="91425" rIns="91425" bIns="91425" anchor="t" anchorCtr="0">
             <a:noAutofit/>
           </a:bodyPr>
           <a:lstStyle/>
           <a:p>
-            <a:pPr indent="0" lvl="0" marL="0" rtl="0" algn="l">
-              <a:spcBef>
-                <a:spcPts val="0"/>
-              </a:spcBef>
-              <a:spcAft>
-                <a:spcPts val="0"/>
-              </a:spcAft>
-              <a:buNone/>
-            </a:pPr>
-            <a:r>
-              <a:t/>
-            </a:r>
+            <a:pPr marL="0" lvl="0" indent="0" algn="l" rtl="0">
+              <a:spcBef>
+                <a:spcPts val="0"/>
+              </a:spcBef>
+              <a:spcAft>
+                <a:spcPts val="0"/>
+              </a:spcAft>
+              <a:buNone/>
+            </a:pPr>
             <a:endParaRPr/>
           </a:p>
         </p:txBody>
@@ -1291,11 +1336,11 @@
 </file>
 
 <file path=ppt/notesSlides/notesSlide5.xml><?xml version="1.0" encoding="utf-8"?>
-<p:notes xmlns:a="http://schemas.openxmlformats.org/drawingml/2006/main" xmlns:r="http://schemas.openxmlformats.org/officeDocument/2006/relationships" xmlns:mc="http://schemas.openxmlformats.org/markup-compatibility/2006" xmlns:mv="urn:schemas-microsoft-com:mac:vml" xmlns:p="http://schemas.openxmlformats.org/presentationml/2006/main" xmlns:c="http://schemas.openxmlformats.org/drawingml/2006/chart" xmlns:dgm="http://schemas.openxmlformats.org/drawingml/2006/diagram" xmlns:o="urn:schemas-microsoft-com:office:office" xmlns:v="urn:schemas-microsoft-com:vml" xmlns:pvml="urn:schemas-microsoft-com:office:powerpoint" xmlns:com="http://schemas.openxmlformats.org/drawingml/2006/compatibility" xmlns:p14="http://schemas.microsoft.com/office/powerpoint/2010/main" xmlns:p15="http://schemas.microsoft.com/office/powerpoint/2012/main" xmlns:ahyp="http://schemas.microsoft.com/office/drawing/2018/hyperlinkcolor" showMasterPhAnim="0" showMasterSp="0">
+<p:notes xmlns:a="http://schemas.openxmlformats.org/drawingml/2006/main" xmlns:r="http://schemas.openxmlformats.org/officeDocument/2006/relationships" xmlns:p="http://schemas.openxmlformats.org/presentationml/2006/main" showMasterSp="0" showMasterPhAnim="0">
   <p:cSld>
     <p:spTree>
       <p:nvGrpSpPr>
-        <p:cNvPr id="105" name="Shape 105"/>
+        <p:cNvPr id="1" name="Shape 105"/>
         <p:cNvGrpSpPr/>
         <p:nvPr/>
       </p:nvGrpSpPr>
@@ -1310,9 +1355,11 @@
       <p:sp>
         <p:nvSpPr>
           <p:cNvPr id="106" name="Google Shape;106;gd661b9a285_0_1:notes"/>
-          <p:cNvSpPr/>
+          <p:cNvSpPr>
+            <a:spLocks noGrp="1" noRot="1" noChangeAspect="1"/>
+          </p:cNvSpPr>
           <p:nvPr>
-            <p:ph idx="2" type="sldImg"/>
+            <p:ph type="sldImg" idx="2"/>
           </p:nvPr>
         </p:nvSpPr>
         <p:spPr>
@@ -1321,9 +1368,13 @@
             <a:ext cx="6096000" cy="3429000"/>
           </a:xfrm>
           <a:custGeom>
-            <a:rect b="b" l="l" r="r" t="t"/>
+            <a:avLst/>
+            <a:gdLst/>
+            <a:ahLst/>
+            <a:cxnLst/>
+            <a:rect l="l" t="t" r="r" b="b"/>
             <a:pathLst>
-              <a:path extrusionOk="0" h="120000" w="120000">
+              <a:path w="120000" h="120000" extrusionOk="0">
                 <a:moveTo>
                   <a:pt x="0" y="0"/>
                 </a:moveTo>
@@ -1345,9 +1396,11 @@
       <p:sp>
         <p:nvSpPr>
           <p:cNvPr id="107" name="Google Shape;107;gd661b9a285_0_1:notes"/>
-          <p:cNvSpPr txBox="1"/>
+          <p:cNvSpPr txBox="1">
+            <a:spLocks noGrp="1"/>
+          </p:cNvSpPr>
           <p:nvPr>
-            <p:ph idx="1" type="body"/>
+            <p:ph type="body" idx="1"/>
           </p:nvPr>
         </p:nvSpPr>
         <p:spPr>
@@ -1360,23 +1413,20 @@
           </a:prstGeom>
         </p:spPr>
         <p:txBody>
-          <a:bodyPr anchorCtr="0" anchor="t" bIns="91425" lIns="91425" spcFirstLastPara="1" rIns="91425" wrap="square" tIns="91425">
+          <a:bodyPr spcFirstLastPara="1" wrap="square" lIns="91425" tIns="91425" rIns="91425" bIns="91425" anchor="t" anchorCtr="0">
             <a:noAutofit/>
           </a:bodyPr>
           <a:lstStyle/>
           <a:p>
-            <a:pPr indent="0" lvl="0" marL="0" rtl="0" algn="l">
-              <a:spcBef>
-                <a:spcPts val="0"/>
-              </a:spcBef>
-              <a:spcAft>
-                <a:spcPts val="0"/>
-              </a:spcAft>
-              <a:buNone/>
-            </a:pPr>
-            <a:r>
-              <a:t/>
-            </a:r>
+            <a:pPr marL="0" lvl="0" indent="0" algn="l" rtl="0">
+              <a:spcBef>
+                <a:spcPts val="0"/>
+              </a:spcBef>
+              <a:spcAft>
+                <a:spcPts val="0"/>
+              </a:spcAft>
+              <a:buNone/>
+            </a:pPr>
             <a:endParaRPr/>
           </a:p>
         </p:txBody>
@@ -1390,11 +1440,11 @@
 </file>
 
 <file path=ppt/notesSlides/notesSlide6.xml><?xml version="1.0" encoding="utf-8"?>
-<p:notes xmlns:a="http://schemas.openxmlformats.org/drawingml/2006/main" xmlns:r="http://schemas.openxmlformats.org/officeDocument/2006/relationships" xmlns:mc="http://schemas.openxmlformats.org/markup-compatibility/2006" xmlns:mv="urn:schemas-microsoft-com:mac:vml" xmlns:p="http://schemas.openxmlformats.org/presentationml/2006/main" xmlns:c="http://schemas.openxmlformats.org/drawingml/2006/chart" xmlns:dgm="http://schemas.openxmlformats.org/drawingml/2006/diagram" xmlns:o="urn:schemas-microsoft-com:office:office" xmlns:v="urn:schemas-microsoft-com:vml" xmlns:pvml="urn:schemas-microsoft-com:office:powerpoint" xmlns:com="http://schemas.openxmlformats.org/drawingml/2006/compatibility" xmlns:p14="http://schemas.microsoft.com/office/powerpoint/2010/main" xmlns:p15="http://schemas.microsoft.com/office/powerpoint/2012/main" xmlns:ahyp="http://schemas.microsoft.com/office/drawing/2018/hyperlinkcolor" showMasterPhAnim="0" showMasterSp="0">
+<p:notes xmlns:a="http://schemas.openxmlformats.org/drawingml/2006/main" xmlns:r="http://schemas.openxmlformats.org/officeDocument/2006/relationships" xmlns:p="http://schemas.openxmlformats.org/presentationml/2006/main" showMasterSp="0" showMasterPhAnim="0">
   <p:cSld>
     <p:spTree>
       <p:nvGrpSpPr>
-        <p:cNvPr id="111" name="Shape 111"/>
+        <p:cNvPr id="1" name="Shape 111"/>
         <p:cNvGrpSpPr/>
         <p:nvPr/>
       </p:nvGrpSpPr>
@@ -1409,9 +1459,11 @@
       <p:sp>
         <p:nvSpPr>
           <p:cNvPr id="112" name="Google Shape;112;g29f43f0a72_0_5:notes"/>
-          <p:cNvSpPr/>
+          <p:cNvSpPr>
+            <a:spLocks noGrp="1" noRot="1" noChangeAspect="1"/>
+          </p:cNvSpPr>
           <p:nvPr>
-            <p:ph idx="2" type="sldImg"/>
+            <p:ph type="sldImg" idx="2"/>
           </p:nvPr>
         </p:nvSpPr>
         <p:spPr>
@@ -1420,9 +1472,13 @@
             <a:ext cx="6096000" cy="3429000"/>
           </a:xfrm>
           <a:custGeom>
-            <a:rect b="b" l="l" r="r" t="t"/>
+            <a:avLst/>
+            <a:gdLst/>
+            <a:ahLst/>
+            <a:cxnLst/>
+            <a:rect l="l" t="t" r="r" b="b"/>
             <a:pathLst>
-              <a:path extrusionOk="0" h="120000" w="120000">
+              <a:path w="120000" h="120000" extrusionOk="0">
                 <a:moveTo>
                   <a:pt x="0" y="0"/>
                 </a:moveTo>
@@ -1444,9 +1500,11 @@
       <p:sp>
         <p:nvSpPr>
           <p:cNvPr id="113" name="Google Shape;113;g29f43f0a72_0_5:notes"/>
-          <p:cNvSpPr txBox="1"/>
+          <p:cNvSpPr txBox="1">
+            <a:spLocks noGrp="1"/>
+          </p:cNvSpPr>
           <p:nvPr>
-            <p:ph idx="1" type="body"/>
+            <p:ph type="body" idx="1"/>
           </p:nvPr>
         </p:nvSpPr>
         <p:spPr>
@@ -1459,23 +1517,20 @@
           </a:prstGeom>
         </p:spPr>
         <p:txBody>
-          <a:bodyPr anchorCtr="0" anchor="t" bIns="91425" lIns="91425" spcFirstLastPara="1" rIns="91425" wrap="square" tIns="91425">
+          <a:bodyPr spcFirstLastPara="1" wrap="square" lIns="91425" tIns="91425" rIns="91425" bIns="91425" anchor="t" anchorCtr="0">
             <a:noAutofit/>
           </a:bodyPr>
           <a:lstStyle/>
           <a:p>
-            <a:pPr indent="0" lvl="0" marL="0" rtl="0" algn="l">
-              <a:spcBef>
-                <a:spcPts val="0"/>
-              </a:spcBef>
-              <a:spcAft>
-                <a:spcPts val="0"/>
-              </a:spcAft>
-              <a:buNone/>
-            </a:pPr>
-            <a:r>
-              <a:t/>
-            </a:r>
+            <a:pPr marL="0" lvl="0" indent="0" algn="l" rtl="0">
+              <a:spcBef>
+                <a:spcPts val="0"/>
+              </a:spcBef>
+              <a:spcAft>
+                <a:spcPts val="0"/>
+              </a:spcAft>
+              <a:buNone/>
+            </a:pPr>
             <a:endParaRPr/>
           </a:p>
         </p:txBody>
@@ -1489,11 +1544,11 @@
 </file>
 
 <file path=ppt/notesSlides/notesSlide7.xml><?xml version="1.0" encoding="utf-8"?>
-<p:notes xmlns:a="http://schemas.openxmlformats.org/drawingml/2006/main" xmlns:r="http://schemas.openxmlformats.org/officeDocument/2006/relationships" xmlns:mc="http://schemas.openxmlformats.org/markup-compatibility/2006" xmlns:mv="urn:schemas-microsoft-com:mac:vml" xmlns:p="http://schemas.openxmlformats.org/presentationml/2006/main" xmlns:c="http://schemas.openxmlformats.org/drawingml/2006/chart" xmlns:dgm="http://schemas.openxmlformats.org/drawingml/2006/diagram" xmlns:o="urn:schemas-microsoft-com:office:office" xmlns:v="urn:schemas-microsoft-com:vml" xmlns:pvml="urn:schemas-microsoft-com:office:powerpoint" xmlns:com="http://schemas.openxmlformats.org/drawingml/2006/compatibility" xmlns:p14="http://schemas.microsoft.com/office/powerpoint/2010/main" xmlns:p15="http://schemas.microsoft.com/office/powerpoint/2012/main" xmlns:ahyp="http://schemas.microsoft.com/office/drawing/2018/hyperlinkcolor" showMasterPhAnim="0" showMasterSp="0">
+<p:notes xmlns:a="http://schemas.openxmlformats.org/drawingml/2006/main" xmlns:r="http://schemas.openxmlformats.org/officeDocument/2006/relationships" xmlns:p="http://schemas.openxmlformats.org/presentationml/2006/main" showMasterSp="0" showMasterPhAnim="0">
   <p:cSld>
     <p:spTree>
       <p:nvGrpSpPr>
-        <p:cNvPr id="117" name="Shape 117"/>
+        <p:cNvPr id="1" name="Shape 117"/>
         <p:cNvGrpSpPr/>
         <p:nvPr/>
       </p:nvGrpSpPr>
@@ -1508,9 +1563,11 @@
       <p:sp>
         <p:nvSpPr>
           <p:cNvPr id="118" name="Google Shape;118;g29f43f0a72_0_15:notes"/>
-          <p:cNvSpPr/>
+          <p:cNvSpPr>
+            <a:spLocks noGrp="1" noRot="1" noChangeAspect="1"/>
+          </p:cNvSpPr>
           <p:nvPr>
-            <p:ph idx="2" type="sldImg"/>
+            <p:ph type="sldImg" idx="2"/>
           </p:nvPr>
         </p:nvSpPr>
         <p:spPr>
@@ -1519,9 +1576,13 @@
             <a:ext cx="6096000" cy="3429000"/>
           </a:xfrm>
           <a:custGeom>
-            <a:rect b="b" l="l" r="r" t="t"/>
+            <a:avLst/>
+            <a:gdLst/>
+            <a:ahLst/>
+            <a:cxnLst/>
+            <a:rect l="l" t="t" r="r" b="b"/>
             <a:pathLst>
-              <a:path extrusionOk="0" h="120000" w="120000">
+              <a:path w="120000" h="120000" extrusionOk="0">
                 <a:moveTo>
                   <a:pt x="0" y="0"/>
                 </a:moveTo>
@@ -1543,9 +1604,11 @@
       <p:sp>
         <p:nvSpPr>
           <p:cNvPr id="119" name="Google Shape;119;g29f43f0a72_0_15:notes"/>
-          <p:cNvSpPr txBox="1"/>
+          <p:cNvSpPr txBox="1">
+            <a:spLocks noGrp="1"/>
+          </p:cNvSpPr>
           <p:nvPr>
-            <p:ph idx="1" type="body"/>
+            <p:ph type="body" idx="1"/>
           </p:nvPr>
         </p:nvSpPr>
         <p:spPr>
@@ -1558,23 +1621,20 @@
           </a:prstGeom>
         </p:spPr>
         <p:txBody>
-          <a:bodyPr anchorCtr="0" anchor="t" bIns="91425" lIns="91425" spcFirstLastPara="1" rIns="91425" wrap="square" tIns="91425">
+          <a:bodyPr spcFirstLastPara="1" wrap="square" lIns="91425" tIns="91425" rIns="91425" bIns="91425" anchor="t" anchorCtr="0">
             <a:noAutofit/>
           </a:bodyPr>
           <a:lstStyle/>
           <a:p>
-            <a:pPr indent="0" lvl="0" marL="0" rtl="0" algn="l">
-              <a:spcBef>
-                <a:spcPts val="0"/>
-              </a:spcBef>
-              <a:spcAft>
-                <a:spcPts val="0"/>
-              </a:spcAft>
-              <a:buNone/>
-            </a:pPr>
-            <a:r>
-              <a:t/>
-            </a:r>
+            <a:pPr marL="0" lvl="0" indent="0" algn="l" rtl="0">
+              <a:spcBef>
+                <a:spcPts val="0"/>
+              </a:spcBef>
+              <a:spcAft>
+                <a:spcPts val="0"/>
+              </a:spcAft>
+              <a:buNone/>
+            </a:pPr>
             <a:endParaRPr/>
           </a:p>
         </p:txBody>
@@ -1588,11 +1648,11 @@
 </file>
 
 <file path=ppt/notesSlides/notesSlide8.xml><?xml version="1.0" encoding="utf-8"?>
-<p:notes xmlns:a="http://schemas.openxmlformats.org/drawingml/2006/main" xmlns:r="http://schemas.openxmlformats.org/officeDocument/2006/relationships" xmlns:mc="http://schemas.openxmlformats.org/markup-compatibility/2006" xmlns:mv="urn:schemas-microsoft-com:mac:vml" xmlns:p="http://schemas.openxmlformats.org/presentationml/2006/main" xmlns:c="http://schemas.openxmlformats.org/drawingml/2006/chart" xmlns:dgm="http://schemas.openxmlformats.org/drawingml/2006/diagram" xmlns:o="urn:schemas-microsoft-com:office:office" xmlns:v="urn:schemas-microsoft-com:vml" xmlns:pvml="urn:schemas-microsoft-com:office:powerpoint" xmlns:com="http://schemas.openxmlformats.org/drawingml/2006/compatibility" xmlns:p14="http://schemas.microsoft.com/office/powerpoint/2010/main" xmlns:p15="http://schemas.microsoft.com/office/powerpoint/2012/main" xmlns:ahyp="http://schemas.microsoft.com/office/drawing/2018/hyperlinkcolor" showMasterPhAnim="0" showMasterSp="0">
+<p:notes xmlns:a="http://schemas.openxmlformats.org/drawingml/2006/main" xmlns:r="http://schemas.openxmlformats.org/officeDocument/2006/relationships" xmlns:p="http://schemas.openxmlformats.org/presentationml/2006/main" showMasterSp="0" showMasterPhAnim="0">
   <p:cSld>
     <p:spTree>
       <p:nvGrpSpPr>
-        <p:cNvPr id="122" name="Shape 122"/>
+        <p:cNvPr id="1" name="Shape 122"/>
         <p:cNvGrpSpPr/>
         <p:nvPr/>
       </p:nvGrpSpPr>
@@ -1607,9 +1667,11 @@
       <p:sp>
         <p:nvSpPr>
           <p:cNvPr id="123" name="Google Shape;123;g29f43f0a72_0_10:notes"/>
-          <p:cNvSpPr/>
+          <p:cNvSpPr>
+            <a:spLocks noGrp="1" noRot="1" noChangeAspect="1"/>
+          </p:cNvSpPr>
           <p:nvPr>
-            <p:ph idx="2" type="sldImg"/>
+            <p:ph type="sldImg" idx="2"/>
           </p:nvPr>
         </p:nvSpPr>
         <p:spPr>
@@ -1618,9 +1680,13 @@
             <a:ext cx="6096000" cy="3429000"/>
           </a:xfrm>
           <a:custGeom>
-            <a:rect b="b" l="l" r="r" t="t"/>
+            <a:avLst/>
+            <a:gdLst/>
+            <a:ahLst/>
+            <a:cxnLst/>
+            <a:rect l="l" t="t" r="r" b="b"/>
             <a:pathLst>
-              <a:path extrusionOk="0" h="120000" w="120000">
+              <a:path w="120000" h="120000" extrusionOk="0">
                 <a:moveTo>
                   <a:pt x="0" y="0"/>
                 </a:moveTo>
@@ -1642,9 +1708,11 @@
       <p:sp>
         <p:nvSpPr>
           <p:cNvPr id="124" name="Google Shape;124;g29f43f0a72_0_10:notes"/>
-          <p:cNvSpPr txBox="1"/>
+          <p:cNvSpPr txBox="1">
+            <a:spLocks noGrp="1"/>
+          </p:cNvSpPr>
           <p:nvPr>
-            <p:ph idx="1" type="body"/>
+            <p:ph type="body" idx="1"/>
           </p:nvPr>
         </p:nvSpPr>
         <p:spPr>
@@ -1657,23 +1725,20 @@
           </a:prstGeom>
         </p:spPr>
         <p:txBody>
-          <a:bodyPr anchorCtr="0" anchor="t" bIns="91425" lIns="91425" spcFirstLastPara="1" rIns="91425" wrap="square" tIns="91425">
+          <a:bodyPr spcFirstLastPara="1" wrap="square" lIns="91425" tIns="91425" rIns="91425" bIns="91425" anchor="t" anchorCtr="0">
             <a:noAutofit/>
           </a:bodyPr>
           <a:lstStyle/>
           <a:p>
-            <a:pPr indent="0" lvl="0" marL="0" rtl="0" algn="l">
-              <a:spcBef>
-                <a:spcPts val="0"/>
-              </a:spcBef>
-              <a:spcAft>
-                <a:spcPts val="0"/>
-              </a:spcAft>
-              <a:buNone/>
-            </a:pPr>
-            <a:r>
-              <a:t/>
-            </a:r>
+            <a:pPr marL="0" lvl="0" indent="0" algn="l" rtl="0">
+              <a:spcBef>
+                <a:spcPts val="0"/>
+              </a:spcBef>
+              <a:spcAft>
+                <a:spcPts val="0"/>
+              </a:spcAft>
+              <a:buNone/>
+            </a:pPr>
             <a:endParaRPr/>
           </a:p>
         </p:txBody>
@@ -1687,11 +1752,11 @@
 </file>
 
 <file path=ppt/notesSlides/notesSlide9.xml><?xml version="1.0" encoding="utf-8"?>
-<p:notes xmlns:a="http://schemas.openxmlformats.org/drawingml/2006/main" xmlns:r="http://schemas.openxmlformats.org/officeDocument/2006/relationships" xmlns:mc="http://schemas.openxmlformats.org/markup-compatibility/2006" xmlns:mv="urn:schemas-microsoft-com:mac:vml" xmlns:p="http://schemas.openxmlformats.org/presentationml/2006/main" xmlns:c="http://schemas.openxmlformats.org/drawingml/2006/chart" xmlns:dgm="http://schemas.openxmlformats.org/drawingml/2006/diagram" xmlns:o="urn:schemas-microsoft-com:office:office" xmlns:v="urn:schemas-microsoft-com:vml" xmlns:pvml="urn:schemas-microsoft-com:office:powerpoint" xmlns:com="http://schemas.openxmlformats.org/drawingml/2006/compatibility" xmlns:p14="http://schemas.microsoft.com/office/powerpoint/2010/main" xmlns:p15="http://schemas.microsoft.com/office/powerpoint/2012/main" xmlns:ahyp="http://schemas.microsoft.com/office/drawing/2018/hyperlinkcolor" showMasterPhAnim="0" showMasterSp="0">
+<p:notes xmlns:a="http://schemas.openxmlformats.org/drawingml/2006/main" xmlns:r="http://schemas.openxmlformats.org/officeDocument/2006/relationships" xmlns:p="http://schemas.openxmlformats.org/presentationml/2006/main" showMasterSp="0" showMasterPhAnim="0">
   <p:cSld>
     <p:spTree>
       <p:nvGrpSpPr>
-        <p:cNvPr id="128" name="Shape 128"/>
+        <p:cNvPr id="1" name="Shape 128"/>
         <p:cNvGrpSpPr/>
         <p:nvPr/>
       </p:nvGrpSpPr>
@@ -1706,9 +1771,11 @@
       <p:sp>
         <p:nvSpPr>
           <p:cNvPr id="129" name="Google Shape;129;gf7dde1287d_0_94:notes"/>
-          <p:cNvSpPr/>
+          <p:cNvSpPr>
+            <a:spLocks noGrp="1" noRot="1" noChangeAspect="1"/>
+          </p:cNvSpPr>
           <p:nvPr>
-            <p:ph idx="2" type="sldImg"/>
+            <p:ph type="sldImg" idx="2"/>
           </p:nvPr>
         </p:nvSpPr>
         <p:spPr>
@@ -1717,9 +1784,13 @@
             <a:ext cx="6096000" cy="3429000"/>
           </a:xfrm>
           <a:custGeom>
-            <a:rect b="b" l="l" r="r" t="t"/>
+            <a:avLst/>
+            <a:gdLst/>
+            <a:ahLst/>
+            <a:cxnLst/>
+            <a:rect l="l" t="t" r="r" b="b"/>
             <a:pathLst>
-              <a:path extrusionOk="0" h="120000" w="120000">
+              <a:path w="120000" h="120000" extrusionOk="0">
                 <a:moveTo>
                   <a:pt x="0" y="0"/>
                 </a:moveTo>
@@ -1741,9 +1812,11 @@
       <p:sp>
         <p:nvSpPr>
           <p:cNvPr id="130" name="Google Shape;130;gf7dde1287d_0_94:notes"/>
-          <p:cNvSpPr txBox="1"/>
+          <p:cNvSpPr txBox="1">
+            <a:spLocks noGrp="1"/>
+          </p:cNvSpPr>
           <p:nvPr>
-            <p:ph idx="1" type="body"/>
+            <p:ph type="body" idx="1"/>
           </p:nvPr>
         </p:nvSpPr>
         <p:spPr>
@@ -1756,23 +1829,20 @@
           </a:prstGeom>
         </p:spPr>
         <p:txBody>
-          <a:bodyPr anchorCtr="0" anchor="t" bIns="91425" lIns="91425" spcFirstLastPara="1" rIns="91425" wrap="square" tIns="91425">
+          <a:bodyPr spcFirstLastPara="1" wrap="square" lIns="91425" tIns="91425" rIns="91425" bIns="91425" anchor="t" anchorCtr="0">
             <a:noAutofit/>
           </a:bodyPr>
           <a:lstStyle/>
           <a:p>
-            <a:pPr indent="0" lvl="0" marL="0" rtl="0" algn="l">
-              <a:spcBef>
-                <a:spcPts val="0"/>
-              </a:spcBef>
-              <a:spcAft>
-                <a:spcPts val="0"/>
-              </a:spcAft>
-              <a:buNone/>
-            </a:pPr>
-            <a:r>
-              <a:t/>
-            </a:r>
+            <a:pPr marL="0" lvl="0" indent="0" algn="l" rtl="0">
+              <a:spcBef>
+                <a:spcPts val="0"/>
+              </a:spcBef>
+              <a:spcAft>
+                <a:spcPts val="0"/>
+              </a:spcAft>
+              <a:buNone/>
+            </a:pPr>
             <a:endParaRPr/>
           </a:p>
         </p:txBody>
@@ -1786,18 +1856,19 @@
 </file>
 
 <file path=ppt/slideLayouts/slideLayout1.xml><?xml version="1.0" encoding="utf-8"?>
-<p:sldLayout xmlns:a="http://schemas.openxmlformats.org/drawingml/2006/main" xmlns:r="http://schemas.openxmlformats.org/officeDocument/2006/relationships" xmlns:mc="http://schemas.openxmlformats.org/markup-compatibility/2006" xmlns:mv="urn:schemas-microsoft-com:mac:vml" xmlns:p="http://schemas.openxmlformats.org/presentationml/2006/main" xmlns:c="http://schemas.openxmlformats.org/drawingml/2006/chart" xmlns:dgm="http://schemas.openxmlformats.org/drawingml/2006/diagram" xmlns:o="urn:schemas-microsoft-com:office:office" xmlns:v="urn:schemas-microsoft-com:vml" xmlns:pvml="urn:schemas-microsoft-com:office:powerpoint" xmlns:com="http://schemas.openxmlformats.org/drawingml/2006/compatibility" xmlns:p14="http://schemas.microsoft.com/office/powerpoint/2010/main" xmlns:p15="http://schemas.microsoft.com/office/powerpoint/2012/main" xmlns:ahyp="http://schemas.microsoft.com/office/drawing/2018/hyperlinkcolor" matchingName="Title slide" type="title">
+<p:sldLayout xmlns:a="http://schemas.openxmlformats.org/drawingml/2006/main" xmlns:r="http://schemas.openxmlformats.org/officeDocument/2006/relationships" xmlns:p="http://schemas.openxmlformats.org/presentationml/2006/main" matchingName="Title slide" type="title">
   <p:cSld name="TITLE">
     <p:bg>
       <p:bgPr>
         <a:solidFill>
           <a:schemeClr val="lt2"/>
         </a:solidFill>
+        <a:effectLst/>
       </p:bgPr>
     </p:bg>
     <p:spTree>
       <p:nvGrpSpPr>
-        <p:cNvPr id="9" name="Shape 9"/>
+        <p:cNvPr id="1" name="Shape 9"/>
         <p:cNvGrpSpPr/>
         <p:nvPr/>
       </p:nvGrpSpPr>
@@ -1831,23 +1902,20 @@
           </a:ln>
         </p:spPr>
         <p:txBody>
-          <a:bodyPr anchorCtr="0" anchor="ctr" bIns="91425" lIns="91425" spcFirstLastPara="1" rIns="91425" wrap="square" tIns="91425">
+          <a:bodyPr spcFirstLastPara="1" wrap="square" lIns="91425" tIns="91425" rIns="91425" bIns="91425" anchor="ctr" anchorCtr="0">
             <a:noAutofit/>
           </a:bodyPr>
           <a:lstStyle/>
           <a:p>
-            <a:pPr indent="0" lvl="0" marL="0" rtl="0" algn="l">
-              <a:spcBef>
-                <a:spcPts val="0"/>
-              </a:spcBef>
-              <a:spcAft>
-                <a:spcPts val="0"/>
-              </a:spcAft>
-              <a:buNone/>
-            </a:pPr>
-            <a:r>
-              <a:t/>
-            </a:r>
+            <a:pPr marL="0" lvl="0" indent="0" algn="l" rtl="0">
+              <a:spcBef>
+                <a:spcPts val="0"/>
+              </a:spcBef>
+              <a:spcAft>
+                <a:spcPts val="0"/>
+              </a:spcAft>
+              <a:buNone/>
+            </a:pPr>
             <a:endParaRPr/>
           </a:p>
         </p:txBody>
@@ -1888,12 +1956,12 @@
             </a:ln>
           </p:spPr>
           <p:txBody>
-            <a:bodyPr anchorCtr="0" anchor="ctr" bIns="91425" lIns="91425" spcFirstLastPara="1" rIns="91425" wrap="square" tIns="91425">
+            <a:bodyPr spcFirstLastPara="1" wrap="square" lIns="91425" tIns="91425" rIns="91425" bIns="91425" anchor="ctr" anchorCtr="0">
               <a:noAutofit/>
             </a:bodyPr>
             <a:lstStyle/>
             <a:p>
-              <a:pPr indent="0" lvl="0" marL="0" rtl="0" algn="l">
+              <a:pPr marL="0" lvl="0" indent="0" algn="l" rtl="0">
                 <a:spcBef>
                   <a:spcPts val="0"/>
                 </a:spcBef>
@@ -1902,9 +1970,6 @@
                 </a:spcAft>
                 <a:buNone/>
               </a:pPr>
-              <a:r>
-                <a:t/>
-              </a:r>
               <a:endParaRPr/>
             </a:p>
           </p:txBody>
@@ -1931,12 +1996,12 @@
             </a:ln>
           </p:spPr>
           <p:txBody>
-            <a:bodyPr anchorCtr="0" anchor="ctr" bIns="91425" lIns="91425" spcFirstLastPara="1" rIns="91425" wrap="square" tIns="91425">
+            <a:bodyPr spcFirstLastPara="1" wrap="square" lIns="91425" tIns="91425" rIns="91425" bIns="91425" anchor="ctr" anchorCtr="0">
               <a:noAutofit/>
             </a:bodyPr>
             <a:lstStyle/>
             <a:p>
-              <a:pPr indent="0" lvl="0" marL="0" rtl="0" algn="l">
+              <a:pPr marL="0" lvl="0" indent="0" algn="l" rtl="0">
                 <a:spcBef>
                   <a:spcPts val="0"/>
                 </a:spcBef>
@@ -1945,9 +2010,6 @@
                 </a:spcAft>
                 <a:buNone/>
               </a:pPr>
-              <a:r>
-                <a:t/>
-              </a:r>
               <a:endParaRPr/>
             </a:p>
           </p:txBody>
@@ -1956,7 +2018,9 @@
       <p:sp>
         <p:nvSpPr>
           <p:cNvPr id="14" name="Google Shape;14;p2"/>
-          <p:cNvSpPr txBox="1"/>
+          <p:cNvSpPr txBox="1">
+            <a:spLocks noGrp="1"/>
+          </p:cNvSpPr>
           <p:nvPr>
             <p:ph type="ctrTitle"/>
           </p:nvPr>
@@ -1971,7 +2035,7 @@
           </a:prstGeom>
         </p:spPr>
         <p:txBody>
-          <a:bodyPr anchorCtr="0" anchor="t" bIns="91425" lIns="91425" spcFirstLastPara="1" rIns="91425" wrap="square" tIns="91425">
+          <a:bodyPr spcFirstLastPara="1" wrap="square" lIns="91425" tIns="91425" rIns="91425" bIns="91425" anchor="t" anchorCtr="0">
             <a:normAutofit/>
           </a:bodyPr>
           <a:lstStyle>
@@ -2075,15 +2139,19 @@
               <a:defRPr sz="4200"/>
             </a:lvl9pPr>
           </a:lstStyle>
-          <a:p/>
+          <a:p>
+            <a:endParaRPr/>
+          </a:p>
         </p:txBody>
       </p:sp>
       <p:sp>
         <p:nvSpPr>
           <p:cNvPr id="15" name="Google Shape;15;p2"/>
-          <p:cNvSpPr txBox="1"/>
+          <p:cNvSpPr txBox="1">
+            <a:spLocks noGrp="1"/>
+          </p:cNvSpPr>
           <p:nvPr>
-            <p:ph idx="1" type="subTitle"/>
+            <p:ph type="subTitle" idx="1"/>
           </p:nvPr>
         </p:nvSpPr>
         <p:spPr>
@@ -2096,7 +2164,7 @@
           </a:prstGeom>
         </p:spPr>
         <p:txBody>
-          <a:bodyPr anchorCtr="0" anchor="t" bIns="91425" lIns="91425" spcFirstLastPara="1" rIns="91425" wrap="square" tIns="91425">
+          <a:bodyPr spcFirstLastPara="1" wrap="square" lIns="91425" tIns="91425" rIns="91425" bIns="91425" anchor="t" anchorCtr="0">
             <a:normAutofit/>
           </a:bodyPr>
           <a:lstStyle>
@@ -2227,15 +2295,19 @@
               <a:defRPr sz="1600"/>
             </a:lvl9pPr>
           </a:lstStyle>
-          <a:p/>
+          <a:p>
+            <a:endParaRPr/>
+          </a:p>
         </p:txBody>
       </p:sp>
       <p:sp>
         <p:nvSpPr>
           <p:cNvPr id="16" name="Google Shape;16;p2"/>
-          <p:cNvSpPr txBox="1"/>
+          <p:cNvSpPr txBox="1">
+            <a:spLocks noGrp="1"/>
+          </p:cNvSpPr>
           <p:nvPr>
-            <p:ph idx="12" type="sldNum"/>
+            <p:ph type="sldNum" idx="12"/>
           </p:nvPr>
         </p:nvSpPr>
         <p:spPr>
@@ -2248,7 +2320,7 @@
           </a:prstGeom>
         </p:spPr>
         <p:txBody>
-          <a:bodyPr anchorCtr="0" anchor="ctr" bIns="91425" lIns="91425" spcFirstLastPara="1" rIns="91425" wrap="square" tIns="91425">
+          <a:bodyPr spcFirstLastPara="1" wrap="square" lIns="91425" tIns="91425" rIns="91425" bIns="91425" anchor="ctr" anchorCtr="0">
             <a:normAutofit/>
           </a:bodyPr>
           <a:lstStyle>
@@ -2290,7 +2362,7 @@
             </a:lvl9pPr>
           </a:lstStyle>
           <a:p>
-            <a:pPr indent="0" lvl="0" marL="0" rtl="0" algn="r">
+            <a:pPr marL="0" lvl="0" indent="0" algn="r" rtl="0">
               <a:spcBef>
                 <a:spcPts val="0"/>
               </a:spcBef>
@@ -2316,18 +2388,19 @@
 </file>
 
 <file path=ppt/slideLayouts/slideLayout10.xml><?xml version="1.0" encoding="utf-8"?>
-<p:sldLayout xmlns:a="http://schemas.openxmlformats.org/drawingml/2006/main" xmlns:r="http://schemas.openxmlformats.org/officeDocument/2006/relationships" xmlns:mc="http://schemas.openxmlformats.org/markup-compatibility/2006" xmlns:mv="urn:schemas-microsoft-com:mac:vml" xmlns:p="http://schemas.openxmlformats.org/presentationml/2006/main" xmlns:c="http://schemas.openxmlformats.org/drawingml/2006/chart" xmlns:dgm="http://schemas.openxmlformats.org/drawingml/2006/diagram" xmlns:o="urn:schemas-microsoft-com:office:office" xmlns:v="urn:schemas-microsoft-com:vml" xmlns:pvml="urn:schemas-microsoft-com:office:powerpoint" xmlns:com="http://schemas.openxmlformats.org/drawingml/2006/compatibility" xmlns:p14="http://schemas.microsoft.com/office/powerpoint/2010/main" xmlns:p15="http://schemas.microsoft.com/office/powerpoint/2012/main" xmlns:ahyp="http://schemas.microsoft.com/office/drawing/2018/hyperlinkcolor" matchingName="Big number">
+<p:sldLayout xmlns:a="http://schemas.openxmlformats.org/drawingml/2006/main" xmlns:r="http://schemas.openxmlformats.org/officeDocument/2006/relationships" xmlns:p="http://schemas.openxmlformats.org/presentationml/2006/main" matchingName="Big number">
   <p:cSld name="BIG_NUMBER">
     <p:bg>
       <p:bgPr>
         <a:solidFill>
           <a:schemeClr val="dk1"/>
         </a:solidFill>
+        <a:effectLst/>
       </p:bgPr>
     </p:bg>
     <p:spTree>
       <p:nvGrpSpPr>
-        <p:cNvPr id="73" name="Shape 73"/>
+        <p:cNvPr id="1" name="Shape 73"/>
         <p:cNvGrpSpPr/>
         <p:nvPr/>
       </p:nvGrpSpPr>
@@ -2375,12 +2448,12 @@
             </a:ln>
           </p:spPr>
           <p:txBody>
-            <a:bodyPr anchorCtr="0" anchor="ctr" bIns="91425" lIns="91425" spcFirstLastPara="1" rIns="91425" wrap="square" tIns="91425">
+            <a:bodyPr spcFirstLastPara="1" wrap="square" lIns="91425" tIns="91425" rIns="91425" bIns="91425" anchor="ctr" anchorCtr="0">
               <a:noAutofit/>
             </a:bodyPr>
             <a:lstStyle/>
             <a:p>
-              <a:pPr indent="0" lvl="0" marL="0" rtl="0" algn="l">
+              <a:pPr marL="0" lvl="0" indent="0" algn="l" rtl="0">
                 <a:spcBef>
                   <a:spcPts val="0"/>
                 </a:spcBef>
@@ -2389,9 +2462,6 @@
                 </a:spcAft>
                 <a:buNone/>
               </a:pPr>
-              <a:r>
-                <a:t/>
-              </a:r>
               <a:endParaRPr/>
             </a:p>
           </p:txBody>
@@ -2418,12 +2488,12 @@
             </a:ln>
           </p:spPr>
           <p:txBody>
-            <a:bodyPr anchorCtr="0" anchor="ctr" bIns="91425" lIns="91425" spcFirstLastPara="1" rIns="91425" wrap="square" tIns="91425">
+            <a:bodyPr spcFirstLastPara="1" wrap="square" lIns="91425" tIns="91425" rIns="91425" bIns="91425" anchor="ctr" anchorCtr="0">
               <a:noAutofit/>
             </a:bodyPr>
             <a:lstStyle/>
             <a:p>
-              <a:pPr indent="0" lvl="0" marL="0" rtl="0" algn="l">
+              <a:pPr marL="0" lvl="0" indent="0" algn="l" rtl="0">
                 <a:spcBef>
                   <a:spcPts val="0"/>
                 </a:spcBef>
@@ -2432,9 +2502,6 @@
                 </a:spcAft>
                 <a:buNone/>
               </a:pPr>
-              <a:r>
-                <a:t/>
-              </a:r>
               <a:endParaRPr/>
             </a:p>
           </p:txBody>
@@ -2443,9 +2510,11 @@
       <p:sp>
         <p:nvSpPr>
           <p:cNvPr id="77" name="Google Shape;77;p11"/>
-          <p:cNvSpPr txBox="1"/>
+          <p:cNvSpPr txBox="1">
+            <a:spLocks noGrp="1"/>
+          </p:cNvSpPr>
           <p:nvPr>
-            <p:ph hasCustomPrompt="1" type="title"/>
+            <p:ph type="title" hasCustomPrompt="1"/>
           </p:nvPr>
         </p:nvSpPr>
         <p:spPr>
@@ -2458,7 +2527,7 @@
           </a:prstGeom>
         </p:spPr>
         <p:txBody>
-          <a:bodyPr anchorCtr="0" anchor="t" bIns="91425" lIns="91425" spcFirstLastPara="1" rIns="91425" wrap="square" tIns="91425">
+          <a:bodyPr spcFirstLastPara="1" wrap="square" lIns="91425" tIns="91425" rIns="91425" bIns="91425" anchor="t" anchorCtr="0">
             <a:normAutofit/>
           </a:bodyPr>
           <a:lstStyle>
@@ -2635,9 +2704,11 @@
       <p:sp>
         <p:nvSpPr>
           <p:cNvPr id="78" name="Google Shape;78;p11"/>
-          <p:cNvSpPr txBox="1"/>
+          <p:cNvSpPr txBox="1">
+            <a:spLocks noGrp="1"/>
+          </p:cNvSpPr>
           <p:nvPr>
-            <p:ph idx="1" type="body"/>
+            <p:ph type="body" idx="1"/>
           </p:nvPr>
         </p:nvSpPr>
         <p:spPr>
@@ -2650,11 +2721,11 @@
           </a:prstGeom>
         </p:spPr>
         <p:txBody>
-          <a:bodyPr anchorCtr="0" anchor="t" bIns="91425" lIns="91425" spcFirstLastPara="1" rIns="91425" wrap="square" tIns="91425">
+          <a:bodyPr spcFirstLastPara="1" wrap="square" lIns="91425" tIns="91425" rIns="91425" bIns="91425" anchor="t" anchorCtr="0">
             <a:normAutofit/>
           </a:bodyPr>
           <a:lstStyle>
-            <a:lvl1pPr indent="-311150" lvl="0" marL="457200">
+            <a:lvl1pPr marL="457200" lvl="0" indent="-311150">
               <a:spcBef>
                 <a:spcPts val="0"/>
               </a:spcBef>
@@ -2672,7 +2743,7 @@
                 </a:solidFill>
               </a:defRPr>
             </a:lvl1pPr>
-            <a:lvl2pPr indent="-298450" lvl="1" marL="914400">
+            <a:lvl2pPr marL="914400" lvl="1" indent="-298450">
               <a:spcBef>
                 <a:spcPts val="0"/>
               </a:spcBef>
@@ -2690,7 +2761,7 @@
                 </a:solidFill>
               </a:defRPr>
             </a:lvl2pPr>
-            <a:lvl3pPr indent="-298450" lvl="2" marL="1371600">
+            <a:lvl3pPr marL="1371600" lvl="2" indent="-298450">
               <a:spcBef>
                 <a:spcPts val="0"/>
               </a:spcBef>
@@ -2708,7 +2779,7 @@
                 </a:solidFill>
               </a:defRPr>
             </a:lvl3pPr>
-            <a:lvl4pPr indent="-298450" lvl="3" marL="1828800">
+            <a:lvl4pPr marL="1828800" lvl="3" indent="-298450">
               <a:spcBef>
                 <a:spcPts val="0"/>
               </a:spcBef>
@@ -2726,7 +2797,7 @@
                 </a:solidFill>
               </a:defRPr>
             </a:lvl4pPr>
-            <a:lvl5pPr indent="-298450" lvl="4" marL="2286000">
+            <a:lvl5pPr marL="2286000" lvl="4" indent="-298450">
               <a:spcBef>
                 <a:spcPts val="0"/>
               </a:spcBef>
@@ -2744,7 +2815,7 @@
                 </a:solidFill>
               </a:defRPr>
             </a:lvl5pPr>
-            <a:lvl6pPr indent="-298450" lvl="5" marL="2743200">
+            <a:lvl6pPr marL="2743200" lvl="5" indent="-298450">
               <a:spcBef>
                 <a:spcPts val="0"/>
               </a:spcBef>
@@ -2762,7 +2833,7 @@
                 </a:solidFill>
               </a:defRPr>
             </a:lvl6pPr>
-            <a:lvl7pPr indent="-298450" lvl="6" marL="3200400">
+            <a:lvl7pPr marL="3200400" lvl="6" indent="-298450">
               <a:spcBef>
                 <a:spcPts val="0"/>
               </a:spcBef>
@@ -2780,7 +2851,7 @@
                 </a:solidFill>
               </a:defRPr>
             </a:lvl7pPr>
-            <a:lvl8pPr indent="-298450" lvl="7" marL="3657600">
+            <a:lvl8pPr marL="3657600" lvl="7" indent="-298450">
               <a:spcBef>
                 <a:spcPts val="0"/>
               </a:spcBef>
@@ -2798,7 +2869,7 @@
                 </a:solidFill>
               </a:defRPr>
             </a:lvl8pPr>
-            <a:lvl9pPr indent="-298450" lvl="8" marL="4114800">
+            <a:lvl9pPr marL="4114800" lvl="8" indent="-298450">
               <a:spcBef>
                 <a:spcPts val="0"/>
               </a:spcBef>
@@ -2817,15 +2888,19 @@
               </a:defRPr>
             </a:lvl9pPr>
           </a:lstStyle>
-          <a:p/>
+          <a:p>
+            <a:endParaRPr/>
+          </a:p>
         </p:txBody>
       </p:sp>
       <p:sp>
         <p:nvSpPr>
           <p:cNvPr id="79" name="Google Shape;79;p11"/>
-          <p:cNvSpPr txBox="1"/>
+          <p:cNvSpPr txBox="1">
+            <a:spLocks noGrp="1"/>
+          </p:cNvSpPr>
           <p:nvPr>
-            <p:ph idx="12" type="sldNum"/>
+            <p:ph type="sldNum" idx="12"/>
           </p:nvPr>
         </p:nvSpPr>
         <p:spPr>
@@ -2838,7 +2913,7 @@
           </a:prstGeom>
         </p:spPr>
         <p:txBody>
-          <a:bodyPr anchorCtr="0" anchor="ctr" bIns="91425" lIns="91425" spcFirstLastPara="1" rIns="91425" wrap="square" tIns="91425">
+          <a:bodyPr spcFirstLastPara="1" wrap="square" lIns="91425" tIns="91425" rIns="91425" bIns="91425" anchor="ctr" anchorCtr="0">
             <a:normAutofit/>
           </a:bodyPr>
           <a:lstStyle>
@@ -2916,7 +2991,7 @@
             </a:lvl9pPr>
           </a:lstStyle>
           <a:p>
-            <a:pPr indent="0" lvl="0" marL="0" rtl="0" algn="r">
+            <a:pPr marL="0" lvl="0" indent="0" algn="r" rtl="0">
               <a:spcBef>
                 <a:spcPts val="0"/>
               </a:spcBef>
@@ -2942,11 +3017,11 @@
 </file>
 
 <file path=ppt/slideLayouts/slideLayout11.xml><?xml version="1.0" encoding="utf-8"?>
-<p:sldLayout xmlns:a="http://schemas.openxmlformats.org/drawingml/2006/main" xmlns:r="http://schemas.openxmlformats.org/officeDocument/2006/relationships" xmlns:mc="http://schemas.openxmlformats.org/markup-compatibility/2006" xmlns:mv="urn:schemas-microsoft-com:mac:vml" xmlns:p="http://schemas.openxmlformats.org/presentationml/2006/main" xmlns:c="http://schemas.openxmlformats.org/drawingml/2006/chart" xmlns:dgm="http://schemas.openxmlformats.org/drawingml/2006/diagram" xmlns:o="urn:schemas-microsoft-com:office:office" xmlns:v="urn:schemas-microsoft-com:vml" xmlns:pvml="urn:schemas-microsoft-com:office:powerpoint" xmlns:com="http://schemas.openxmlformats.org/drawingml/2006/compatibility" xmlns:p14="http://schemas.microsoft.com/office/powerpoint/2010/main" xmlns:p15="http://schemas.microsoft.com/office/powerpoint/2012/main" xmlns:ahyp="http://schemas.microsoft.com/office/drawing/2018/hyperlinkcolor" matchingName="Blank" type="blank">
+<p:sldLayout xmlns:a="http://schemas.openxmlformats.org/drawingml/2006/main" xmlns:r="http://schemas.openxmlformats.org/officeDocument/2006/relationships" xmlns:p="http://schemas.openxmlformats.org/presentationml/2006/main" matchingName="Blank" type="blank">
   <p:cSld name="BLANK">
     <p:spTree>
       <p:nvGrpSpPr>
-        <p:cNvPr id="80" name="Shape 80"/>
+        <p:cNvPr id="1" name="Shape 80"/>
         <p:cNvGrpSpPr/>
         <p:nvPr/>
       </p:nvGrpSpPr>
@@ -2961,9 +3036,11 @@
       <p:sp>
         <p:nvSpPr>
           <p:cNvPr id="81" name="Google Shape;81;p12"/>
-          <p:cNvSpPr txBox="1"/>
+          <p:cNvSpPr txBox="1">
+            <a:spLocks noGrp="1"/>
+          </p:cNvSpPr>
           <p:nvPr>
-            <p:ph idx="12" type="sldNum"/>
+            <p:ph type="sldNum" idx="12"/>
           </p:nvPr>
         </p:nvSpPr>
         <p:spPr>
@@ -2976,7 +3053,7 @@
           </a:prstGeom>
         </p:spPr>
         <p:txBody>
-          <a:bodyPr anchorCtr="0" anchor="ctr" bIns="91425" lIns="91425" spcFirstLastPara="1" rIns="91425" wrap="square" tIns="91425">
+          <a:bodyPr spcFirstLastPara="1" wrap="square" lIns="91425" tIns="91425" rIns="91425" bIns="91425" anchor="ctr" anchorCtr="0">
             <a:normAutofit/>
           </a:bodyPr>
           <a:lstStyle>
@@ -3018,7 +3095,7 @@
             </a:lvl9pPr>
           </a:lstStyle>
           <a:p>
-            <a:pPr indent="0" lvl="0" marL="0" rtl="0" algn="r">
+            <a:pPr marL="0" lvl="0" indent="0" algn="r" rtl="0">
               <a:spcBef>
                 <a:spcPts val="0"/>
               </a:spcBef>
@@ -3044,18 +3121,19 @@
 </file>
 
 <file path=ppt/slideLayouts/slideLayout2.xml><?xml version="1.0" encoding="utf-8"?>
-<p:sldLayout xmlns:a="http://schemas.openxmlformats.org/drawingml/2006/main" xmlns:r="http://schemas.openxmlformats.org/officeDocument/2006/relationships" xmlns:mc="http://schemas.openxmlformats.org/markup-compatibility/2006" xmlns:mv="urn:schemas-microsoft-com:mac:vml" xmlns:p="http://schemas.openxmlformats.org/presentationml/2006/main" xmlns:c="http://schemas.openxmlformats.org/drawingml/2006/chart" xmlns:dgm="http://schemas.openxmlformats.org/drawingml/2006/diagram" xmlns:o="urn:schemas-microsoft-com:office:office" xmlns:v="urn:schemas-microsoft-com:vml" xmlns:pvml="urn:schemas-microsoft-com:office:powerpoint" xmlns:com="http://schemas.openxmlformats.org/drawingml/2006/compatibility" xmlns:p14="http://schemas.microsoft.com/office/powerpoint/2010/main" xmlns:p15="http://schemas.microsoft.com/office/powerpoint/2012/main" xmlns:ahyp="http://schemas.microsoft.com/office/drawing/2018/hyperlinkcolor" matchingName="Section header" type="secHead">
+<p:sldLayout xmlns:a="http://schemas.openxmlformats.org/drawingml/2006/main" xmlns:r="http://schemas.openxmlformats.org/officeDocument/2006/relationships" xmlns:p="http://schemas.openxmlformats.org/presentationml/2006/main" matchingName="Section header" type="secHead">
   <p:cSld name="SECTION_HEADER">
     <p:bg>
       <p:bgPr>
         <a:solidFill>
           <a:schemeClr val="dk1"/>
         </a:solidFill>
+        <a:effectLst/>
       </p:bgPr>
     </p:bg>
     <p:spTree>
       <p:nvGrpSpPr>
-        <p:cNvPr id="17" name="Shape 17"/>
+        <p:cNvPr id="1" name="Shape 17"/>
         <p:cNvGrpSpPr/>
         <p:nvPr/>
       </p:nvGrpSpPr>
@@ -3103,12 +3181,12 @@
             </a:ln>
           </p:spPr>
           <p:txBody>
-            <a:bodyPr anchorCtr="0" anchor="ctr" bIns="91425" lIns="91425" spcFirstLastPara="1" rIns="91425" wrap="square" tIns="91425">
+            <a:bodyPr spcFirstLastPara="1" wrap="square" lIns="91425" tIns="91425" rIns="91425" bIns="91425" anchor="ctr" anchorCtr="0">
               <a:noAutofit/>
             </a:bodyPr>
             <a:lstStyle/>
             <a:p>
-              <a:pPr indent="0" lvl="0" marL="0" rtl="0" algn="l">
+              <a:pPr marL="0" lvl="0" indent="0" algn="l" rtl="0">
                 <a:spcBef>
                   <a:spcPts val="0"/>
                 </a:spcBef>
@@ -3117,9 +3195,6 @@
                 </a:spcAft>
                 <a:buNone/>
               </a:pPr>
-              <a:r>
-                <a:t/>
-              </a:r>
               <a:endParaRPr/>
             </a:p>
           </p:txBody>
@@ -3146,12 +3221,12 @@
             </a:ln>
           </p:spPr>
           <p:txBody>
-            <a:bodyPr anchorCtr="0" anchor="ctr" bIns="91425" lIns="91425" spcFirstLastPara="1" rIns="91425" wrap="square" tIns="91425">
+            <a:bodyPr spcFirstLastPara="1" wrap="square" lIns="91425" tIns="91425" rIns="91425" bIns="91425" anchor="ctr" anchorCtr="0">
               <a:noAutofit/>
             </a:bodyPr>
             <a:lstStyle/>
             <a:p>
-              <a:pPr indent="0" lvl="0" marL="0" rtl="0" algn="l">
+              <a:pPr marL="0" lvl="0" indent="0" algn="l" rtl="0">
                 <a:spcBef>
                   <a:spcPts val="0"/>
                 </a:spcBef>
@@ -3160,9 +3235,6 @@
                 </a:spcAft>
                 <a:buNone/>
               </a:pPr>
-              <a:r>
-                <a:t/>
-              </a:r>
               <a:endParaRPr/>
             </a:p>
           </p:txBody>
@@ -3171,7 +3243,9 @@
       <p:sp>
         <p:nvSpPr>
           <p:cNvPr id="21" name="Google Shape;21;p3"/>
-          <p:cNvSpPr txBox="1"/>
+          <p:cNvSpPr txBox="1">
+            <a:spLocks noGrp="1"/>
+          </p:cNvSpPr>
           <p:nvPr>
             <p:ph type="title"/>
           </p:nvPr>
@@ -3186,7 +3260,7 @@
           </a:prstGeom>
         </p:spPr>
         <p:txBody>
-          <a:bodyPr anchorCtr="0" anchor="t" bIns="91425" lIns="91425" spcFirstLastPara="1" rIns="91425" wrap="square" tIns="91425">
+          <a:bodyPr spcFirstLastPara="1" wrap="square" lIns="91425" tIns="91425" rIns="91425" bIns="91425" anchor="t" anchorCtr="0">
             <a:normAutofit/>
           </a:bodyPr>
           <a:lstStyle>
@@ -3353,15 +3427,19 @@
               </a:defRPr>
             </a:lvl9pPr>
           </a:lstStyle>
-          <a:p/>
+          <a:p>
+            <a:endParaRPr/>
+          </a:p>
         </p:txBody>
       </p:sp>
       <p:sp>
         <p:nvSpPr>
           <p:cNvPr id="22" name="Google Shape;22;p3"/>
-          <p:cNvSpPr txBox="1"/>
+          <p:cNvSpPr txBox="1">
+            <a:spLocks noGrp="1"/>
+          </p:cNvSpPr>
           <p:nvPr>
-            <p:ph idx="12" type="sldNum"/>
+            <p:ph type="sldNum" idx="12"/>
           </p:nvPr>
         </p:nvSpPr>
         <p:spPr>
@@ -3374,7 +3452,7 @@
           </a:prstGeom>
         </p:spPr>
         <p:txBody>
-          <a:bodyPr anchorCtr="0" anchor="ctr" bIns="91425" lIns="91425" spcFirstLastPara="1" rIns="91425" wrap="square" tIns="91425">
+          <a:bodyPr spcFirstLastPara="1" wrap="square" lIns="91425" tIns="91425" rIns="91425" bIns="91425" anchor="ctr" anchorCtr="0">
             <a:normAutofit/>
           </a:bodyPr>
           <a:lstStyle>
@@ -3452,7 +3530,7 @@
             </a:lvl9pPr>
           </a:lstStyle>
           <a:p>
-            <a:pPr indent="0" lvl="0" marL="0" rtl="0" algn="r">
+            <a:pPr marL="0" lvl="0" indent="0" algn="r" rtl="0">
               <a:spcBef>
                 <a:spcPts val="0"/>
               </a:spcBef>
@@ -3478,11 +3556,11 @@
 </file>
 
 <file path=ppt/slideLayouts/slideLayout3.xml><?xml version="1.0" encoding="utf-8"?>
-<p:sldLayout xmlns:a="http://schemas.openxmlformats.org/drawingml/2006/main" xmlns:r="http://schemas.openxmlformats.org/officeDocument/2006/relationships" xmlns:mc="http://schemas.openxmlformats.org/markup-compatibility/2006" xmlns:mv="urn:schemas-microsoft-com:mac:vml" xmlns:p="http://schemas.openxmlformats.org/presentationml/2006/main" xmlns:c="http://schemas.openxmlformats.org/drawingml/2006/chart" xmlns:dgm="http://schemas.openxmlformats.org/drawingml/2006/diagram" xmlns:o="urn:schemas-microsoft-com:office:office" xmlns:v="urn:schemas-microsoft-com:vml" xmlns:pvml="urn:schemas-microsoft-com:office:powerpoint" xmlns:com="http://schemas.openxmlformats.org/drawingml/2006/compatibility" xmlns:p14="http://schemas.microsoft.com/office/powerpoint/2010/main" xmlns:p15="http://schemas.microsoft.com/office/powerpoint/2012/main" xmlns:ahyp="http://schemas.microsoft.com/office/drawing/2018/hyperlinkcolor" matchingName="Title and body" type="tx">
+<p:sldLayout xmlns:a="http://schemas.openxmlformats.org/drawingml/2006/main" xmlns:r="http://schemas.openxmlformats.org/officeDocument/2006/relationships" xmlns:p="http://schemas.openxmlformats.org/presentationml/2006/main" matchingName="Title and body" type="tx">
   <p:cSld name="TITLE_AND_BODY">
     <p:spTree>
       <p:nvGrpSpPr>
-        <p:cNvPr id="23" name="Shape 23"/>
+        <p:cNvPr id="1" name="Shape 23"/>
         <p:cNvGrpSpPr/>
         <p:nvPr/>
       </p:nvGrpSpPr>
@@ -3516,23 +3594,20 @@
           </a:ln>
         </p:spPr>
         <p:txBody>
-          <a:bodyPr anchorCtr="0" anchor="ctr" bIns="91425" lIns="91425" spcFirstLastPara="1" rIns="91425" wrap="square" tIns="91425">
+          <a:bodyPr spcFirstLastPara="1" wrap="square" lIns="91425" tIns="91425" rIns="91425" bIns="91425" anchor="ctr" anchorCtr="0">
             <a:noAutofit/>
           </a:bodyPr>
           <a:lstStyle/>
           <a:p>
-            <a:pPr indent="0" lvl="0" marL="0" rtl="0" algn="l">
-              <a:spcBef>
-                <a:spcPts val="0"/>
-              </a:spcBef>
-              <a:spcAft>
-                <a:spcPts val="0"/>
-              </a:spcAft>
-              <a:buNone/>
-            </a:pPr>
-            <a:r>
-              <a:t/>
-            </a:r>
+            <a:pPr marL="0" lvl="0" indent="0" algn="l" rtl="0">
+              <a:spcBef>
+                <a:spcPts val="0"/>
+              </a:spcBef>
+              <a:spcAft>
+                <a:spcPts val="0"/>
+              </a:spcAft>
+              <a:buNone/>
+            </a:pPr>
             <a:endParaRPr/>
           </a:p>
         </p:txBody>
@@ -3573,12 +3648,12 @@
             </a:ln>
           </p:spPr>
           <p:txBody>
-            <a:bodyPr anchorCtr="0" anchor="ctr" bIns="91425" lIns="91425" spcFirstLastPara="1" rIns="91425" wrap="square" tIns="91425">
+            <a:bodyPr spcFirstLastPara="1" wrap="square" lIns="91425" tIns="91425" rIns="91425" bIns="91425" anchor="ctr" anchorCtr="0">
               <a:noAutofit/>
             </a:bodyPr>
             <a:lstStyle/>
             <a:p>
-              <a:pPr indent="0" lvl="0" marL="0" rtl="0" algn="l">
+              <a:pPr marL="0" lvl="0" indent="0" algn="l" rtl="0">
                 <a:spcBef>
                   <a:spcPts val="0"/>
                 </a:spcBef>
@@ -3587,9 +3662,6 @@
                 </a:spcAft>
                 <a:buNone/>
               </a:pPr>
-              <a:r>
-                <a:t/>
-              </a:r>
               <a:endParaRPr/>
             </a:p>
           </p:txBody>
@@ -3616,12 +3688,12 @@
             </a:ln>
           </p:spPr>
           <p:txBody>
-            <a:bodyPr anchorCtr="0" anchor="ctr" bIns="91425" lIns="91425" spcFirstLastPara="1" rIns="91425" wrap="square" tIns="91425">
+            <a:bodyPr spcFirstLastPara="1" wrap="square" lIns="91425" tIns="91425" rIns="91425" bIns="91425" anchor="ctr" anchorCtr="0">
               <a:noAutofit/>
             </a:bodyPr>
             <a:lstStyle/>
             <a:p>
-              <a:pPr indent="0" lvl="0" marL="0" rtl="0" algn="l">
+              <a:pPr marL="0" lvl="0" indent="0" algn="l" rtl="0">
                 <a:spcBef>
                   <a:spcPts val="0"/>
                 </a:spcBef>
@@ -3630,9 +3702,6 @@
                 </a:spcAft>
                 <a:buNone/>
               </a:pPr>
-              <a:r>
-                <a:t/>
-              </a:r>
               <a:endParaRPr/>
             </a:p>
           </p:txBody>
@@ -3641,7 +3710,9 @@
       <p:sp>
         <p:nvSpPr>
           <p:cNvPr id="28" name="Google Shape;28;p4"/>
-          <p:cNvSpPr txBox="1"/>
+          <p:cNvSpPr txBox="1">
+            <a:spLocks noGrp="1"/>
+          </p:cNvSpPr>
           <p:nvPr>
             <p:ph type="title"/>
           </p:nvPr>
@@ -3656,7 +3727,7 @@
           </a:prstGeom>
         </p:spPr>
         <p:txBody>
-          <a:bodyPr anchorCtr="0" anchor="t" bIns="91425" lIns="91425" spcFirstLastPara="1" rIns="91425" wrap="square" tIns="91425">
+          <a:bodyPr spcFirstLastPara="1" wrap="square" lIns="91425" tIns="91425" rIns="91425" bIns="91425" anchor="t" anchorCtr="0">
             <a:normAutofit/>
           </a:bodyPr>
           <a:lstStyle>
@@ -3760,15 +3831,19 @@
               <a:defRPr sz="2600"/>
             </a:lvl9pPr>
           </a:lstStyle>
-          <a:p/>
+          <a:p>
+            <a:endParaRPr/>
+          </a:p>
         </p:txBody>
       </p:sp>
       <p:sp>
         <p:nvSpPr>
           <p:cNvPr id="29" name="Google Shape;29;p4"/>
-          <p:cNvSpPr txBox="1"/>
+          <p:cNvSpPr txBox="1">
+            <a:spLocks noGrp="1"/>
+          </p:cNvSpPr>
           <p:nvPr>
-            <p:ph idx="1" type="body"/>
+            <p:ph type="body" idx="1"/>
           </p:nvPr>
         </p:nvSpPr>
         <p:spPr>
@@ -3781,11 +3856,11 @@
           </a:prstGeom>
         </p:spPr>
         <p:txBody>
-          <a:bodyPr anchorCtr="0" anchor="t" bIns="91425" lIns="91425" spcFirstLastPara="1" rIns="91425" wrap="square" tIns="91425">
+          <a:bodyPr spcFirstLastPara="1" wrap="square" lIns="91425" tIns="91425" rIns="91425" bIns="91425" anchor="t" anchorCtr="0">
             <a:normAutofit/>
           </a:bodyPr>
           <a:lstStyle>
-            <a:lvl1pPr indent="-311150" lvl="0" marL="457200">
+            <a:lvl1pPr marL="457200" lvl="0" indent="-311150">
               <a:spcBef>
                 <a:spcPts val="0"/>
               </a:spcBef>
@@ -3796,7 +3871,7 @@
               <a:buChar char="●"/>
               <a:defRPr/>
             </a:lvl1pPr>
-            <a:lvl2pPr indent="-298450" lvl="1" marL="914400">
+            <a:lvl2pPr marL="914400" lvl="1" indent="-298450">
               <a:spcBef>
                 <a:spcPts val="0"/>
               </a:spcBef>
@@ -3807,7 +3882,7 @@
               <a:buChar char="○"/>
               <a:defRPr/>
             </a:lvl2pPr>
-            <a:lvl3pPr indent="-298450" lvl="2" marL="1371600">
+            <a:lvl3pPr marL="1371600" lvl="2" indent="-298450">
               <a:spcBef>
                 <a:spcPts val="0"/>
               </a:spcBef>
@@ -3818,7 +3893,7 @@
               <a:buChar char="■"/>
               <a:defRPr/>
             </a:lvl3pPr>
-            <a:lvl4pPr indent="-298450" lvl="3" marL="1828800">
+            <a:lvl4pPr marL="1828800" lvl="3" indent="-298450">
               <a:spcBef>
                 <a:spcPts val="0"/>
               </a:spcBef>
@@ -3829,7 +3904,7 @@
               <a:buChar char="●"/>
               <a:defRPr/>
             </a:lvl4pPr>
-            <a:lvl5pPr indent="-298450" lvl="4" marL="2286000">
+            <a:lvl5pPr marL="2286000" lvl="4" indent="-298450">
               <a:spcBef>
                 <a:spcPts val="0"/>
               </a:spcBef>
@@ -3840,7 +3915,7 @@
               <a:buChar char="○"/>
               <a:defRPr/>
             </a:lvl5pPr>
-            <a:lvl6pPr indent="-298450" lvl="5" marL="2743200">
+            <a:lvl6pPr marL="2743200" lvl="5" indent="-298450">
               <a:spcBef>
                 <a:spcPts val="0"/>
               </a:spcBef>
@@ -3851,7 +3926,7 @@
               <a:buChar char="■"/>
               <a:defRPr/>
             </a:lvl6pPr>
-            <a:lvl7pPr indent="-298450" lvl="6" marL="3200400">
+            <a:lvl7pPr marL="3200400" lvl="6" indent="-298450">
               <a:spcBef>
                 <a:spcPts val="0"/>
               </a:spcBef>
@@ -3862,7 +3937,7 @@
               <a:buChar char="●"/>
               <a:defRPr/>
             </a:lvl7pPr>
-            <a:lvl8pPr indent="-298450" lvl="7" marL="3657600">
+            <a:lvl8pPr marL="3657600" lvl="7" indent="-298450">
               <a:spcBef>
                 <a:spcPts val="0"/>
               </a:spcBef>
@@ -3873,7 +3948,7 @@
               <a:buChar char="○"/>
               <a:defRPr/>
             </a:lvl8pPr>
-            <a:lvl9pPr indent="-298450" lvl="8" marL="4114800">
+            <a:lvl9pPr marL="4114800" lvl="8" indent="-298450">
               <a:spcBef>
                 <a:spcPts val="0"/>
               </a:spcBef>
@@ -3885,15 +3960,19 @@
               <a:defRPr/>
             </a:lvl9pPr>
           </a:lstStyle>
-          <a:p/>
+          <a:p>
+            <a:endParaRPr/>
+          </a:p>
         </p:txBody>
       </p:sp>
       <p:sp>
         <p:nvSpPr>
           <p:cNvPr id="30" name="Google Shape;30;p4"/>
-          <p:cNvSpPr txBox="1"/>
+          <p:cNvSpPr txBox="1">
+            <a:spLocks noGrp="1"/>
+          </p:cNvSpPr>
           <p:nvPr>
-            <p:ph idx="12" type="sldNum"/>
+            <p:ph type="sldNum" idx="12"/>
           </p:nvPr>
         </p:nvSpPr>
         <p:spPr>
@@ -3906,7 +3985,7 @@
           </a:prstGeom>
         </p:spPr>
         <p:txBody>
-          <a:bodyPr anchorCtr="0" anchor="ctr" bIns="91425" lIns="91425" spcFirstLastPara="1" rIns="91425" wrap="square" tIns="91425">
+          <a:bodyPr spcFirstLastPara="1" wrap="square" lIns="91425" tIns="91425" rIns="91425" bIns="91425" anchor="ctr" anchorCtr="0">
             <a:normAutofit/>
           </a:bodyPr>
           <a:lstStyle>
@@ -3948,7 +4027,7 @@
             </a:lvl9pPr>
           </a:lstStyle>
           <a:p>
-            <a:pPr indent="0" lvl="0" marL="0" rtl="0" algn="r">
+            <a:pPr marL="0" lvl="0" indent="0" algn="r" rtl="0">
               <a:spcBef>
                 <a:spcPts val="0"/>
               </a:spcBef>
@@ -3974,11 +4053,11 @@
 </file>
 
 <file path=ppt/slideLayouts/slideLayout4.xml><?xml version="1.0" encoding="utf-8"?>
-<p:sldLayout xmlns:a="http://schemas.openxmlformats.org/drawingml/2006/main" xmlns:r="http://schemas.openxmlformats.org/officeDocument/2006/relationships" xmlns:mc="http://schemas.openxmlformats.org/markup-compatibility/2006" xmlns:mv="urn:schemas-microsoft-com:mac:vml" xmlns:p="http://schemas.openxmlformats.org/presentationml/2006/main" xmlns:c="http://schemas.openxmlformats.org/drawingml/2006/chart" xmlns:dgm="http://schemas.openxmlformats.org/drawingml/2006/diagram" xmlns:o="urn:schemas-microsoft-com:office:office" xmlns:v="urn:schemas-microsoft-com:vml" xmlns:pvml="urn:schemas-microsoft-com:office:powerpoint" xmlns:com="http://schemas.openxmlformats.org/drawingml/2006/compatibility" xmlns:p14="http://schemas.microsoft.com/office/powerpoint/2010/main" xmlns:p15="http://schemas.microsoft.com/office/powerpoint/2012/main" xmlns:ahyp="http://schemas.microsoft.com/office/drawing/2018/hyperlinkcolor" matchingName="Title and two columns" type="twoColTx">
+<p:sldLayout xmlns:a="http://schemas.openxmlformats.org/drawingml/2006/main" xmlns:r="http://schemas.openxmlformats.org/officeDocument/2006/relationships" xmlns:p="http://schemas.openxmlformats.org/presentationml/2006/main" matchingName="Title and two columns" type="twoColTx">
   <p:cSld name="TITLE_AND_TWO_COLUMNS">
     <p:spTree>
       <p:nvGrpSpPr>
-        <p:cNvPr id="31" name="Shape 31"/>
+        <p:cNvPr id="1" name="Shape 31"/>
         <p:cNvGrpSpPr/>
         <p:nvPr/>
       </p:nvGrpSpPr>
@@ -4012,23 +4091,20 @@
           </a:ln>
         </p:spPr>
         <p:txBody>
-          <a:bodyPr anchorCtr="0" anchor="ctr" bIns="91425" lIns="91425" spcFirstLastPara="1" rIns="91425" wrap="square" tIns="91425">
+          <a:bodyPr spcFirstLastPara="1" wrap="square" lIns="91425" tIns="91425" rIns="91425" bIns="91425" anchor="ctr" anchorCtr="0">
             <a:noAutofit/>
           </a:bodyPr>
           <a:lstStyle/>
           <a:p>
-            <a:pPr indent="0" lvl="0" marL="0" rtl="0" algn="l">
-              <a:spcBef>
-                <a:spcPts val="0"/>
-              </a:spcBef>
-              <a:spcAft>
-                <a:spcPts val="0"/>
-              </a:spcAft>
-              <a:buNone/>
-            </a:pPr>
-            <a:r>
-              <a:t/>
-            </a:r>
+            <a:pPr marL="0" lvl="0" indent="0" algn="l" rtl="0">
+              <a:spcBef>
+                <a:spcPts val="0"/>
+              </a:spcBef>
+              <a:spcAft>
+                <a:spcPts val="0"/>
+              </a:spcAft>
+              <a:buNone/>
+            </a:pPr>
             <a:endParaRPr/>
           </a:p>
         </p:txBody>
@@ -4069,12 +4145,12 @@
             </a:ln>
           </p:spPr>
           <p:txBody>
-            <a:bodyPr anchorCtr="0" anchor="ctr" bIns="91425" lIns="91425" spcFirstLastPara="1" rIns="91425" wrap="square" tIns="91425">
+            <a:bodyPr spcFirstLastPara="1" wrap="square" lIns="91425" tIns="91425" rIns="91425" bIns="91425" anchor="ctr" anchorCtr="0">
               <a:noAutofit/>
             </a:bodyPr>
             <a:lstStyle/>
             <a:p>
-              <a:pPr indent="0" lvl="0" marL="0" rtl="0" algn="l">
+              <a:pPr marL="0" lvl="0" indent="0" algn="l" rtl="0">
                 <a:spcBef>
                   <a:spcPts val="0"/>
                 </a:spcBef>
@@ -4083,9 +4159,6 @@
                 </a:spcAft>
                 <a:buNone/>
               </a:pPr>
-              <a:r>
-                <a:t/>
-              </a:r>
               <a:endParaRPr/>
             </a:p>
           </p:txBody>
@@ -4112,12 +4185,12 @@
             </a:ln>
           </p:spPr>
           <p:txBody>
-            <a:bodyPr anchorCtr="0" anchor="ctr" bIns="91425" lIns="91425" spcFirstLastPara="1" rIns="91425" wrap="square" tIns="91425">
+            <a:bodyPr spcFirstLastPara="1" wrap="square" lIns="91425" tIns="91425" rIns="91425" bIns="91425" anchor="ctr" anchorCtr="0">
               <a:noAutofit/>
             </a:bodyPr>
             <a:lstStyle/>
             <a:p>
-              <a:pPr indent="0" lvl="0" marL="0" rtl="0" algn="l">
+              <a:pPr marL="0" lvl="0" indent="0" algn="l" rtl="0">
                 <a:spcBef>
                   <a:spcPts val="0"/>
                 </a:spcBef>
@@ -4126,9 +4199,6 @@
                 </a:spcAft>
                 <a:buNone/>
               </a:pPr>
-              <a:r>
-                <a:t/>
-              </a:r>
               <a:endParaRPr/>
             </a:p>
           </p:txBody>
@@ -4137,7 +4207,9 @@
       <p:sp>
         <p:nvSpPr>
           <p:cNvPr id="36" name="Google Shape;36;p5"/>
-          <p:cNvSpPr txBox="1"/>
+          <p:cNvSpPr txBox="1">
+            <a:spLocks noGrp="1"/>
+          </p:cNvSpPr>
           <p:nvPr>
             <p:ph type="title"/>
           </p:nvPr>
@@ -4152,7 +4224,7 @@
           </a:prstGeom>
         </p:spPr>
         <p:txBody>
-          <a:bodyPr anchorCtr="0" anchor="t" bIns="91425" lIns="91425" spcFirstLastPara="1" rIns="91425" wrap="square" tIns="91425">
+          <a:bodyPr spcFirstLastPara="1" wrap="square" lIns="91425" tIns="91425" rIns="91425" bIns="91425" anchor="t" anchorCtr="0">
             <a:normAutofit/>
           </a:bodyPr>
           <a:lstStyle>
@@ -4256,15 +4328,19 @@
               <a:defRPr sz="2600"/>
             </a:lvl9pPr>
           </a:lstStyle>
-          <a:p/>
+          <a:p>
+            <a:endParaRPr/>
+          </a:p>
         </p:txBody>
       </p:sp>
       <p:sp>
         <p:nvSpPr>
           <p:cNvPr id="37" name="Google Shape;37;p5"/>
-          <p:cNvSpPr txBox="1"/>
+          <p:cNvSpPr txBox="1">
+            <a:spLocks noGrp="1"/>
+          </p:cNvSpPr>
           <p:nvPr>
-            <p:ph idx="1" type="body"/>
+            <p:ph type="body" idx="1"/>
           </p:nvPr>
         </p:nvSpPr>
         <p:spPr>
@@ -4277,11 +4353,11 @@
           </a:prstGeom>
         </p:spPr>
         <p:txBody>
-          <a:bodyPr anchorCtr="0" anchor="t" bIns="91425" lIns="91425" spcFirstLastPara="1" rIns="91425" wrap="square" tIns="91425">
+          <a:bodyPr spcFirstLastPara="1" wrap="square" lIns="91425" tIns="91425" rIns="91425" bIns="91425" anchor="t" anchorCtr="0">
             <a:normAutofit/>
           </a:bodyPr>
           <a:lstStyle>
-            <a:lvl1pPr indent="-311150" lvl="0" marL="457200">
+            <a:lvl1pPr marL="457200" lvl="0" indent="-311150">
               <a:spcBef>
                 <a:spcPts val="0"/>
               </a:spcBef>
@@ -4292,7 +4368,7 @@
               <a:buChar char="●"/>
               <a:defRPr/>
             </a:lvl1pPr>
-            <a:lvl2pPr indent="-298450" lvl="1" marL="914400">
+            <a:lvl2pPr marL="914400" lvl="1" indent="-298450">
               <a:spcBef>
                 <a:spcPts val="0"/>
               </a:spcBef>
@@ -4303,7 +4379,7 @@
               <a:buChar char="○"/>
               <a:defRPr/>
             </a:lvl2pPr>
-            <a:lvl3pPr indent="-298450" lvl="2" marL="1371600">
+            <a:lvl3pPr marL="1371600" lvl="2" indent="-298450">
               <a:spcBef>
                 <a:spcPts val="0"/>
               </a:spcBef>
@@ -4314,7 +4390,7 @@
               <a:buChar char="■"/>
               <a:defRPr/>
             </a:lvl3pPr>
-            <a:lvl4pPr indent="-298450" lvl="3" marL="1828800">
+            <a:lvl4pPr marL="1828800" lvl="3" indent="-298450">
               <a:spcBef>
                 <a:spcPts val="0"/>
               </a:spcBef>
@@ -4325,7 +4401,7 @@
               <a:buChar char="●"/>
               <a:defRPr/>
             </a:lvl4pPr>
-            <a:lvl5pPr indent="-298450" lvl="4" marL="2286000">
+            <a:lvl5pPr marL="2286000" lvl="4" indent="-298450">
               <a:spcBef>
                 <a:spcPts val="0"/>
               </a:spcBef>
@@ -4336,7 +4412,7 @@
               <a:buChar char="○"/>
               <a:defRPr/>
             </a:lvl5pPr>
-            <a:lvl6pPr indent="-298450" lvl="5" marL="2743200">
+            <a:lvl6pPr marL="2743200" lvl="5" indent="-298450">
               <a:spcBef>
                 <a:spcPts val="0"/>
               </a:spcBef>
@@ -4347,7 +4423,7 @@
               <a:buChar char="■"/>
               <a:defRPr/>
             </a:lvl6pPr>
-            <a:lvl7pPr indent="-298450" lvl="6" marL="3200400">
+            <a:lvl7pPr marL="3200400" lvl="6" indent="-298450">
               <a:spcBef>
                 <a:spcPts val="0"/>
               </a:spcBef>
@@ -4358,7 +4434,7 @@
               <a:buChar char="●"/>
               <a:defRPr/>
             </a:lvl7pPr>
-            <a:lvl8pPr indent="-298450" lvl="7" marL="3657600">
+            <a:lvl8pPr marL="3657600" lvl="7" indent="-298450">
               <a:spcBef>
                 <a:spcPts val="0"/>
               </a:spcBef>
@@ -4369,7 +4445,7 @@
               <a:buChar char="○"/>
               <a:defRPr/>
             </a:lvl8pPr>
-            <a:lvl9pPr indent="-298450" lvl="8" marL="4114800">
+            <a:lvl9pPr marL="4114800" lvl="8" indent="-298450">
               <a:spcBef>
                 <a:spcPts val="0"/>
               </a:spcBef>
@@ -4381,15 +4457,19 @@
               <a:defRPr/>
             </a:lvl9pPr>
           </a:lstStyle>
-          <a:p/>
+          <a:p>
+            <a:endParaRPr/>
+          </a:p>
         </p:txBody>
       </p:sp>
       <p:sp>
         <p:nvSpPr>
           <p:cNvPr id="38" name="Google Shape;38;p5"/>
-          <p:cNvSpPr txBox="1"/>
+          <p:cNvSpPr txBox="1">
+            <a:spLocks noGrp="1"/>
+          </p:cNvSpPr>
           <p:nvPr>
-            <p:ph idx="2" type="body"/>
+            <p:ph type="body" idx="2"/>
           </p:nvPr>
         </p:nvSpPr>
         <p:spPr>
@@ -4402,11 +4482,11 @@
           </a:prstGeom>
         </p:spPr>
         <p:txBody>
-          <a:bodyPr anchorCtr="0" anchor="t" bIns="91425" lIns="91425" spcFirstLastPara="1" rIns="91425" wrap="square" tIns="91425">
+          <a:bodyPr spcFirstLastPara="1" wrap="square" lIns="91425" tIns="91425" rIns="91425" bIns="91425" anchor="t" anchorCtr="0">
             <a:normAutofit/>
           </a:bodyPr>
           <a:lstStyle>
-            <a:lvl1pPr indent="-311150" lvl="0" marL="457200">
+            <a:lvl1pPr marL="457200" lvl="0" indent="-311150">
               <a:spcBef>
                 <a:spcPts val="0"/>
               </a:spcBef>
@@ -4417,7 +4497,7 @@
               <a:buChar char="●"/>
               <a:defRPr/>
             </a:lvl1pPr>
-            <a:lvl2pPr indent="-298450" lvl="1" marL="914400">
+            <a:lvl2pPr marL="914400" lvl="1" indent="-298450">
               <a:spcBef>
                 <a:spcPts val="0"/>
               </a:spcBef>
@@ -4428,7 +4508,7 @@
               <a:buChar char="○"/>
               <a:defRPr/>
             </a:lvl2pPr>
-            <a:lvl3pPr indent="-298450" lvl="2" marL="1371600">
+            <a:lvl3pPr marL="1371600" lvl="2" indent="-298450">
               <a:spcBef>
                 <a:spcPts val="0"/>
               </a:spcBef>
@@ -4439,7 +4519,7 @@
               <a:buChar char="■"/>
               <a:defRPr/>
             </a:lvl3pPr>
-            <a:lvl4pPr indent="-298450" lvl="3" marL="1828800">
+            <a:lvl4pPr marL="1828800" lvl="3" indent="-298450">
               <a:spcBef>
                 <a:spcPts val="0"/>
               </a:spcBef>
@@ -4450,7 +4530,7 @@
               <a:buChar char="●"/>
               <a:defRPr/>
             </a:lvl4pPr>
-            <a:lvl5pPr indent="-298450" lvl="4" marL="2286000">
+            <a:lvl5pPr marL="2286000" lvl="4" indent="-298450">
               <a:spcBef>
                 <a:spcPts val="0"/>
               </a:spcBef>
@@ -4461,7 +4541,7 @@
               <a:buChar char="○"/>
               <a:defRPr/>
             </a:lvl5pPr>
-            <a:lvl6pPr indent="-298450" lvl="5" marL="2743200">
+            <a:lvl6pPr marL="2743200" lvl="5" indent="-298450">
               <a:spcBef>
                 <a:spcPts val="0"/>
               </a:spcBef>
@@ -4472,7 +4552,7 @@
               <a:buChar char="■"/>
               <a:defRPr/>
             </a:lvl6pPr>
-            <a:lvl7pPr indent="-298450" lvl="6" marL="3200400">
+            <a:lvl7pPr marL="3200400" lvl="6" indent="-298450">
               <a:spcBef>
                 <a:spcPts val="0"/>
               </a:spcBef>
@@ -4483,7 +4563,7 @@
               <a:buChar char="●"/>
               <a:defRPr/>
             </a:lvl7pPr>
-            <a:lvl8pPr indent="-298450" lvl="7" marL="3657600">
+            <a:lvl8pPr marL="3657600" lvl="7" indent="-298450">
               <a:spcBef>
                 <a:spcPts val="0"/>
               </a:spcBef>
@@ -4494,7 +4574,7 @@
               <a:buChar char="○"/>
               <a:defRPr/>
             </a:lvl8pPr>
-            <a:lvl9pPr indent="-298450" lvl="8" marL="4114800">
+            <a:lvl9pPr marL="4114800" lvl="8" indent="-298450">
               <a:spcBef>
                 <a:spcPts val="0"/>
               </a:spcBef>
@@ -4506,15 +4586,19 @@
               <a:defRPr/>
             </a:lvl9pPr>
           </a:lstStyle>
-          <a:p/>
+          <a:p>
+            <a:endParaRPr/>
+          </a:p>
         </p:txBody>
       </p:sp>
       <p:sp>
         <p:nvSpPr>
           <p:cNvPr id="39" name="Google Shape;39;p5"/>
-          <p:cNvSpPr txBox="1"/>
+          <p:cNvSpPr txBox="1">
+            <a:spLocks noGrp="1"/>
+          </p:cNvSpPr>
           <p:nvPr>
-            <p:ph idx="12" type="sldNum"/>
+            <p:ph type="sldNum" idx="12"/>
           </p:nvPr>
         </p:nvSpPr>
         <p:spPr>
@@ -4527,7 +4611,7 @@
           </a:prstGeom>
         </p:spPr>
         <p:txBody>
-          <a:bodyPr anchorCtr="0" anchor="ctr" bIns="91425" lIns="91425" spcFirstLastPara="1" rIns="91425" wrap="square" tIns="91425">
+          <a:bodyPr spcFirstLastPara="1" wrap="square" lIns="91425" tIns="91425" rIns="91425" bIns="91425" anchor="ctr" anchorCtr="0">
             <a:normAutofit/>
           </a:bodyPr>
           <a:lstStyle>
@@ -4569,7 +4653,7 @@
             </a:lvl9pPr>
           </a:lstStyle>
           <a:p>
-            <a:pPr indent="0" lvl="0" marL="0" rtl="0" algn="r">
+            <a:pPr marL="0" lvl="0" indent="0" algn="r" rtl="0">
               <a:spcBef>
                 <a:spcPts val="0"/>
               </a:spcBef>
@@ -4595,11 +4679,11 @@
 </file>
 
 <file path=ppt/slideLayouts/slideLayout5.xml><?xml version="1.0" encoding="utf-8"?>
-<p:sldLayout xmlns:a="http://schemas.openxmlformats.org/drawingml/2006/main" xmlns:r="http://schemas.openxmlformats.org/officeDocument/2006/relationships" xmlns:mc="http://schemas.openxmlformats.org/markup-compatibility/2006" xmlns:mv="urn:schemas-microsoft-com:mac:vml" xmlns:p="http://schemas.openxmlformats.org/presentationml/2006/main" xmlns:c="http://schemas.openxmlformats.org/drawingml/2006/chart" xmlns:dgm="http://schemas.openxmlformats.org/drawingml/2006/diagram" xmlns:o="urn:schemas-microsoft-com:office:office" xmlns:v="urn:schemas-microsoft-com:vml" xmlns:pvml="urn:schemas-microsoft-com:office:powerpoint" xmlns:com="http://schemas.openxmlformats.org/drawingml/2006/compatibility" xmlns:p14="http://schemas.microsoft.com/office/powerpoint/2010/main" xmlns:p15="http://schemas.microsoft.com/office/powerpoint/2012/main" xmlns:ahyp="http://schemas.microsoft.com/office/drawing/2018/hyperlinkcolor" matchingName="Title only" type="titleOnly">
+<p:sldLayout xmlns:a="http://schemas.openxmlformats.org/drawingml/2006/main" xmlns:r="http://schemas.openxmlformats.org/officeDocument/2006/relationships" xmlns:p="http://schemas.openxmlformats.org/presentationml/2006/main" matchingName="Title only" type="titleOnly">
   <p:cSld name="TITLE_ONLY">
     <p:spTree>
       <p:nvGrpSpPr>
-        <p:cNvPr id="40" name="Shape 40"/>
+        <p:cNvPr id="1" name="Shape 40"/>
         <p:cNvGrpSpPr/>
         <p:nvPr/>
       </p:nvGrpSpPr>
@@ -4633,23 +4717,20 @@
           </a:ln>
         </p:spPr>
         <p:txBody>
-          <a:bodyPr anchorCtr="0" anchor="ctr" bIns="91425" lIns="91425" spcFirstLastPara="1" rIns="91425" wrap="square" tIns="91425">
+          <a:bodyPr spcFirstLastPara="1" wrap="square" lIns="91425" tIns="91425" rIns="91425" bIns="91425" anchor="ctr" anchorCtr="0">
             <a:noAutofit/>
           </a:bodyPr>
           <a:lstStyle/>
           <a:p>
-            <a:pPr indent="0" lvl="0" marL="0" rtl="0" algn="l">
-              <a:spcBef>
-                <a:spcPts val="0"/>
-              </a:spcBef>
-              <a:spcAft>
-                <a:spcPts val="0"/>
-              </a:spcAft>
-              <a:buNone/>
-            </a:pPr>
-            <a:r>
-              <a:t/>
-            </a:r>
+            <a:pPr marL="0" lvl="0" indent="0" algn="l" rtl="0">
+              <a:spcBef>
+                <a:spcPts val="0"/>
+              </a:spcBef>
+              <a:spcAft>
+                <a:spcPts val="0"/>
+              </a:spcAft>
+              <a:buNone/>
+            </a:pPr>
             <a:endParaRPr/>
           </a:p>
         </p:txBody>
@@ -4690,12 +4771,12 @@
             </a:ln>
           </p:spPr>
           <p:txBody>
-            <a:bodyPr anchorCtr="0" anchor="ctr" bIns="91425" lIns="91425" spcFirstLastPara="1" rIns="91425" wrap="square" tIns="91425">
+            <a:bodyPr spcFirstLastPara="1" wrap="square" lIns="91425" tIns="91425" rIns="91425" bIns="91425" anchor="ctr" anchorCtr="0">
               <a:noAutofit/>
             </a:bodyPr>
             <a:lstStyle/>
             <a:p>
-              <a:pPr indent="0" lvl="0" marL="0" rtl="0" algn="l">
+              <a:pPr marL="0" lvl="0" indent="0" algn="l" rtl="0">
                 <a:spcBef>
                   <a:spcPts val="0"/>
                 </a:spcBef>
@@ -4704,9 +4785,6 @@
                 </a:spcAft>
                 <a:buNone/>
               </a:pPr>
-              <a:r>
-                <a:t/>
-              </a:r>
               <a:endParaRPr/>
             </a:p>
           </p:txBody>
@@ -4733,12 +4811,12 @@
             </a:ln>
           </p:spPr>
           <p:txBody>
-            <a:bodyPr anchorCtr="0" anchor="ctr" bIns="91425" lIns="91425" spcFirstLastPara="1" rIns="91425" wrap="square" tIns="91425">
+            <a:bodyPr spcFirstLastPara="1" wrap="square" lIns="91425" tIns="91425" rIns="91425" bIns="91425" anchor="ctr" anchorCtr="0">
               <a:noAutofit/>
             </a:bodyPr>
             <a:lstStyle/>
             <a:p>
-              <a:pPr indent="0" lvl="0" marL="0" rtl="0" algn="l">
+              <a:pPr marL="0" lvl="0" indent="0" algn="l" rtl="0">
                 <a:spcBef>
                   <a:spcPts val="0"/>
                 </a:spcBef>
@@ -4747,9 +4825,6 @@
                 </a:spcAft>
                 <a:buNone/>
               </a:pPr>
-              <a:r>
-                <a:t/>
-              </a:r>
               <a:endParaRPr/>
             </a:p>
           </p:txBody>
@@ -4758,7 +4833,9 @@
       <p:sp>
         <p:nvSpPr>
           <p:cNvPr id="45" name="Google Shape;45;p6"/>
-          <p:cNvSpPr txBox="1"/>
+          <p:cNvSpPr txBox="1">
+            <a:spLocks noGrp="1"/>
+          </p:cNvSpPr>
           <p:nvPr>
             <p:ph type="title"/>
           </p:nvPr>
@@ -4773,7 +4850,7 @@
           </a:prstGeom>
         </p:spPr>
         <p:txBody>
-          <a:bodyPr anchorCtr="0" anchor="t" bIns="91425" lIns="91425" spcFirstLastPara="1" rIns="91425" wrap="square" tIns="91425">
+          <a:bodyPr spcFirstLastPara="1" wrap="square" lIns="91425" tIns="91425" rIns="91425" bIns="91425" anchor="t" anchorCtr="0">
             <a:normAutofit/>
           </a:bodyPr>
           <a:lstStyle>
@@ -4877,15 +4954,19 @@
               <a:defRPr sz="2600"/>
             </a:lvl9pPr>
           </a:lstStyle>
-          <a:p/>
+          <a:p>
+            <a:endParaRPr/>
+          </a:p>
         </p:txBody>
       </p:sp>
       <p:sp>
         <p:nvSpPr>
           <p:cNvPr id="46" name="Google Shape;46;p6"/>
-          <p:cNvSpPr txBox="1"/>
+          <p:cNvSpPr txBox="1">
+            <a:spLocks noGrp="1"/>
+          </p:cNvSpPr>
           <p:nvPr>
-            <p:ph idx="12" type="sldNum"/>
+            <p:ph type="sldNum" idx="12"/>
           </p:nvPr>
         </p:nvSpPr>
         <p:spPr>
@@ -4898,7 +4979,7 @@
           </a:prstGeom>
         </p:spPr>
         <p:txBody>
-          <a:bodyPr anchorCtr="0" anchor="ctr" bIns="91425" lIns="91425" spcFirstLastPara="1" rIns="91425" wrap="square" tIns="91425">
+          <a:bodyPr spcFirstLastPara="1" wrap="square" lIns="91425" tIns="91425" rIns="91425" bIns="91425" anchor="ctr" anchorCtr="0">
             <a:normAutofit/>
           </a:bodyPr>
           <a:lstStyle>
@@ -4940,7 +5021,7 @@
             </a:lvl9pPr>
           </a:lstStyle>
           <a:p>
-            <a:pPr indent="0" lvl="0" marL="0" rtl="0" algn="r">
+            <a:pPr marL="0" lvl="0" indent="0" algn="r" rtl="0">
               <a:spcBef>
                 <a:spcPts val="0"/>
               </a:spcBef>
@@ -4966,11 +5047,11 @@
 </file>
 
 <file path=ppt/slideLayouts/slideLayout6.xml><?xml version="1.0" encoding="utf-8"?>
-<p:sldLayout xmlns:a="http://schemas.openxmlformats.org/drawingml/2006/main" xmlns:r="http://schemas.openxmlformats.org/officeDocument/2006/relationships" xmlns:mc="http://schemas.openxmlformats.org/markup-compatibility/2006" xmlns:mv="urn:schemas-microsoft-com:mac:vml" xmlns:p="http://schemas.openxmlformats.org/presentationml/2006/main" xmlns:c="http://schemas.openxmlformats.org/drawingml/2006/chart" xmlns:dgm="http://schemas.openxmlformats.org/drawingml/2006/diagram" xmlns:o="urn:schemas-microsoft-com:office:office" xmlns:v="urn:schemas-microsoft-com:vml" xmlns:pvml="urn:schemas-microsoft-com:office:powerpoint" xmlns:com="http://schemas.openxmlformats.org/drawingml/2006/compatibility" xmlns:p14="http://schemas.microsoft.com/office/powerpoint/2010/main" xmlns:p15="http://schemas.microsoft.com/office/powerpoint/2012/main" xmlns:ahyp="http://schemas.microsoft.com/office/drawing/2018/hyperlinkcolor" matchingName="One column text">
+<p:sldLayout xmlns:a="http://schemas.openxmlformats.org/drawingml/2006/main" xmlns:r="http://schemas.openxmlformats.org/officeDocument/2006/relationships" xmlns:p="http://schemas.openxmlformats.org/presentationml/2006/main" matchingName="One column text">
   <p:cSld name="ONE_COLUMN_TEXT">
     <p:spTree>
       <p:nvGrpSpPr>
-        <p:cNvPr id="47" name="Shape 47"/>
+        <p:cNvPr id="1" name="Shape 47"/>
         <p:cNvGrpSpPr/>
         <p:nvPr/>
       </p:nvGrpSpPr>
@@ -5004,23 +5085,20 @@
           </a:ln>
         </p:spPr>
         <p:txBody>
-          <a:bodyPr anchorCtr="0" anchor="ctr" bIns="91425" lIns="91425" spcFirstLastPara="1" rIns="91425" wrap="square" tIns="91425">
+          <a:bodyPr spcFirstLastPara="1" wrap="square" lIns="91425" tIns="91425" rIns="91425" bIns="91425" anchor="ctr" anchorCtr="0">
             <a:noAutofit/>
           </a:bodyPr>
           <a:lstStyle/>
           <a:p>
-            <a:pPr indent="0" lvl="0" marL="0" rtl="0" algn="l">
-              <a:spcBef>
-                <a:spcPts val="0"/>
-              </a:spcBef>
-              <a:spcAft>
-                <a:spcPts val="0"/>
-              </a:spcAft>
-              <a:buNone/>
-            </a:pPr>
-            <a:r>
-              <a:t/>
-            </a:r>
+            <a:pPr marL="0" lvl="0" indent="0" algn="l" rtl="0">
+              <a:spcBef>
+                <a:spcPts val="0"/>
+              </a:spcBef>
+              <a:spcAft>
+                <a:spcPts val="0"/>
+              </a:spcAft>
+              <a:buNone/>
+            </a:pPr>
             <a:endParaRPr/>
           </a:p>
         </p:txBody>
@@ -5061,12 +5139,12 @@
             </a:ln>
           </p:spPr>
           <p:txBody>
-            <a:bodyPr anchorCtr="0" anchor="ctr" bIns="91425" lIns="91425" spcFirstLastPara="1" rIns="91425" wrap="square" tIns="91425">
+            <a:bodyPr spcFirstLastPara="1" wrap="square" lIns="91425" tIns="91425" rIns="91425" bIns="91425" anchor="ctr" anchorCtr="0">
               <a:noAutofit/>
             </a:bodyPr>
             <a:lstStyle/>
             <a:p>
-              <a:pPr indent="0" lvl="0" marL="0" rtl="0" algn="l">
+              <a:pPr marL="0" lvl="0" indent="0" algn="l" rtl="0">
                 <a:spcBef>
                   <a:spcPts val="0"/>
                 </a:spcBef>
@@ -5075,9 +5153,6 @@
                 </a:spcAft>
                 <a:buNone/>
               </a:pPr>
-              <a:r>
-                <a:t/>
-              </a:r>
               <a:endParaRPr/>
             </a:p>
           </p:txBody>
@@ -5104,12 +5179,12 @@
             </a:ln>
           </p:spPr>
           <p:txBody>
-            <a:bodyPr anchorCtr="0" anchor="ctr" bIns="91425" lIns="91425" spcFirstLastPara="1" rIns="91425" wrap="square" tIns="91425">
+            <a:bodyPr spcFirstLastPara="1" wrap="square" lIns="91425" tIns="91425" rIns="91425" bIns="91425" anchor="ctr" anchorCtr="0">
               <a:noAutofit/>
             </a:bodyPr>
             <a:lstStyle/>
             <a:p>
-              <a:pPr indent="0" lvl="0" marL="0" rtl="0" algn="l">
+              <a:pPr marL="0" lvl="0" indent="0" algn="l" rtl="0">
                 <a:spcBef>
                   <a:spcPts val="0"/>
                 </a:spcBef>
@@ -5118,9 +5193,6 @@
                 </a:spcAft>
                 <a:buNone/>
               </a:pPr>
-              <a:r>
-                <a:t/>
-              </a:r>
               <a:endParaRPr/>
             </a:p>
           </p:txBody>
@@ -5129,7 +5201,9 @@
       <p:sp>
         <p:nvSpPr>
           <p:cNvPr id="52" name="Google Shape;52;p7"/>
-          <p:cNvSpPr txBox="1"/>
+          <p:cNvSpPr txBox="1">
+            <a:spLocks noGrp="1"/>
+          </p:cNvSpPr>
           <p:nvPr>
             <p:ph type="title"/>
           </p:nvPr>
@@ -5144,7 +5218,7 @@
           </a:prstGeom>
         </p:spPr>
         <p:txBody>
-          <a:bodyPr anchorCtr="0" anchor="t" bIns="91425" lIns="91425" spcFirstLastPara="1" rIns="91425" wrap="square" tIns="91425">
+          <a:bodyPr spcFirstLastPara="1" wrap="square" lIns="91425" tIns="91425" rIns="91425" bIns="91425" anchor="t" anchorCtr="0">
             <a:normAutofit/>
           </a:bodyPr>
           <a:lstStyle>
@@ -5248,15 +5322,19 @@
               <a:defRPr sz="2600"/>
             </a:lvl9pPr>
           </a:lstStyle>
-          <a:p/>
+          <a:p>
+            <a:endParaRPr/>
+          </a:p>
         </p:txBody>
       </p:sp>
       <p:sp>
         <p:nvSpPr>
           <p:cNvPr id="53" name="Google Shape;53;p7"/>
-          <p:cNvSpPr txBox="1"/>
+          <p:cNvSpPr txBox="1">
+            <a:spLocks noGrp="1"/>
+          </p:cNvSpPr>
           <p:nvPr>
-            <p:ph idx="1" type="body"/>
+            <p:ph type="body" idx="1"/>
           </p:nvPr>
         </p:nvSpPr>
         <p:spPr>
@@ -5269,11 +5347,11 @@
           </a:prstGeom>
         </p:spPr>
         <p:txBody>
-          <a:bodyPr anchorCtr="0" anchor="t" bIns="91425" lIns="91425" spcFirstLastPara="1" rIns="91425" wrap="square" tIns="91425">
+          <a:bodyPr spcFirstLastPara="1" wrap="square" lIns="91425" tIns="91425" rIns="91425" bIns="91425" anchor="t" anchorCtr="0">
             <a:normAutofit/>
           </a:bodyPr>
           <a:lstStyle>
-            <a:lvl1pPr indent="-311150" lvl="0" marL="457200">
+            <a:lvl1pPr marL="457200" lvl="0" indent="-311150">
               <a:spcBef>
                 <a:spcPts val="0"/>
               </a:spcBef>
@@ -5284,7 +5362,7 @@
               <a:buChar char="●"/>
               <a:defRPr/>
             </a:lvl1pPr>
-            <a:lvl2pPr indent="-298450" lvl="1" marL="914400">
+            <a:lvl2pPr marL="914400" lvl="1" indent="-298450">
               <a:spcBef>
                 <a:spcPts val="0"/>
               </a:spcBef>
@@ -5295,7 +5373,7 @@
               <a:buChar char="○"/>
               <a:defRPr/>
             </a:lvl2pPr>
-            <a:lvl3pPr indent="-298450" lvl="2" marL="1371600">
+            <a:lvl3pPr marL="1371600" lvl="2" indent="-298450">
               <a:spcBef>
                 <a:spcPts val="0"/>
               </a:spcBef>
@@ -5306,7 +5384,7 @@
               <a:buChar char="■"/>
               <a:defRPr/>
             </a:lvl3pPr>
-            <a:lvl4pPr indent="-298450" lvl="3" marL="1828800">
+            <a:lvl4pPr marL="1828800" lvl="3" indent="-298450">
               <a:spcBef>
                 <a:spcPts val="0"/>
               </a:spcBef>
@@ -5317,7 +5395,7 @@
               <a:buChar char="●"/>
               <a:defRPr/>
             </a:lvl4pPr>
-            <a:lvl5pPr indent="-298450" lvl="4" marL="2286000">
+            <a:lvl5pPr marL="2286000" lvl="4" indent="-298450">
               <a:spcBef>
                 <a:spcPts val="0"/>
               </a:spcBef>
@@ -5328,7 +5406,7 @@
               <a:buChar char="○"/>
               <a:defRPr/>
             </a:lvl5pPr>
-            <a:lvl6pPr indent="-298450" lvl="5" marL="2743200">
+            <a:lvl6pPr marL="2743200" lvl="5" indent="-298450">
               <a:spcBef>
                 <a:spcPts val="0"/>
               </a:spcBef>
@@ -5339,7 +5417,7 @@
               <a:buChar char="■"/>
               <a:defRPr/>
             </a:lvl6pPr>
-            <a:lvl7pPr indent="-298450" lvl="6" marL="3200400">
+            <a:lvl7pPr marL="3200400" lvl="6" indent="-298450">
               <a:spcBef>
                 <a:spcPts val="0"/>
               </a:spcBef>
@@ -5350,7 +5428,7 @@
               <a:buChar char="●"/>
               <a:defRPr/>
             </a:lvl7pPr>
-            <a:lvl8pPr indent="-298450" lvl="7" marL="3657600">
+            <a:lvl8pPr marL="3657600" lvl="7" indent="-298450">
               <a:spcBef>
                 <a:spcPts val="0"/>
               </a:spcBef>
@@ -5361,7 +5439,7 @@
               <a:buChar char="○"/>
               <a:defRPr/>
             </a:lvl8pPr>
-            <a:lvl9pPr indent="-298450" lvl="8" marL="4114800">
+            <a:lvl9pPr marL="4114800" lvl="8" indent="-298450">
               <a:spcBef>
                 <a:spcPts val="0"/>
               </a:spcBef>
@@ -5373,15 +5451,19 @@
               <a:defRPr/>
             </a:lvl9pPr>
           </a:lstStyle>
-          <a:p/>
+          <a:p>
+            <a:endParaRPr/>
+          </a:p>
         </p:txBody>
       </p:sp>
       <p:sp>
         <p:nvSpPr>
           <p:cNvPr id="54" name="Google Shape;54;p7"/>
-          <p:cNvSpPr txBox="1"/>
+          <p:cNvSpPr txBox="1">
+            <a:spLocks noGrp="1"/>
+          </p:cNvSpPr>
           <p:nvPr>
-            <p:ph idx="12" type="sldNum"/>
+            <p:ph type="sldNum" idx="12"/>
           </p:nvPr>
         </p:nvSpPr>
         <p:spPr>
@@ -5394,7 +5476,7 @@
           </a:prstGeom>
         </p:spPr>
         <p:txBody>
-          <a:bodyPr anchorCtr="0" anchor="ctr" bIns="91425" lIns="91425" spcFirstLastPara="1" rIns="91425" wrap="square" tIns="91425">
+          <a:bodyPr spcFirstLastPara="1" wrap="square" lIns="91425" tIns="91425" rIns="91425" bIns="91425" anchor="ctr" anchorCtr="0">
             <a:normAutofit/>
           </a:bodyPr>
           <a:lstStyle>
@@ -5436,7 +5518,7 @@
             </a:lvl9pPr>
           </a:lstStyle>
           <a:p>
-            <a:pPr indent="0" lvl="0" marL="0" rtl="0" algn="r">
+            <a:pPr marL="0" lvl="0" indent="0" algn="r" rtl="0">
               <a:spcBef>
                 <a:spcPts val="0"/>
               </a:spcBef>
@@ -5462,18 +5544,19 @@
 </file>
 
 <file path=ppt/slideLayouts/slideLayout7.xml><?xml version="1.0" encoding="utf-8"?>
-<p:sldLayout xmlns:a="http://schemas.openxmlformats.org/drawingml/2006/main" xmlns:r="http://schemas.openxmlformats.org/officeDocument/2006/relationships" xmlns:mc="http://schemas.openxmlformats.org/markup-compatibility/2006" xmlns:mv="urn:schemas-microsoft-com:mac:vml" xmlns:p="http://schemas.openxmlformats.org/presentationml/2006/main" xmlns:c="http://schemas.openxmlformats.org/drawingml/2006/chart" xmlns:dgm="http://schemas.openxmlformats.org/drawingml/2006/diagram" xmlns:o="urn:schemas-microsoft-com:office:office" xmlns:v="urn:schemas-microsoft-com:vml" xmlns:pvml="urn:schemas-microsoft-com:office:powerpoint" xmlns:com="http://schemas.openxmlformats.org/drawingml/2006/compatibility" xmlns:p14="http://schemas.microsoft.com/office/powerpoint/2010/main" xmlns:p15="http://schemas.microsoft.com/office/powerpoint/2012/main" xmlns:ahyp="http://schemas.microsoft.com/office/drawing/2018/hyperlinkcolor" matchingName="Main point">
+<p:sldLayout xmlns:a="http://schemas.openxmlformats.org/drawingml/2006/main" xmlns:r="http://schemas.openxmlformats.org/officeDocument/2006/relationships" xmlns:p="http://schemas.openxmlformats.org/presentationml/2006/main" matchingName="Main point">
   <p:cSld name="MAIN_POINT">
     <p:bg>
       <p:bgPr>
         <a:solidFill>
           <a:schemeClr val="accent3"/>
         </a:solidFill>
+        <a:effectLst/>
       </p:bgPr>
     </p:bg>
     <p:spTree>
       <p:nvGrpSpPr>
-        <p:cNvPr id="55" name="Shape 55"/>
+        <p:cNvPr id="1" name="Shape 55"/>
         <p:cNvGrpSpPr/>
         <p:nvPr/>
       </p:nvGrpSpPr>
@@ -5521,12 +5604,12 @@
             </a:ln>
           </p:spPr>
           <p:txBody>
-            <a:bodyPr anchorCtr="0" anchor="ctr" bIns="91425" lIns="91425" spcFirstLastPara="1" rIns="91425" wrap="square" tIns="91425">
+            <a:bodyPr spcFirstLastPara="1" wrap="square" lIns="91425" tIns="91425" rIns="91425" bIns="91425" anchor="ctr" anchorCtr="0">
               <a:noAutofit/>
             </a:bodyPr>
             <a:lstStyle/>
             <a:p>
-              <a:pPr indent="0" lvl="0" marL="0" rtl="0" algn="l">
+              <a:pPr marL="0" lvl="0" indent="0" algn="l" rtl="0">
                 <a:spcBef>
                   <a:spcPts val="0"/>
                 </a:spcBef>
@@ -5535,9 +5618,6 @@
                 </a:spcAft>
                 <a:buNone/>
               </a:pPr>
-              <a:r>
-                <a:t/>
-              </a:r>
               <a:endParaRPr/>
             </a:p>
           </p:txBody>
@@ -5564,12 +5644,12 @@
             </a:ln>
           </p:spPr>
           <p:txBody>
-            <a:bodyPr anchorCtr="0" anchor="ctr" bIns="91425" lIns="91425" spcFirstLastPara="1" rIns="91425" wrap="square" tIns="91425">
+            <a:bodyPr spcFirstLastPara="1" wrap="square" lIns="91425" tIns="91425" rIns="91425" bIns="91425" anchor="ctr" anchorCtr="0">
               <a:noAutofit/>
             </a:bodyPr>
             <a:lstStyle/>
             <a:p>
-              <a:pPr indent="0" lvl="0" marL="0" rtl="0" algn="l">
+              <a:pPr marL="0" lvl="0" indent="0" algn="l" rtl="0">
                 <a:spcBef>
                   <a:spcPts val="0"/>
                 </a:spcBef>
@@ -5578,9 +5658,6 @@
                 </a:spcAft>
                 <a:buNone/>
               </a:pPr>
-              <a:r>
-                <a:t/>
-              </a:r>
               <a:endParaRPr/>
             </a:p>
           </p:txBody>
@@ -5589,7 +5666,9 @@
       <p:sp>
         <p:nvSpPr>
           <p:cNvPr id="59" name="Google Shape;59;p8"/>
-          <p:cNvSpPr txBox="1"/>
+          <p:cNvSpPr txBox="1">
+            <a:spLocks noGrp="1"/>
+          </p:cNvSpPr>
           <p:nvPr>
             <p:ph type="title"/>
           </p:nvPr>
@@ -5604,7 +5683,7 @@
           </a:prstGeom>
         </p:spPr>
         <p:txBody>
-          <a:bodyPr anchorCtr="0" anchor="ctr" bIns="91425" lIns="91425" spcFirstLastPara="1" rIns="91425" wrap="square" tIns="91425">
+          <a:bodyPr spcFirstLastPara="1" wrap="square" lIns="91425" tIns="91425" rIns="91425" bIns="91425" anchor="ctr" anchorCtr="0">
             <a:normAutofit/>
           </a:bodyPr>
           <a:lstStyle>
@@ -5771,15 +5850,19 @@
               </a:defRPr>
             </a:lvl9pPr>
           </a:lstStyle>
-          <a:p/>
+          <a:p>
+            <a:endParaRPr/>
+          </a:p>
         </p:txBody>
       </p:sp>
       <p:sp>
         <p:nvSpPr>
           <p:cNvPr id="60" name="Google Shape;60;p8"/>
-          <p:cNvSpPr txBox="1"/>
+          <p:cNvSpPr txBox="1">
+            <a:spLocks noGrp="1"/>
+          </p:cNvSpPr>
           <p:nvPr>
-            <p:ph idx="12" type="sldNum"/>
+            <p:ph type="sldNum" idx="12"/>
           </p:nvPr>
         </p:nvSpPr>
         <p:spPr>
@@ -5792,7 +5875,7 @@
           </a:prstGeom>
         </p:spPr>
         <p:txBody>
-          <a:bodyPr anchorCtr="0" anchor="ctr" bIns="91425" lIns="91425" spcFirstLastPara="1" rIns="91425" wrap="square" tIns="91425">
+          <a:bodyPr spcFirstLastPara="1" wrap="square" lIns="91425" tIns="91425" rIns="91425" bIns="91425" anchor="ctr" anchorCtr="0">
             <a:normAutofit/>
           </a:bodyPr>
           <a:lstStyle>
@@ -5870,7 +5953,7 @@
             </a:lvl9pPr>
           </a:lstStyle>
           <a:p>
-            <a:pPr indent="0" lvl="0" marL="0" rtl="0" algn="r">
+            <a:pPr marL="0" lvl="0" indent="0" algn="r" rtl="0">
               <a:spcBef>
                 <a:spcPts val="0"/>
               </a:spcBef>
@@ -5896,11 +5979,11 @@
 </file>
 
 <file path=ppt/slideLayouts/slideLayout8.xml><?xml version="1.0" encoding="utf-8"?>
-<p:sldLayout xmlns:a="http://schemas.openxmlformats.org/drawingml/2006/main" xmlns:r="http://schemas.openxmlformats.org/officeDocument/2006/relationships" xmlns:mc="http://schemas.openxmlformats.org/markup-compatibility/2006" xmlns:mv="urn:schemas-microsoft-com:mac:vml" xmlns:p="http://schemas.openxmlformats.org/presentationml/2006/main" xmlns:c="http://schemas.openxmlformats.org/drawingml/2006/chart" xmlns:dgm="http://schemas.openxmlformats.org/drawingml/2006/diagram" xmlns:o="urn:schemas-microsoft-com:office:office" xmlns:v="urn:schemas-microsoft-com:vml" xmlns:pvml="urn:schemas-microsoft-com:office:powerpoint" xmlns:com="http://schemas.openxmlformats.org/drawingml/2006/compatibility" xmlns:p14="http://schemas.microsoft.com/office/powerpoint/2010/main" xmlns:p15="http://schemas.microsoft.com/office/powerpoint/2012/main" xmlns:ahyp="http://schemas.microsoft.com/office/drawing/2018/hyperlinkcolor" matchingName="Section title and description">
+<p:sldLayout xmlns:a="http://schemas.openxmlformats.org/drawingml/2006/main" xmlns:r="http://schemas.openxmlformats.org/officeDocument/2006/relationships" xmlns:p="http://schemas.openxmlformats.org/presentationml/2006/main" matchingName="Section title and description">
   <p:cSld name="SECTION_TITLE_AND_DESCRIPTION">
     <p:spTree>
       <p:nvGrpSpPr>
-        <p:cNvPr id="61" name="Shape 61"/>
+        <p:cNvPr id="1" name="Shape 61"/>
         <p:cNvGrpSpPr/>
         <p:nvPr/>
       </p:nvGrpSpPr>
@@ -5934,23 +6017,20 @@
           </a:ln>
         </p:spPr>
         <p:txBody>
-          <a:bodyPr anchorCtr="0" anchor="ctr" bIns="91425" lIns="91425" spcFirstLastPara="1" rIns="91425" wrap="square" tIns="91425">
+          <a:bodyPr spcFirstLastPara="1" wrap="square" lIns="91425" tIns="91425" rIns="91425" bIns="91425" anchor="ctr" anchorCtr="0">
             <a:noAutofit/>
           </a:bodyPr>
           <a:lstStyle/>
           <a:p>
-            <a:pPr indent="0" lvl="0" marL="0" rtl="0" algn="l">
-              <a:spcBef>
-                <a:spcPts val="0"/>
-              </a:spcBef>
-              <a:spcAft>
-                <a:spcPts val="0"/>
-              </a:spcAft>
-              <a:buNone/>
-            </a:pPr>
-            <a:r>
-              <a:t/>
-            </a:r>
+            <a:pPr marL="0" lvl="0" indent="0" algn="l" rtl="0">
+              <a:spcBef>
+                <a:spcPts val="0"/>
+              </a:spcBef>
+              <a:spcAft>
+                <a:spcPts val="0"/>
+              </a:spcAft>
+              <a:buNone/>
+            </a:pPr>
             <a:endParaRPr/>
           </a:p>
         </p:txBody>
@@ -5991,12 +6071,12 @@
             </a:ln>
           </p:spPr>
           <p:txBody>
-            <a:bodyPr anchorCtr="0" anchor="ctr" bIns="91425" lIns="91425" spcFirstLastPara="1" rIns="91425" wrap="square" tIns="91425">
+            <a:bodyPr spcFirstLastPara="1" wrap="square" lIns="91425" tIns="91425" rIns="91425" bIns="91425" anchor="ctr" anchorCtr="0">
               <a:noAutofit/>
             </a:bodyPr>
             <a:lstStyle/>
             <a:p>
-              <a:pPr indent="0" lvl="0" marL="0" rtl="0" algn="l">
+              <a:pPr marL="0" lvl="0" indent="0" algn="l" rtl="0">
                 <a:spcBef>
                   <a:spcPts val="0"/>
                 </a:spcBef>
@@ -6005,9 +6085,6 @@
                 </a:spcAft>
                 <a:buNone/>
               </a:pPr>
-              <a:r>
-                <a:t/>
-              </a:r>
               <a:endParaRPr/>
             </a:p>
           </p:txBody>
@@ -6034,12 +6111,12 @@
             </a:ln>
           </p:spPr>
           <p:txBody>
-            <a:bodyPr anchorCtr="0" anchor="ctr" bIns="91425" lIns="91425" spcFirstLastPara="1" rIns="91425" wrap="square" tIns="91425">
+            <a:bodyPr spcFirstLastPara="1" wrap="square" lIns="91425" tIns="91425" rIns="91425" bIns="91425" anchor="ctr" anchorCtr="0">
               <a:noAutofit/>
             </a:bodyPr>
             <a:lstStyle/>
             <a:p>
-              <a:pPr indent="0" lvl="0" marL="0" rtl="0" algn="l">
+              <a:pPr marL="0" lvl="0" indent="0" algn="l" rtl="0">
                 <a:spcBef>
                   <a:spcPts val="0"/>
                 </a:spcBef>
@@ -6048,9 +6125,6 @@
                 </a:spcAft>
                 <a:buNone/>
               </a:pPr>
-              <a:r>
-                <a:t/>
-              </a:r>
               <a:endParaRPr/>
             </a:p>
           </p:txBody>
@@ -6059,7 +6133,9 @@
       <p:sp>
         <p:nvSpPr>
           <p:cNvPr id="66" name="Google Shape;66;p9"/>
-          <p:cNvSpPr txBox="1"/>
+          <p:cNvSpPr txBox="1">
+            <a:spLocks noGrp="1"/>
+          </p:cNvSpPr>
           <p:nvPr>
             <p:ph type="title"/>
           </p:nvPr>
@@ -6074,7 +6150,7 @@
           </a:prstGeom>
         </p:spPr>
         <p:txBody>
-          <a:bodyPr anchorCtr="0" anchor="t" bIns="91425" lIns="91425" spcFirstLastPara="1" rIns="91425" wrap="square" tIns="91425">
+          <a:bodyPr spcFirstLastPara="1" wrap="square" lIns="91425" tIns="91425" rIns="91425" bIns="91425" anchor="t" anchorCtr="0">
             <a:normAutofit/>
           </a:bodyPr>
           <a:lstStyle>
@@ -6178,15 +6254,19 @@
               <a:defRPr sz="2600"/>
             </a:lvl9pPr>
           </a:lstStyle>
-          <a:p/>
+          <a:p>
+            <a:endParaRPr/>
+          </a:p>
         </p:txBody>
       </p:sp>
       <p:sp>
         <p:nvSpPr>
           <p:cNvPr id="67" name="Google Shape;67;p9"/>
-          <p:cNvSpPr txBox="1"/>
+          <p:cNvSpPr txBox="1">
+            <a:spLocks noGrp="1"/>
+          </p:cNvSpPr>
           <p:nvPr>
-            <p:ph idx="1" type="subTitle"/>
+            <p:ph type="subTitle" idx="1"/>
           </p:nvPr>
         </p:nvSpPr>
         <p:spPr>
@@ -6199,7 +6279,7 @@
           </a:prstGeom>
         </p:spPr>
         <p:txBody>
-          <a:bodyPr anchorCtr="0" anchor="t" bIns="91425" lIns="91425" spcFirstLastPara="1" rIns="91425" wrap="square" tIns="91425">
+          <a:bodyPr spcFirstLastPara="1" wrap="square" lIns="91425" tIns="91425" rIns="91425" bIns="91425" anchor="t" anchorCtr="0">
             <a:normAutofit/>
           </a:bodyPr>
           <a:lstStyle>
@@ -6330,15 +6410,19 @@
               <a:defRPr sz="1600"/>
             </a:lvl9pPr>
           </a:lstStyle>
-          <a:p/>
+          <a:p>
+            <a:endParaRPr/>
+          </a:p>
         </p:txBody>
       </p:sp>
       <p:sp>
         <p:nvSpPr>
           <p:cNvPr id="68" name="Google Shape;68;p9"/>
-          <p:cNvSpPr txBox="1"/>
+          <p:cNvSpPr txBox="1">
+            <a:spLocks noGrp="1"/>
+          </p:cNvSpPr>
           <p:nvPr>
-            <p:ph idx="2" type="body"/>
+            <p:ph type="body" idx="2"/>
           </p:nvPr>
         </p:nvSpPr>
         <p:spPr>
@@ -6351,11 +6435,11 @@
           </a:prstGeom>
         </p:spPr>
         <p:txBody>
-          <a:bodyPr anchorCtr="0" anchor="t" bIns="91425" lIns="91425" spcFirstLastPara="1" rIns="91425" wrap="square" tIns="91425">
+          <a:bodyPr spcFirstLastPara="1" wrap="square" lIns="91425" tIns="91425" rIns="91425" bIns="91425" anchor="t" anchorCtr="0">
             <a:normAutofit/>
           </a:bodyPr>
           <a:lstStyle>
-            <a:lvl1pPr indent="-311150" lvl="0" marL="457200">
+            <a:lvl1pPr marL="457200" lvl="0" indent="-311150">
               <a:spcBef>
                 <a:spcPts val="0"/>
               </a:spcBef>
@@ -6366,7 +6450,7 @@
               <a:buChar char="●"/>
               <a:defRPr/>
             </a:lvl1pPr>
-            <a:lvl2pPr indent="-298450" lvl="1" marL="914400">
+            <a:lvl2pPr marL="914400" lvl="1" indent="-298450">
               <a:spcBef>
                 <a:spcPts val="0"/>
               </a:spcBef>
@@ -6377,7 +6461,7 @@
               <a:buChar char="○"/>
               <a:defRPr/>
             </a:lvl2pPr>
-            <a:lvl3pPr indent="-298450" lvl="2" marL="1371600">
+            <a:lvl3pPr marL="1371600" lvl="2" indent="-298450">
               <a:spcBef>
                 <a:spcPts val="0"/>
               </a:spcBef>
@@ -6388,7 +6472,7 @@
               <a:buChar char="■"/>
               <a:defRPr/>
             </a:lvl3pPr>
-            <a:lvl4pPr indent="-298450" lvl="3" marL="1828800">
+            <a:lvl4pPr marL="1828800" lvl="3" indent="-298450">
               <a:spcBef>
                 <a:spcPts val="0"/>
               </a:spcBef>
@@ -6399,7 +6483,7 @@
               <a:buChar char="●"/>
               <a:defRPr/>
             </a:lvl4pPr>
-            <a:lvl5pPr indent="-298450" lvl="4" marL="2286000">
+            <a:lvl5pPr marL="2286000" lvl="4" indent="-298450">
               <a:spcBef>
                 <a:spcPts val="0"/>
               </a:spcBef>
@@ -6410,7 +6494,7 @@
               <a:buChar char="○"/>
               <a:defRPr/>
             </a:lvl5pPr>
-            <a:lvl6pPr indent="-298450" lvl="5" marL="2743200">
+            <a:lvl6pPr marL="2743200" lvl="5" indent="-298450">
               <a:spcBef>
                 <a:spcPts val="0"/>
               </a:spcBef>
@@ -6421,7 +6505,7 @@
               <a:buChar char="■"/>
               <a:defRPr/>
             </a:lvl6pPr>
-            <a:lvl7pPr indent="-298450" lvl="6" marL="3200400">
+            <a:lvl7pPr marL="3200400" lvl="6" indent="-298450">
               <a:spcBef>
                 <a:spcPts val="0"/>
               </a:spcBef>
@@ -6432,7 +6516,7 @@
               <a:buChar char="●"/>
               <a:defRPr/>
             </a:lvl7pPr>
-            <a:lvl8pPr indent="-298450" lvl="7" marL="3657600">
+            <a:lvl8pPr marL="3657600" lvl="7" indent="-298450">
               <a:spcBef>
                 <a:spcPts val="0"/>
               </a:spcBef>
@@ -6443,7 +6527,7 @@
               <a:buChar char="○"/>
               <a:defRPr/>
             </a:lvl8pPr>
-            <a:lvl9pPr indent="-298450" lvl="8" marL="4114800">
+            <a:lvl9pPr marL="4114800" lvl="8" indent="-298450">
               <a:spcBef>
                 <a:spcPts val="0"/>
               </a:spcBef>
@@ -6455,15 +6539,19 @@
               <a:defRPr/>
             </a:lvl9pPr>
           </a:lstStyle>
-          <a:p/>
+          <a:p>
+            <a:endParaRPr/>
+          </a:p>
         </p:txBody>
       </p:sp>
       <p:sp>
         <p:nvSpPr>
           <p:cNvPr id="69" name="Google Shape;69;p9"/>
-          <p:cNvSpPr txBox="1"/>
+          <p:cNvSpPr txBox="1">
+            <a:spLocks noGrp="1"/>
+          </p:cNvSpPr>
           <p:nvPr>
-            <p:ph idx="12" type="sldNum"/>
+            <p:ph type="sldNum" idx="12"/>
           </p:nvPr>
         </p:nvSpPr>
         <p:spPr>
@@ -6476,7 +6564,7 @@
           </a:prstGeom>
         </p:spPr>
         <p:txBody>
-          <a:bodyPr anchorCtr="0" anchor="ctr" bIns="91425" lIns="91425" spcFirstLastPara="1" rIns="91425" wrap="square" tIns="91425">
+          <a:bodyPr spcFirstLastPara="1" wrap="square" lIns="91425" tIns="91425" rIns="91425" bIns="91425" anchor="ctr" anchorCtr="0">
             <a:normAutofit/>
           </a:bodyPr>
           <a:lstStyle>
@@ -6518,7 +6606,7 @@
             </a:lvl9pPr>
           </a:lstStyle>
           <a:p>
-            <a:pPr indent="0" lvl="0" marL="0" rtl="0" algn="r">
+            <a:pPr marL="0" lvl="0" indent="0" algn="r" rtl="0">
               <a:spcBef>
                 <a:spcPts val="0"/>
               </a:spcBef>
@@ -6544,11 +6632,11 @@
 </file>
 
 <file path=ppt/slideLayouts/slideLayout9.xml><?xml version="1.0" encoding="utf-8"?>
-<p:sldLayout xmlns:a="http://schemas.openxmlformats.org/drawingml/2006/main" xmlns:r="http://schemas.openxmlformats.org/officeDocument/2006/relationships" xmlns:mc="http://schemas.openxmlformats.org/markup-compatibility/2006" xmlns:mv="urn:schemas-microsoft-com:mac:vml" xmlns:p="http://schemas.openxmlformats.org/presentationml/2006/main" xmlns:c="http://schemas.openxmlformats.org/drawingml/2006/chart" xmlns:dgm="http://schemas.openxmlformats.org/drawingml/2006/diagram" xmlns:o="urn:schemas-microsoft-com:office:office" xmlns:v="urn:schemas-microsoft-com:vml" xmlns:pvml="urn:schemas-microsoft-com:office:powerpoint" xmlns:com="http://schemas.openxmlformats.org/drawingml/2006/compatibility" xmlns:p14="http://schemas.microsoft.com/office/powerpoint/2010/main" xmlns:p15="http://schemas.microsoft.com/office/powerpoint/2012/main" xmlns:ahyp="http://schemas.microsoft.com/office/drawing/2018/hyperlinkcolor" matchingName="Caption">
+<p:sldLayout xmlns:a="http://schemas.openxmlformats.org/drawingml/2006/main" xmlns:r="http://schemas.openxmlformats.org/officeDocument/2006/relationships" xmlns:p="http://schemas.openxmlformats.org/presentationml/2006/main" matchingName="Caption">
   <p:cSld name="CAPTION_ONLY">
     <p:spTree>
       <p:nvGrpSpPr>
-        <p:cNvPr id="70" name="Shape 70"/>
+        <p:cNvPr id="1" name="Shape 70"/>
         <p:cNvGrpSpPr/>
         <p:nvPr/>
       </p:nvGrpSpPr>
@@ -6563,9 +6651,11 @@
       <p:sp>
         <p:nvSpPr>
           <p:cNvPr id="71" name="Google Shape;71;p10"/>
-          <p:cNvSpPr txBox="1"/>
+          <p:cNvSpPr txBox="1">
+            <a:spLocks noGrp="1"/>
+          </p:cNvSpPr>
           <p:nvPr>
-            <p:ph idx="1" type="body"/>
+            <p:ph type="body" idx="1"/>
           </p:nvPr>
         </p:nvSpPr>
         <p:spPr>
@@ -6578,11 +6668,11 @@
           </a:prstGeom>
         </p:spPr>
         <p:txBody>
-          <a:bodyPr anchorCtr="0" anchor="ctr" bIns="91425" lIns="91425" spcFirstLastPara="1" rIns="91425" wrap="square" tIns="91425">
+          <a:bodyPr spcFirstLastPara="1" wrap="square" lIns="91425" tIns="91425" rIns="91425" bIns="91425" anchor="ctr" anchorCtr="0">
             <a:normAutofit/>
           </a:bodyPr>
           <a:lstStyle>
-            <a:lvl1pPr indent="-228600" lvl="0" marL="457200">
+            <a:lvl1pPr marL="457200" lvl="0" indent="-228600">
               <a:lnSpc>
                 <a:spcPct val="100000"/>
               </a:lnSpc>
@@ -6597,15 +6687,19 @@
               <a:defRPr/>
             </a:lvl1pPr>
           </a:lstStyle>
-          <a:p/>
+          <a:p>
+            <a:endParaRPr/>
+          </a:p>
         </p:txBody>
       </p:sp>
       <p:sp>
         <p:nvSpPr>
           <p:cNvPr id="72" name="Google Shape;72;p10"/>
-          <p:cNvSpPr txBox="1"/>
+          <p:cNvSpPr txBox="1">
+            <a:spLocks noGrp="1"/>
+          </p:cNvSpPr>
           <p:nvPr>
-            <p:ph idx="12" type="sldNum"/>
+            <p:ph type="sldNum" idx="12"/>
           </p:nvPr>
         </p:nvSpPr>
         <p:spPr>
@@ -6618,7 +6712,7 @@
           </a:prstGeom>
         </p:spPr>
         <p:txBody>
-          <a:bodyPr anchorCtr="0" anchor="ctr" bIns="91425" lIns="91425" spcFirstLastPara="1" rIns="91425" wrap="square" tIns="91425">
+          <a:bodyPr spcFirstLastPara="1" wrap="square" lIns="91425" tIns="91425" rIns="91425" bIns="91425" anchor="ctr" anchorCtr="0">
             <a:normAutofit/>
           </a:bodyPr>
           <a:lstStyle>
@@ -6660,7 +6754,7 @@
             </a:lvl9pPr>
           </a:lstStyle>
           <a:p>
-            <a:pPr indent="0" lvl="0" marL="0" rtl="0" algn="r">
+            <a:pPr marL="0" lvl="0" indent="0" algn="r" rtl="0">
               <a:spcBef>
                 <a:spcPts val="0"/>
               </a:spcBef>
@@ -6686,18 +6780,19 @@
 </file>
 
 <file path=ppt/slideMasters/slideMaster1.xml><?xml version="1.0" encoding="utf-8"?>
-<p:sldMaster xmlns:a="http://schemas.openxmlformats.org/drawingml/2006/main" xmlns:r="http://schemas.openxmlformats.org/officeDocument/2006/relationships" xmlns:mc="http://schemas.openxmlformats.org/markup-compatibility/2006" xmlns:mv="urn:schemas-microsoft-com:mac:vml" xmlns:p="http://schemas.openxmlformats.org/presentationml/2006/main" xmlns:c="http://schemas.openxmlformats.org/drawingml/2006/chart" xmlns:dgm="http://schemas.openxmlformats.org/drawingml/2006/diagram" xmlns:o="urn:schemas-microsoft-com:office:office" xmlns:v="urn:schemas-microsoft-com:vml" xmlns:pvml="urn:schemas-microsoft-com:office:powerpoint" xmlns:com="http://schemas.openxmlformats.org/drawingml/2006/compatibility" xmlns:p14="http://schemas.microsoft.com/office/powerpoint/2010/main" xmlns:p15="http://schemas.microsoft.com/office/powerpoint/2012/main" xmlns:ahyp="http://schemas.microsoft.com/office/drawing/2018/hyperlinkcolor">
+<p:sldMaster xmlns:a="http://schemas.openxmlformats.org/drawingml/2006/main" xmlns:r="http://schemas.openxmlformats.org/officeDocument/2006/relationships" xmlns:p="http://schemas.openxmlformats.org/presentationml/2006/main">
   <p:cSld name="streamline">
     <p:bg>
       <p:bgPr>
         <a:solidFill>
           <a:schemeClr val="lt1"/>
         </a:solidFill>
+        <a:effectLst/>
       </p:bgPr>
     </p:bg>
     <p:spTree>
       <p:nvGrpSpPr>
-        <p:cNvPr id="5" name="Shape 5"/>
+        <p:cNvPr id="1" name="Shape 5"/>
         <p:cNvGrpSpPr/>
         <p:nvPr/>
       </p:nvGrpSpPr>
@@ -6712,7 +6807,9 @@
       <p:sp>
         <p:nvSpPr>
           <p:cNvPr id="6" name="Google Shape;6;p1"/>
-          <p:cNvSpPr txBox="1"/>
+          <p:cNvSpPr txBox="1">
+            <a:spLocks noGrp="1"/>
+          </p:cNvSpPr>
           <p:nvPr>
             <p:ph type="title"/>
           </p:nvPr>
@@ -6731,7 +6828,7 @@
           </a:ln>
         </p:spPr>
         <p:txBody>
-          <a:bodyPr anchorCtr="0" anchor="t" bIns="91425" lIns="91425" spcFirstLastPara="1" rIns="91425" wrap="square" tIns="91425">
+          <a:bodyPr spcFirstLastPara="1" wrap="square" lIns="91425" tIns="91425" rIns="91425" bIns="91425" anchor="t" anchorCtr="0">
             <a:normAutofit/>
           </a:bodyPr>
           <a:lstStyle>
@@ -6748,7 +6845,7 @@
               <a:buSzPts val="2800"/>
               <a:buFont typeface="Raleway"/>
               <a:buNone/>
-              <a:defRPr b="1" sz="2800">
+              <a:defRPr sz="2800" b="1">
                 <a:solidFill>
                   <a:schemeClr val="dk2"/>
                 </a:solidFill>
@@ -6771,7 +6868,7 @@
               <a:buSzPts val="2800"/>
               <a:buFont typeface="Raleway"/>
               <a:buNone/>
-              <a:defRPr b="1" sz="2800">
+              <a:defRPr sz="2800" b="1">
                 <a:solidFill>
                   <a:schemeClr val="dk2"/>
                 </a:solidFill>
@@ -6794,7 +6891,7 @@
               <a:buSzPts val="2800"/>
               <a:buFont typeface="Raleway"/>
               <a:buNone/>
-              <a:defRPr b="1" sz="2800">
+              <a:defRPr sz="2800" b="1">
                 <a:solidFill>
                   <a:schemeClr val="dk2"/>
                 </a:solidFill>
@@ -6817,7 +6914,7 @@
               <a:buSzPts val="2800"/>
               <a:buFont typeface="Raleway"/>
               <a:buNone/>
-              <a:defRPr b="1" sz="2800">
+              <a:defRPr sz="2800" b="1">
                 <a:solidFill>
                   <a:schemeClr val="dk2"/>
                 </a:solidFill>
@@ -6840,7 +6937,7 @@
               <a:buSzPts val="2800"/>
               <a:buFont typeface="Raleway"/>
               <a:buNone/>
-              <a:defRPr b="1" sz="2800">
+              <a:defRPr sz="2800" b="1">
                 <a:solidFill>
                   <a:schemeClr val="dk2"/>
                 </a:solidFill>
@@ -6863,7 +6960,7 @@
               <a:buSzPts val="2800"/>
               <a:buFont typeface="Raleway"/>
               <a:buNone/>
-              <a:defRPr b="1" sz="2800">
+              <a:defRPr sz="2800" b="1">
                 <a:solidFill>
                   <a:schemeClr val="dk2"/>
                 </a:solidFill>
@@ -6886,7 +6983,7 @@
               <a:buSzPts val="2800"/>
               <a:buFont typeface="Raleway"/>
               <a:buNone/>
-              <a:defRPr b="1" sz="2800">
+              <a:defRPr sz="2800" b="1">
                 <a:solidFill>
                   <a:schemeClr val="dk2"/>
                 </a:solidFill>
@@ -6909,7 +7006,7 @@
               <a:buSzPts val="2800"/>
               <a:buFont typeface="Raleway"/>
               <a:buNone/>
-              <a:defRPr b="1" sz="2800">
+              <a:defRPr sz="2800" b="1">
                 <a:solidFill>
                   <a:schemeClr val="dk2"/>
                 </a:solidFill>
@@ -6932,7 +7029,7 @@
               <a:buSzPts val="2800"/>
               <a:buFont typeface="Raleway"/>
               <a:buNone/>
-              <a:defRPr b="1" sz="2800">
+              <a:defRPr sz="2800" b="1">
                 <a:solidFill>
                   <a:schemeClr val="dk2"/>
                 </a:solidFill>
@@ -6943,15 +7040,19 @@
               </a:defRPr>
             </a:lvl9pPr>
           </a:lstStyle>
-          <a:p/>
+          <a:p>
+            <a:endParaRPr/>
+          </a:p>
         </p:txBody>
       </p:sp>
       <p:sp>
         <p:nvSpPr>
           <p:cNvPr id="7" name="Google Shape;7;p1"/>
-          <p:cNvSpPr txBox="1"/>
+          <p:cNvSpPr txBox="1">
+            <a:spLocks noGrp="1"/>
+          </p:cNvSpPr>
           <p:nvPr>
-            <p:ph idx="1" type="body"/>
+            <p:ph type="body" idx="1"/>
           </p:nvPr>
         </p:nvSpPr>
         <p:spPr>
@@ -6968,11 +7069,11 @@
           </a:ln>
         </p:spPr>
         <p:txBody>
-          <a:bodyPr anchorCtr="0" anchor="t" bIns="91425" lIns="91425" spcFirstLastPara="1" rIns="91425" wrap="square" tIns="91425">
+          <a:bodyPr spcFirstLastPara="1" wrap="square" lIns="91425" tIns="91425" rIns="91425" bIns="91425" anchor="t" anchorCtr="0">
             <a:normAutofit/>
           </a:bodyPr>
           <a:lstStyle>
-            <a:lvl1pPr indent="-311150" lvl="0" marL="457200">
+            <a:lvl1pPr marL="457200" lvl="0" indent="-311150">
               <a:lnSpc>
                 <a:spcPct val="115000"/>
               </a:lnSpc>
@@ -6998,7 +7099,7 @@
                 <a:sym typeface="Lato"/>
               </a:defRPr>
             </a:lvl1pPr>
-            <a:lvl2pPr indent="-298450" lvl="1" marL="914400">
+            <a:lvl2pPr marL="914400" lvl="1" indent="-298450">
               <a:lnSpc>
                 <a:spcPct val="115000"/>
               </a:lnSpc>
@@ -7024,7 +7125,7 @@
                 <a:sym typeface="Lato"/>
               </a:defRPr>
             </a:lvl2pPr>
-            <a:lvl3pPr indent="-298450" lvl="2" marL="1371600">
+            <a:lvl3pPr marL="1371600" lvl="2" indent="-298450">
               <a:lnSpc>
                 <a:spcPct val="115000"/>
               </a:lnSpc>
@@ -7050,7 +7151,7 @@
                 <a:sym typeface="Lato"/>
               </a:defRPr>
             </a:lvl3pPr>
-            <a:lvl4pPr indent="-298450" lvl="3" marL="1828800">
+            <a:lvl4pPr marL="1828800" lvl="3" indent="-298450">
               <a:lnSpc>
                 <a:spcPct val="115000"/>
               </a:lnSpc>
@@ -7076,7 +7177,7 @@
                 <a:sym typeface="Lato"/>
               </a:defRPr>
             </a:lvl4pPr>
-            <a:lvl5pPr indent="-298450" lvl="4" marL="2286000">
+            <a:lvl5pPr marL="2286000" lvl="4" indent="-298450">
               <a:lnSpc>
                 <a:spcPct val="115000"/>
               </a:lnSpc>
@@ -7102,7 +7203,7 @@
                 <a:sym typeface="Lato"/>
               </a:defRPr>
             </a:lvl5pPr>
-            <a:lvl6pPr indent="-298450" lvl="5" marL="2743200">
+            <a:lvl6pPr marL="2743200" lvl="5" indent="-298450">
               <a:lnSpc>
                 <a:spcPct val="115000"/>
               </a:lnSpc>
@@ -7128,7 +7229,7 @@
                 <a:sym typeface="Lato"/>
               </a:defRPr>
             </a:lvl6pPr>
-            <a:lvl7pPr indent="-298450" lvl="6" marL="3200400">
+            <a:lvl7pPr marL="3200400" lvl="6" indent="-298450">
               <a:lnSpc>
                 <a:spcPct val="115000"/>
               </a:lnSpc>
@@ -7154,7 +7255,7 @@
                 <a:sym typeface="Lato"/>
               </a:defRPr>
             </a:lvl7pPr>
-            <a:lvl8pPr indent="-298450" lvl="7" marL="3657600">
+            <a:lvl8pPr marL="3657600" lvl="7" indent="-298450">
               <a:lnSpc>
                 <a:spcPct val="115000"/>
               </a:lnSpc>
@@ -7180,7 +7281,7 @@
                 <a:sym typeface="Lato"/>
               </a:defRPr>
             </a:lvl8pPr>
-            <a:lvl9pPr indent="-298450" lvl="8" marL="4114800">
+            <a:lvl9pPr marL="4114800" lvl="8" indent="-298450">
               <a:lnSpc>
                 <a:spcPct val="115000"/>
               </a:lnSpc>
@@ -7207,15 +7308,19 @@
               </a:defRPr>
             </a:lvl9pPr>
           </a:lstStyle>
-          <a:p/>
+          <a:p>
+            <a:endParaRPr/>
+          </a:p>
         </p:txBody>
       </p:sp>
       <p:sp>
         <p:nvSpPr>
           <p:cNvPr id="8" name="Google Shape;8;p1"/>
-          <p:cNvSpPr txBox="1"/>
+          <p:cNvSpPr txBox="1">
+            <a:spLocks noGrp="1"/>
+          </p:cNvSpPr>
           <p:nvPr>
-            <p:ph idx="12" type="sldNum"/>
+            <p:ph type="sldNum" idx="12"/>
           </p:nvPr>
         </p:nvSpPr>
         <p:spPr>
@@ -7232,7 +7337,7 @@
           </a:ln>
         </p:spPr>
         <p:txBody>
-          <a:bodyPr anchorCtr="0" anchor="ctr" bIns="91425" lIns="91425" spcFirstLastPara="1" rIns="91425" wrap="square" tIns="91425">
+          <a:bodyPr spcFirstLastPara="1" wrap="square" lIns="91425" tIns="91425" rIns="91425" bIns="91425" anchor="ctr" anchorCtr="0">
             <a:normAutofit/>
           </a:bodyPr>
           <a:lstStyle>
@@ -7346,7 +7451,7 @@
             </a:lvl9pPr>
           </a:lstStyle>
           <a:p>
-            <a:pPr indent="0" lvl="0" marL="0" rtl="0" algn="r">
+            <a:pPr marL="0" lvl="0" indent="0" algn="r" rtl="0">
               <a:spcBef>
                 <a:spcPts val="0"/>
               </a:spcBef>
@@ -7365,7 +7470,7 @@
       </p:sp>
     </p:spTree>
   </p:cSld>
-  <p:clrMap accent1="accent1" accent2="accent2" accent3="accent3" accent4="accent4" accent5="accent5" accent6="accent6" bg1="lt1" bg2="dk2" tx1="dk1" tx2="lt2" folHlink="folHlink" hlink="hlink"/>
+  <p:clrMap bg1="lt1" tx1="dk1" bg2="dk2" tx2="lt2" accent1="accent1" accent2="accent2" accent3="accent3" accent4="accent4" accent5="accent5" accent6="accent6" hlink="hlink" folHlink="folHlink"/>
   <p:sldLayoutIdLst>
     <p:sldLayoutId id="2147483648" r:id="rId1"/>
     <p:sldLayoutId id="2147483649" r:id="rId2"/>
@@ -7379,10 +7484,10 @@
     <p:sldLayoutId id="2147483657" r:id="rId10"/>
     <p:sldLayoutId id="2147483658" r:id="rId11"/>
   </p:sldLayoutIdLst>
-  <p:hf dt="0" ftr="0" hdr="0" sldNum="0"/>
+  <p:hf sldNum="0" hdr="0" ftr="0" dt="0"/>
   <p:txStyles>
     <p:titleStyle>
-      <a:defPPr lvl="0" marR="0" rtl="0" algn="l">
+      <a:defPPr marR="0" lvl="0" algn="l" rtl="0">
         <a:lnSpc>
           <a:spcPct val="100000"/>
         </a:lnSpc>
@@ -7393,7 +7498,7 @@
           <a:spcPts val="0"/>
         </a:spcAft>
       </a:defPPr>
-      <a:lvl1pPr lvl="0" marR="0" rtl="0" algn="l">
+      <a:lvl1pPr marR="0" lvl="0" algn="l" rtl="0">
         <a:lnSpc>
           <a:spcPct val="100000"/>
         </a:lnSpc>
@@ -7407,7 +7512,7 @@
           <a:srgbClr val="000000"/>
         </a:buClr>
         <a:buFont typeface="Arial"/>
-        <a:defRPr b="0" i="0" sz="1400" u="none" cap="none" strike="noStrike">
+        <a:defRPr sz="1400" b="0" i="0" u="none" strike="noStrike" cap="none">
           <a:solidFill>
             <a:srgbClr val="000000"/>
           </a:solidFill>
@@ -7417,7 +7522,7 @@
           <a:sym typeface="Arial"/>
         </a:defRPr>
       </a:lvl1pPr>
-      <a:lvl2pPr lvl="1" marR="0" rtl="0" algn="l">
+      <a:lvl2pPr marR="0" lvl="1" algn="l" rtl="0">
         <a:lnSpc>
           <a:spcPct val="100000"/>
         </a:lnSpc>
@@ -7431,7 +7536,7 @@
           <a:srgbClr val="000000"/>
         </a:buClr>
         <a:buFont typeface="Arial"/>
-        <a:defRPr b="0" i="0" sz="1400" u="none" cap="none" strike="noStrike">
+        <a:defRPr sz="1400" b="0" i="0" u="none" strike="noStrike" cap="none">
           <a:solidFill>
             <a:srgbClr val="000000"/>
           </a:solidFill>
@@ -7441,7 +7546,7 @@
           <a:sym typeface="Arial"/>
         </a:defRPr>
       </a:lvl2pPr>
-      <a:lvl3pPr lvl="2" marR="0" rtl="0" algn="l">
+      <a:lvl3pPr marR="0" lvl="2" algn="l" rtl="0">
         <a:lnSpc>
           <a:spcPct val="100000"/>
         </a:lnSpc>
@@ -7455,7 +7560,7 @@
           <a:srgbClr val="000000"/>
         </a:buClr>
         <a:buFont typeface="Arial"/>
-        <a:defRPr b="0" i="0" sz="1400" u="none" cap="none" strike="noStrike">
+        <a:defRPr sz="1400" b="0" i="0" u="none" strike="noStrike" cap="none">
           <a:solidFill>
             <a:srgbClr val="000000"/>
           </a:solidFill>
@@ -7465,7 +7570,7 @@
           <a:sym typeface="Arial"/>
         </a:defRPr>
       </a:lvl3pPr>
-      <a:lvl4pPr lvl="3" marR="0" rtl="0" algn="l">
+      <a:lvl4pPr marR="0" lvl="3" algn="l" rtl="0">
         <a:lnSpc>
           <a:spcPct val="100000"/>
         </a:lnSpc>
@@ -7479,7 +7584,7 @@
           <a:srgbClr val="000000"/>
         </a:buClr>
         <a:buFont typeface="Arial"/>
-        <a:defRPr b="0" i="0" sz="1400" u="none" cap="none" strike="noStrike">
+        <a:defRPr sz="1400" b="0" i="0" u="none" strike="noStrike" cap="none">
           <a:solidFill>
             <a:srgbClr val="000000"/>
           </a:solidFill>
@@ -7489,7 +7594,7 @@
           <a:sym typeface="Arial"/>
         </a:defRPr>
       </a:lvl4pPr>
-      <a:lvl5pPr lvl="4" marR="0" rtl="0" algn="l">
+      <a:lvl5pPr marR="0" lvl="4" algn="l" rtl="0">
         <a:lnSpc>
           <a:spcPct val="100000"/>
         </a:lnSpc>
@@ -7503,7 +7608,7 @@
           <a:srgbClr val="000000"/>
         </a:buClr>
         <a:buFont typeface="Arial"/>
-        <a:defRPr b="0" i="0" sz="1400" u="none" cap="none" strike="noStrike">
+        <a:defRPr sz="1400" b="0" i="0" u="none" strike="noStrike" cap="none">
           <a:solidFill>
             <a:srgbClr val="000000"/>
           </a:solidFill>
@@ -7513,7 +7618,7 @@
           <a:sym typeface="Arial"/>
         </a:defRPr>
       </a:lvl5pPr>
-      <a:lvl6pPr lvl="5" marR="0" rtl="0" algn="l">
+      <a:lvl6pPr marR="0" lvl="5" algn="l" rtl="0">
         <a:lnSpc>
           <a:spcPct val="100000"/>
         </a:lnSpc>
@@ -7527,7 +7632,7 @@
           <a:srgbClr val="000000"/>
         </a:buClr>
         <a:buFont typeface="Arial"/>
-        <a:defRPr b="0" i="0" sz="1400" u="none" cap="none" strike="noStrike">
+        <a:defRPr sz="1400" b="0" i="0" u="none" strike="noStrike" cap="none">
           <a:solidFill>
             <a:srgbClr val="000000"/>
           </a:solidFill>
@@ -7537,7 +7642,7 @@
           <a:sym typeface="Arial"/>
         </a:defRPr>
       </a:lvl6pPr>
-      <a:lvl7pPr lvl="6" marR="0" rtl="0" algn="l">
+      <a:lvl7pPr marR="0" lvl="6" algn="l" rtl="0">
         <a:lnSpc>
           <a:spcPct val="100000"/>
         </a:lnSpc>
@@ -7551,7 +7656,7 @@
           <a:srgbClr val="000000"/>
         </a:buClr>
         <a:buFont typeface="Arial"/>
-        <a:defRPr b="0" i="0" sz="1400" u="none" cap="none" strike="noStrike">
+        <a:defRPr sz="1400" b="0" i="0" u="none" strike="noStrike" cap="none">
           <a:solidFill>
             <a:srgbClr val="000000"/>
           </a:solidFill>
@@ -7561,7 +7666,7 @@
           <a:sym typeface="Arial"/>
         </a:defRPr>
       </a:lvl7pPr>
-      <a:lvl8pPr lvl="7" marR="0" rtl="0" algn="l">
+      <a:lvl8pPr marR="0" lvl="7" algn="l" rtl="0">
         <a:lnSpc>
           <a:spcPct val="100000"/>
         </a:lnSpc>
@@ -7575,7 +7680,7 @@
           <a:srgbClr val="000000"/>
         </a:buClr>
         <a:buFont typeface="Arial"/>
-        <a:defRPr b="0" i="0" sz="1400" u="none" cap="none" strike="noStrike">
+        <a:defRPr sz="1400" b="0" i="0" u="none" strike="noStrike" cap="none">
           <a:solidFill>
             <a:srgbClr val="000000"/>
           </a:solidFill>
@@ -7585,7 +7690,7 @@
           <a:sym typeface="Arial"/>
         </a:defRPr>
       </a:lvl8pPr>
-      <a:lvl9pPr lvl="8" marR="0" rtl="0" algn="l">
+      <a:lvl9pPr marR="0" lvl="8" algn="l" rtl="0">
         <a:lnSpc>
           <a:spcPct val="100000"/>
         </a:lnSpc>
@@ -7599,7 +7704,7 @@
           <a:srgbClr val="000000"/>
         </a:buClr>
         <a:buFont typeface="Arial"/>
-        <a:defRPr b="0" i="0" sz="1400" u="none" cap="none" strike="noStrike">
+        <a:defRPr sz="1400" b="0" i="0" u="none" strike="noStrike" cap="none">
           <a:solidFill>
             <a:srgbClr val="000000"/>
           </a:solidFill>
@@ -7611,7 +7716,7 @@
       </a:lvl9pPr>
     </p:titleStyle>
     <p:bodyStyle>
-      <a:defPPr lvl="0" marR="0" rtl="0" algn="l">
+      <a:defPPr marR="0" lvl="0" algn="l" rtl="0">
         <a:lnSpc>
           <a:spcPct val="100000"/>
         </a:lnSpc>
@@ -7622,7 +7727,7 @@
           <a:spcPts val="0"/>
         </a:spcAft>
       </a:defPPr>
-      <a:lvl1pPr lvl="0" marR="0" rtl="0" algn="l">
+      <a:lvl1pPr marR="0" lvl="0" algn="l" rtl="0">
         <a:lnSpc>
           <a:spcPct val="100000"/>
         </a:lnSpc>
@@ -7636,7 +7741,7 @@
           <a:srgbClr val="000000"/>
         </a:buClr>
         <a:buFont typeface="Arial"/>
-        <a:defRPr b="0" i="0" sz="1400" u="none" cap="none" strike="noStrike">
+        <a:defRPr sz="1400" b="0" i="0" u="none" strike="noStrike" cap="none">
           <a:solidFill>
             <a:srgbClr val="000000"/>
           </a:solidFill>
@@ -7646,7 +7751,7 @@
           <a:sym typeface="Arial"/>
         </a:defRPr>
       </a:lvl1pPr>
-      <a:lvl2pPr lvl="1" marR="0" rtl="0" algn="l">
+      <a:lvl2pPr marR="0" lvl="1" algn="l" rtl="0">
         <a:lnSpc>
           <a:spcPct val="100000"/>
         </a:lnSpc>
@@ -7660,7 +7765,7 @@
           <a:srgbClr val="000000"/>
         </a:buClr>
         <a:buFont typeface="Arial"/>
-        <a:defRPr b="0" i="0" sz="1400" u="none" cap="none" strike="noStrike">
+        <a:defRPr sz="1400" b="0" i="0" u="none" strike="noStrike" cap="none">
           <a:solidFill>
             <a:srgbClr val="000000"/>
           </a:solidFill>
@@ -7670,7 +7775,7 @@
           <a:sym typeface="Arial"/>
         </a:defRPr>
       </a:lvl2pPr>
-      <a:lvl3pPr lvl="2" marR="0" rtl="0" algn="l">
+      <a:lvl3pPr marR="0" lvl="2" algn="l" rtl="0">
         <a:lnSpc>
           <a:spcPct val="100000"/>
         </a:lnSpc>
@@ -7684,7 +7789,7 @@
           <a:srgbClr val="000000"/>
         </a:buClr>
         <a:buFont typeface="Arial"/>
-        <a:defRPr b="0" i="0" sz="1400" u="none" cap="none" strike="noStrike">
+        <a:defRPr sz="1400" b="0" i="0" u="none" strike="noStrike" cap="none">
           <a:solidFill>
             <a:srgbClr val="000000"/>
           </a:solidFill>
@@ -7694,7 +7799,7 @@
           <a:sym typeface="Arial"/>
         </a:defRPr>
       </a:lvl3pPr>
-      <a:lvl4pPr lvl="3" marR="0" rtl="0" algn="l">
+      <a:lvl4pPr marR="0" lvl="3" algn="l" rtl="0">
         <a:lnSpc>
           <a:spcPct val="100000"/>
         </a:lnSpc>
@@ -7708,7 +7813,7 @@
           <a:srgbClr val="000000"/>
         </a:buClr>
         <a:buFont typeface="Arial"/>
-        <a:defRPr b="0" i="0" sz="1400" u="none" cap="none" strike="noStrike">
+        <a:defRPr sz="1400" b="0" i="0" u="none" strike="noStrike" cap="none">
           <a:solidFill>
             <a:srgbClr val="000000"/>
           </a:solidFill>
@@ -7718,7 +7823,7 @@
           <a:sym typeface="Arial"/>
         </a:defRPr>
       </a:lvl4pPr>
-      <a:lvl5pPr lvl="4" marR="0" rtl="0" algn="l">
+      <a:lvl5pPr marR="0" lvl="4" algn="l" rtl="0">
         <a:lnSpc>
           <a:spcPct val="100000"/>
         </a:lnSpc>
@@ -7732,7 +7837,7 @@
           <a:srgbClr val="000000"/>
         </a:buClr>
         <a:buFont typeface="Arial"/>
-        <a:defRPr b="0" i="0" sz="1400" u="none" cap="none" strike="noStrike">
+        <a:defRPr sz="1400" b="0" i="0" u="none" strike="noStrike" cap="none">
           <a:solidFill>
             <a:srgbClr val="000000"/>
           </a:solidFill>
@@ -7742,7 +7847,7 @@
           <a:sym typeface="Arial"/>
         </a:defRPr>
       </a:lvl5pPr>
-      <a:lvl6pPr lvl="5" marR="0" rtl="0" algn="l">
+      <a:lvl6pPr marR="0" lvl="5" algn="l" rtl="0">
         <a:lnSpc>
           <a:spcPct val="100000"/>
         </a:lnSpc>
@@ -7756,7 +7861,7 @@
           <a:srgbClr val="000000"/>
         </a:buClr>
         <a:buFont typeface="Arial"/>
-        <a:defRPr b="0" i="0" sz="1400" u="none" cap="none" strike="noStrike">
+        <a:defRPr sz="1400" b="0" i="0" u="none" strike="noStrike" cap="none">
           <a:solidFill>
             <a:srgbClr val="000000"/>
           </a:solidFill>
@@ -7766,7 +7871,7 @@
           <a:sym typeface="Arial"/>
         </a:defRPr>
       </a:lvl6pPr>
-      <a:lvl7pPr lvl="6" marR="0" rtl="0" algn="l">
+      <a:lvl7pPr marR="0" lvl="6" algn="l" rtl="0">
         <a:lnSpc>
           <a:spcPct val="100000"/>
         </a:lnSpc>
@@ -7780,7 +7885,7 @@
           <a:srgbClr val="000000"/>
         </a:buClr>
         <a:buFont typeface="Arial"/>
-        <a:defRPr b="0" i="0" sz="1400" u="none" cap="none" strike="noStrike">
+        <a:defRPr sz="1400" b="0" i="0" u="none" strike="noStrike" cap="none">
           <a:solidFill>
             <a:srgbClr val="000000"/>
           </a:solidFill>
@@ -7790,7 +7895,7 @@
           <a:sym typeface="Arial"/>
         </a:defRPr>
       </a:lvl7pPr>
-      <a:lvl8pPr lvl="7" marR="0" rtl="0" algn="l">
+      <a:lvl8pPr marR="0" lvl="7" algn="l" rtl="0">
         <a:lnSpc>
           <a:spcPct val="100000"/>
         </a:lnSpc>
@@ -7804,7 +7909,7 @@
           <a:srgbClr val="000000"/>
         </a:buClr>
         <a:buFont typeface="Arial"/>
-        <a:defRPr b="0" i="0" sz="1400" u="none" cap="none" strike="noStrike">
+        <a:defRPr sz="1400" b="0" i="0" u="none" strike="noStrike" cap="none">
           <a:solidFill>
             <a:srgbClr val="000000"/>
           </a:solidFill>
@@ -7814,7 +7919,7 @@
           <a:sym typeface="Arial"/>
         </a:defRPr>
       </a:lvl8pPr>
-      <a:lvl9pPr lvl="8" marR="0" rtl="0" algn="l">
+      <a:lvl9pPr marR="0" lvl="8" algn="l" rtl="0">
         <a:lnSpc>
           <a:spcPct val="100000"/>
         </a:lnSpc>
@@ -7828,7 +7933,7 @@
           <a:srgbClr val="000000"/>
         </a:buClr>
         <a:buFont typeface="Arial"/>
-        <a:defRPr b="0" i="0" sz="1400" u="none" cap="none" strike="noStrike">
+        <a:defRPr sz="1400" b="0" i="0" u="none" strike="noStrike" cap="none">
           <a:solidFill>
             <a:srgbClr val="000000"/>
           </a:solidFill>
@@ -7840,7 +7945,7 @@
       </a:lvl9pPr>
     </p:bodyStyle>
     <p:otherStyle>
-      <a:defPPr lvl="0" marR="0" rtl="0" algn="l">
+      <a:defPPr marR="0" lvl="0" algn="l" rtl="0">
         <a:lnSpc>
           <a:spcPct val="100000"/>
         </a:lnSpc>
@@ -7851,7 +7956,7 @@
           <a:spcPts val="0"/>
         </a:spcAft>
       </a:defPPr>
-      <a:lvl1pPr lvl="0" marR="0" rtl="0" algn="l">
+      <a:lvl1pPr marR="0" lvl="0" algn="l" rtl="0">
         <a:lnSpc>
           <a:spcPct val="100000"/>
         </a:lnSpc>
@@ -7865,7 +7970,7 @@
           <a:srgbClr val="000000"/>
         </a:buClr>
         <a:buFont typeface="Arial"/>
-        <a:defRPr b="0" i="0" sz="1400" u="none" cap="none" strike="noStrike">
+        <a:defRPr sz="1400" b="0" i="0" u="none" strike="noStrike" cap="none">
           <a:solidFill>
             <a:srgbClr val="000000"/>
           </a:solidFill>
@@ -7875,7 +7980,7 @@
           <a:sym typeface="Arial"/>
         </a:defRPr>
       </a:lvl1pPr>
-      <a:lvl2pPr lvl="1" marR="0" rtl="0" algn="l">
+      <a:lvl2pPr marR="0" lvl="1" algn="l" rtl="0">
         <a:lnSpc>
           <a:spcPct val="100000"/>
         </a:lnSpc>
@@ -7889,7 +7994,7 @@
           <a:srgbClr val="000000"/>
         </a:buClr>
         <a:buFont typeface="Arial"/>
-        <a:defRPr b="0" i="0" sz="1400" u="none" cap="none" strike="noStrike">
+        <a:defRPr sz="1400" b="0" i="0" u="none" strike="noStrike" cap="none">
           <a:solidFill>
             <a:srgbClr val="000000"/>
           </a:solidFill>
@@ -7899,7 +8004,7 @@
           <a:sym typeface="Arial"/>
         </a:defRPr>
       </a:lvl2pPr>
-      <a:lvl3pPr lvl="2" marR="0" rtl="0" algn="l">
+      <a:lvl3pPr marR="0" lvl="2" algn="l" rtl="0">
         <a:lnSpc>
           <a:spcPct val="100000"/>
         </a:lnSpc>
@@ -7913,7 +8018,7 @@
           <a:srgbClr val="000000"/>
         </a:buClr>
         <a:buFont typeface="Arial"/>
-        <a:defRPr b="0" i="0" sz="1400" u="none" cap="none" strike="noStrike">
+        <a:defRPr sz="1400" b="0" i="0" u="none" strike="noStrike" cap="none">
           <a:solidFill>
             <a:srgbClr val="000000"/>
           </a:solidFill>
@@ -7923,7 +8028,7 @@
           <a:sym typeface="Arial"/>
         </a:defRPr>
       </a:lvl3pPr>
-      <a:lvl4pPr lvl="3" marR="0" rtl="0" algn="l">
+      <a:lvl4pPr marR="0" lvl="3" algn="l" rtl="0">
         <a:lnSpc>
           <a:spcPct val="100000"/>
         </a:lnSpc>
@@ -7937,7 +8042,7 @@
           <a:srgbClr val="000000"/>
         </a:buClr>
         <a:buFont typeface="Arial"/>
-        <a:defRPr b="0" i="0" sz="1400" u="none" cap="none" strike="noStrike">
+        <a:defRPr sz="1400" b="0" i="0" u="none" strike="noStrike" cap="none">
           <a:solidFill>
             <a:srgbClr val="000000"/>
           </a:solidFill>
@@ -7947,7 +8052,7 @@
           <a:sym typeface="Arial"/>
         </a:defRPr>
       </a:lvl4pPr>
-      <a:lvl5pPr lvl="4" marR="0" rtl="0" algn="l">
+      <a:lvl5pPr marR="0" lvl="4" algn="l" rtl="0">
         <a:lnSpc>
           <a:spcPct val="100000"/>
         </a:lnSpc>
@@ -7961,7 +8066,7 @@
           <a:srgbClr val="000000"/>
         </a:buClr>
         <a:buFont typeface="Arial"/>
-        <a:defRPr b="0" i="0" sz="1400" u="none" cap="none" strike="noStrike">
+        <a:defRPr sz="1400" b="0" i="0" u="none" strike="noStrike" cap="none">
           <a:solidFill>
             <a:srgbClr val="000000"/>
           </a:solidFill>
@@ -7971,7 +8076,7 @@
           <a:sym typeface="Arial"/>
         </a:defRPr>
       </a:lvl5pPr>
-      <a:lvl6pPr lvl="5" marR="0" rtl="0" algn="l">
+      <a:lvl6pPr marR="0" lvl="5" algn="l" rtl="0">
         <a:lnSpc>
           <a:spcPct val="100000"/>
         </a:lnSpc>
@@ -7985,7 +8090,7 @@
           <a:srgbClr val="000000"/>
         </a:buClr>
         <a:buFont typeface="Arial"/>
-        <a:defRPr b="0" i="0" sz="1400" u="none" cap="none" strike="noStrike">
+        <a:defRPr sz="1400" b="0" i="0" u="none" strike="noStrike" cap="none">
           <a:solidFill>
             <a:srgbClr val="000000"/>
           </a:solidFill>
@@ -7995,7 +8100,7 @@
           <a:sym typeface="Arial"/>
         </a:defRPr>
       </a:lvl6pPr>
-      <a:lvl7pPr lvl="6" marR="0" rtl="0" algn="l">
+      <a:lvl7pPr marR="0" lvl="6" algn="l" rtl="0">
         <a:lnSpc>
           <a:spcPct val="100000"/>
         </a:lnSpc>
@@ -8009,7 +8114,7 @@
           <a:srgbClr val="000000"/>
         </a:buClr>
         <a:buFont typeface="Arial"/>
-        <a:defRPr b="0" i="0" sz="1400" u="none" cap="none" strike="noStrike">
+        <a:defRPr sz="1400" b="0" i="0" u="none" strike="noStrike" cap="none">
           <a:solidFill>
             <a:srgbClr val="000000"/>
           </a:solidFill>
@@ -8019,7 +8124,7 @@
           <a:sym typeface="Arial"/>
         </a:defRPr>
       </a:lvl7pPr>
-      <a:lvl8pPr lvl="7" marR="0" rtl="0" algn="l">
+      <a:lvl8pPr marR="0" lvl="7" algn="l" rtl="0">
         <a:lnSpc>
           <a:spcPct val="100000"/>
         </a:lnSpc>
@@ -8033,7 +8138,7 @@
           <a:srgbClr val="000000"/>
         </a:buClr>
         <a:buFont typeface="Arial"/>
-        <a:defRPr b="0" i="0" sz="1400" u="none" cap="none" strike="noStrike">
+        <a:defRPr sz="1400" b="0" i="0" u="none" strike="noStrike" cap="none">
           <a:solidFill>
             <a:srgbClr val="000000"/>
           </a:solidFill>
@@ -8043,7 +8148,7 @@
           <a:sym typeface="Arial"/>
         </a:defRPr>
       </a:lvl8pPr>
-      <a:lvl9pPr lvl="8" marR="0" rtl="0" algn="l">
+      <a:lvl9pPr marR="0" lvl="8" algn="l" rtl="0">
         <a:lnSpc>
           <a:spcPct val="100000"/>
         </a:lnSpc>
@@ -8057,7 +8162,7 @@
           <a:srgbClr val="000000"/>
         </a:buClr>
         <a:buFont typeface="Arial"/>
-        <a:defRPr b="0" i="0" sz="1400" u="none" cap="none" strike="noStrike">
+        <a:defRPr sz="1400" b="0" i="0" u="none" strike="noStrike" cap="none">
           <a:solidFill>
             <a:srgbClr val="000000"/>
           </a:solidFill>
@@ -8073,11 +8178,11 @@
 </file>
 
 <file path=ppt/slides/slide1.xml><?xml version="1.0" encoding="utf-8"?>
-<p:sld xmlns:a="http://schemas.openxmlformats.org/drawingml/2006/main" xmlns:r="http://schemas.openxmlformats.org/officeDocument/2006/relationships" xmlns:mc="http://schemas.openxmlformats.org/markup-compatibility/2006" xmlns:mv="urn:schemas-microsoft-com:mac:vml" xmlns:p="http://schemas.openxmlformats.org/presentationml/2006/main" xmlns:c="http://schemas.openxmlformats.org/drawingml/2006/chart" xmlns:dgm="http://schemas.openxmlformats.org/drawingml/2006/diagram" xmlns:o="urn:schemas-microsoft-com:office:office" xmlns:v="urn:schemas-microsoft-com:vml" xmlns:pvml="urn:schemas-microsoft-com:office:powerpoint" xmlns:com="http://schemas.openxmlformats.org/drawingml/2006/compatibility" xmlns:p14="http://schemas.microsoft.com/office/powerpoint/2010/main" xmlns:p15="http://schemas.microsoft.com/office/powerpoint/2012/main" xmlns:ahyp="http://schemas.microsoft.com/office/drawing/2018/hyperlinkcolor">
+<p:sld xmlns:a="http://schemas.openxmlformats.org/drawingml/2006/main" xmlns:r="http://schemas.openxmlformats.org/officeDocument/2006/relationships" xmlns:p="http://schemas.openxmlformats.org/presentationml/2006/main">
   <p:cSld>
     <p:spTree>
       <p:nvGrpSpPr>
-        <p:cNvPr id="85" name="Shape 85"/>
+        <p:cNvPr id="1" name="Shape 85"/>
         <p:cNvGrpSpPr/>
         <p:nvPr/>
       </p:nvGrpSpPr>
@@ -8092,7 +8197,9 @@
       <p:sp>
         <p:nvSpPr>
           <p:cNvPr id="86" name="Google Shape;86;p13"/>
-          <p:cNvSpPr txBox="1"/>
+          <p:cNvSpPr txBox="1">
+            <a:spLocks noGrp="1"/>
+          </p:cNvSpPr>
           <p:nvPr>
             <p:ph type="ctrTitle"/>
           </p:nvPr>
@@ -8107,12 +8214,12 @@
           </a:prstGeom>
         </p:spPr>
         <p:txBody>
-          <a:bodyPr anchorCtr="0" anchor="t" bIns="91425" lIns="91425" spcFirstLastPara="1" rIns="91425" wrap="square" tIns="91425">
+          <a:bodyPr spcFirstLastPara="1" wrap="square" lIns="91425" tIns="91425" rIns="91425" bIns="91425" anchor="t" anchorCtr="0">
             <a:normAutofit/>
           </a:bodyPr>
           <a:lstStyle/>
           <a:p>
-            <a:pPr indent="0" lvl="0" marL="0" rtl="0" algn="l">
+            <a:pPr marL="0" lvl="0" indent="0" algn="l" rtl="0">
               <a:spcBef>
                 <a:spcPts val="0"/>
               </a:spcBef>
@@ -8123,31 +8230,24 @@
             </a:pPr>
             <a:r>
               <a:rPr lang="en"/>
-              <a:t>Climate Change and Extreme Weather Events </a:t>
+              <a:t>Climate Change and Extreme Weather Events vs. Commodity Prices</a:t>
             </a:r>
-            <a:r>
-              <a:rPr lang="en"/>
-              <a:t>vs. Commodity Prices</a:t>
-            </a:r>
-            <a:endParaRPr/>
-          </a:p>
-          <a:p>
-            <a:pPr indent="0" lvl="0" marL="0" rtl="0" algn="l">
-              <a:spcBef>
-                <a:spcPts val="0"/>
-              </a:spcBef>
-              <a:spcAft>
-                <a:spcPts val="0"/>
-              </a:spcAft>
-              <a:buNone/>
-            </a:pPr>
-            <a:r>
-              <a:t/>
-            </a:r>
-            <a:endParaRPr/>
-          </a:p>
-          <a:p>
-            <a:pPr indent="0" lvl="0" marL="0" rtl="0" algn="l">
+            <a:endParaRPr/>
+          </a:p>
+          <a:p>
+            <a:pPr marL="0" lvl="0" indent="0" algn="l" rtl="0">
+              <a:spcBef>
+                <a:spcPts val="0"/>
+              </a:spcBef>
+              <a:spcAft>
+                <a:spcPts val="0"/>
+              </a:spcAft>
+              <a:buNone/>
+            </a:pPr>
+            <a:endParaRPr/>
+          </a:p>
+          <a:p>
+            <a:pPr marL="0" lvl="0" indent="0" algn="l" rtl="0">
               <a:spcBef>
                 <a:spcPts val="0"/>
               </a:spcBef>
@@ -8173,11 +8273,11 @@
 </file>
 
 <file path=ppt/slides/slide10.xml><?xml version="1.0" encoding="utf-8"?>
-<p:sld xmlns:a="http://schemas.openxmlformats.org/drawingml/2006/main" xmlns:r="http://schemas.openxmlformats.org/officeDocument/2006/relationships" xmlns:mc="http://schemas.openxmlformats.org/markup-compatibility/2006" xmlns:mv="urn:schemas-microsoft-com:mac:vml" xmlns:p="http://schemas.openxmlformats.org/presentationml/2006/main" xmlns:c="http://schemas.openxmlformats.org/drawingml/2006/chart" xmlns:dgm="http://schemas.openxmlformats.org/drawingml/2006/diagram" xmlns:o="urn:schemas-microsoft-com:office:office" xmlns:v="urn:schemas-microsoft-com:vml" xmlns:pvml="urn:schemas-microsoft-com:office:powerpoint" xmlns:com="http://schemas.openxmlformats.org/drawingml/2006/compatibility" xmlns:p14="http://schemas.microsoft.com/office/powerpoint/2010/main" xmlns:p15="http://schemas.microsoft.com/office/powerpoint/2012/main" xmlns:ahyp="http://schemas.microsoft.com/office/drawing/2018/hyperlinkcolor">
+<p:sld xmlns:a="http://schemas.openxmlformats.org/drawingml/2006/main" xmlns:r="http://schemas.openxmlformats.org/officeDocument/2006/relationships" xmlns:p="http://schemas.openxmlformats.org/presentationml/2006/main">
   <p:cSld>
     <p:spTree>
       <p:nvGrpSpPr>
-        <p:cNvPr id="137" name="Shape 137"/>
+        <p:cNvPr id="1" name="Shape 137"/>
         <p:cNvGrpSpPr/>
         <p:nvPr/>
       </p:nvGrpSpPr>
@@ -8192,7 +8292,9 @@
       <p:sp>
         <p:nvSpPr>
           <p:cNvPr id="138" name="Google Shape;138;p22"/>
-          <p:cNvSpPr txBox="1"/>
+          <p:cNvSpPr txBox="1">
+            <a:spLocks noGrp="1"/>
+          </p:cNvSpPr>
           <p:nvPr>
             <p:ph type="title"/>
           </p:nvPr>
@@ -8207,12 +8309,12 @@
           </a:prstGeom>
         </p:spPr>
         <p:txBody>
-          <a:bodyPr anchorCtr="0" anchor="t" bIns="91425" lIns="91425" spcFirstLastPara="1" rIns="91425" wrap="square" tIns="91425">
+          <a:bodyPr spcFirstLastPara="1" wrap="square" lIns="91425" tIns="91425" rIns="91425" bIns="91425" anchor="t" anchorCtr="0">
             <a:normAutofit fontScale="90000"/>
           </a:bodyPr>
           <a:lstStyle/>
           <a:p>
-            <a:pPr indent="0" lvl="0" marL="0" rtl="0" algn="l">
+            <a:pPr marL="0" lvl="0" indent="0" algn="l" rtl="0">
               <a:spcBef>
                 <a:spcPts val="0"/>
               </a:spcBef>
@@ -8232,9 +8334,11 @@
       <p:sp>
         <p:nvSpPr>
           <p:cNvPr id="139" name="Google Shape;139;p22"/>
-          <p:cNvSpPr txBox="1"/>
+          <p:cNvSpPr txBox="1">
+            <a:spLocks noGrp="1"/>
+          </p:cNvSpPr>
           <p:nvPr>
-            <p:ph idx="1" type="body"/>
+            <p:ph type="body" idx="1"/>
           </p:nvPr>
         </p:nvSpPr>
         <p:spPr>
@@ -8247,12 +8351,12 @@
           </a:prstGeom>
         </p:spPr>
         <p:txBody>
-          <a:bodyPr anchorCtr="0" anchor="t" bIns="91425" lIns="91425" spcFirstLastPara="1" rIns="91425" wrap="square" tIns="91425">
+          <a:bodyPr spcFirstLastPara="1" wrap="square" lIns="91425" tIns="91425" rIns="91425" bIns="91425" anchor="t" anchorCtr="0">
             <a:normAutofit/>
           </a:bodyPr>
           <a:lstStyle/>
           <a:p>
-            <a:pPr indent="-311150" lvl="0" marL="457200" rtl="0" algn="l">
+            <a:pPr marL="457200" lvl="0" indent="-311150" algn="l" rtl="0">
               <a:spcBef>
                 <a:spcPts val="0"/>
               </a:spcBef>
@@ -8264,16 +8368,12 @@
             </a:pPr>
             <a:r>
               <a:rPr lang="en"/>
-              <a:t>G</a:t>
+              <a:t>GitHub repo:</a:t>
             </a:r>
-            <a:r>
-              <a:rPr lang="en"/>
-              <a:t>itHub repo:</a:t>
-            </a:r>
-            <a:endParaRPr/>
-          </a:p>
-          <a:p>
-            <a:pPr indent="-298450" lvl="1" marL="914400" rtl="0" algn="l">
+            <a:endParaRPr/>
+          </a:p>
+          <a:p>
+            <a:pPr marL="914400" lvl="1" indent="-298450" algn="l" rtl="0">
               <a:spcBef>
                 <a:spcPts val="0"/>
               </a:spcBef>
@@ -8305,11 +8405,11 @@
 </file>
 
 <file path=ppt/slides/slide11.xml><?xml version="1.0" encoding="utf-8"?>
-<p:sld xmlns:a="http://schemas.openxmlformats.org/drawingml/2006/main" xmlns:r="http://schemas.openxmlformats.org/officeDocument/2006/relationships" xmlns:mc="http://schemas.openxmlformats.org/markup-compatibility/2006" xmlns:mv="urn:schemas-microsoft-com:mac:vml" xmlns:p="http://schemas.openxmlformats.org/presentationml/2006/main" xmlns:c="http://schemas.openxmlformats.org/drawingml/2006/chart" xmlns:dgm="http://schemas.openxmlformats.org/drawingml/2006/diagram" xmlns:o="urn:schemas-microsoft-com:office:office" xmlns:v="urn:schemas-microsoft-com:vml" xmlns:pvml="urn:schemas-microsoft-com:office:powerpoint" xmlns:com="http://schemas.openxmlformats.org/drawingml/2006/compatibility" xmlns:p14="http://schemas.microsoft.com/office/powerpoint/2010/main" xmlns:p15="http://schemas.microsoft.com/office/powerpoint/2012/main" xmlns:ahyp="http://schemas.microsoft.com/office/drawing/2018/hyperlinkcolor">
+<p:sld xmlns:a="http://schemas.openxmlformats.org/drawingml/2006/main" xmlns:r="http://schemas.openxmlformats.org/officeDocument/2006/relationships" xmlns:p="http://schemas.openxmlformats.org/presentationml/2006/main">
   <p:cSld>
     <p:spTree>
       <p:nvGrpSpPr>
-        <p:cNvPr id="143" name="Shape 143"/>
+        <p:cNvPr id="1" name="Shape 143"/>
         <p:cNvGrpSpPr/>
         <p:nvPr/>
       </p:nvGrpSpPr>
@@ -8324,7 +8424,9 @@
       <p:sp>
         <p:nvSpPr>
           <p:cNvPr id="144" name="Google Shape;144;p23"/>
-          <p:cNvSpPr txBox="1"/>
+          <p:cNvSpPr txBox="1">
+            <a:spLocks noGrp="1"/>
+          </p:cNvSpPr>
           <p:nvPr>
             <p:ph type="title"/>
           </p:nvPr>
@@ -8339,12 +8441,12 @@
           </a:prstGeom>
         </p:spPr>
         <p:txBody>
-          <a:bodyPr anchorCtr="0" anchor="t" bIns="91425" lIns="91425" spcFirstLastPara="1" rIns="91425" wrap="square" tIns="91425">
+          <a:bodyPr spcFirstLastPara="1" wrap="square" lIns="91425" tIns="91425" rIns="91425" bIns="91425" anchor="t" anchorCtr="0">
             <a:normAutofit fontScale="90000"/>
           </a:bodyPr>
           <a:lstStyle/>
           <a:p>
-            <a:pPr indent="0" lvl="0" marL="0" rtl="0" algn="l">
+            <a:pPr marL="0" lvl="0" indent="0" algn="l" rtl="0">
               <a:spcBef>
                 <a:spcPts val="0"/>
               </a:spcBef>
@@ -8364,9 +8466,11 @@
       <p:sp>
         <p:nvSpPr>
           <p:cNvPr id="145" name="Google Shape;145;p23"/>
-          <p:cNvSpPr txBox="1"/>
+          <p:cNvSpPr txBox="1">
+            <a:spLocks noGrp="1"/>
+          </p:cNvSpPr>
           <p:nvPr>
-            <p:ph idx="1" type="body"/>
+            <p:ph type="body" idx="1"/>
           </p:nvPr>
         </p:nvSpPr>
         <p:spPr>
@@ -8379,14 +8483,53 @@
           </a:prstGeom>
         </p:spPr>
         <p:txBody>
-          <a:bodyPr anchorCtr="0" anchor="t" bIns="91425" lIns="91425" spcFirstLastPara="1" rIns="91425" wrap="square" tIns="91425">
-            <a:normAutofit fontScale="77500" lnSpcReduction="20000"/>
+          <a:bodyPr spcFirstLastPara="1" wrap="square" lIns="91425" tIns="91425" rIns="91425" bIns="91425" anchor="t" anchorCtr="0">
+            <a:normAutofit fontScale="85000" lnSpcReduction="10000"/>
           </a:bodyPr>
           <a:lstStyle/>
           <a:p>
-            <a:pPr indent="-292576" lvl="0" marL="457200" rtl="0" algn="l">
-              <a:spcBef>
-                <a:spcPts val="1200"/>
+            <a:pPr indent="-292576">
+              <a:buSzPct val="118181"/>
+            </a:pPr>
+            <a:r>
+              <a:rPr lang="en" sz="1100" dirty="0">
+                <a:solidFill>
+                  <a:srgbClr val="000000"/>
+                </a:solidFill>
+                <a:latin typeface="Arial"/>
+                <a:cs typeface="Arial"/>
+                <a:sym typeface="Arial"/>
+              </a:rPr>
+              <a:t>Bloomenthal, A. (2021, October 13). What is a bell curve? Investopedia. Retrieved October 14, 2021, from https://www.investopedia.com/terms/b/bell-curve.asp. </a:t>
+            </a:r>
+          </a:p>
+          <a:p>
+            <a:pPr indent="-292576">
+              <a:buSzPct val="118181"/>
+            </a:pPr>
+            <a:r>
+              <a:rPr lang="en-US" sz="1100" dirty="0">
+                <a:solidFill>
+                  <a:srgbClr val="000000"/>
+                </a:solidFill>
+                <a:latin typeface="Arial"/>
+                <a:cs typeface="Arial"/>
+              </a:rPr>
+              <a:t>Commodity costs and returns. USDA ERS - Commodity Costs and Returns. (n.d.). Retrieved October 17, 2021, from https://www.ers.usda.gov/data-products/commodity-costs-and-returns/. </a:t>
+            </a:r>
+            <a:endParaRPr sz="1100" dirty="0">
+              <a:solidFill>
+                <a:srgbClr val="000000"/>
+              </a:solidFill>
+              <a:latin typeface="Arial"/>
+              <a:cs typeface="Arial"/>
+              <a:sym typeface="Arial"/>
+            </a:endParaRPr>
+          </a:p>
+          <a:p>
+            <a:pPr marL="457200" lvl="0" indent="-292576" algn="l" rtl="0">
+              <a:spcBef>
+                <a:spcPts val="0"/>
               </a:spcBef>
               <a:spcAft>
                 <a:spcPts val="0"/>
@@ -8395,7 +8538,7 @@
               <a:buChar char="●"/>
             </a:pPr>
             <a:r>
-              <a:rPr lang="en" sz="1100">
+              <a:rPr lang="en" sz="1100" dirty="0">
                 <a:solidFill>
                   <a:srgbClr val="000000"/>
                 </a:solidFill>
@@ -8404,10 +8547,10 @@
                 <a:cs typeface="Arial"/>
                 <a:sym typeface="Arial"/>
               </a:rPr>
-              <a:t>Bloomenthal, A. (2021, October 13). </a:t>
+              <a:t>Dataenergy. (2019, April 16). </a:t>
             </a:r>
             <a:r>
-              <a:rPr i="1" lang="en" sz="1100">
+              <a:rPr lang="en" sz="1100" i="1" dirty="0">
                 <a:solidFill>
                   <a:srgbClr val="000000"/>
                 </a:solidFill>
@@ -8416,10 +8559,10 @@
                 <a:cs typeface="Arial"/>
                 <a:sym typeface="Arial"/>
               </a:rPr>
-              <a:t>What is a bell curve?</a:t>
+              <a:t>Eda of Climate Change and natural disasters</a:t>
             </a:r>
             <a:r>
-              <a:rPr lang="en" sz="1100">
+              <a:rPr lang="en" sz="1100" dirty="0">
                 <a:solidFill>
                   <a:srgbClr val="000000"/>
                 </a:solidFill>
@@ -8428,9 +8571,9 @@
                 <a:cs typeface="Arial"/>
                 <a:sym typeface="Arial"/>
               </a:rPr>
-              <a:t> Investopedia. Retrieved October 14, 2021, from https://www.investopedia.com/terms/b/bell-curve.asp. </a:t>
+              <a:t>. Kaggle. Retrieved October 14, 2021, from https://www.kaggle.com/dataenergy/eda-of-climate-change-and-natural-disasters. </a:t>
             </a:r>
-            <a:endParaRPr sz="1100">
+            <a:endParaRPr sz="1100" dirty="0">
               <a:solidFill>
                 <a:srgbClr val="000000"/>
               </a:solidFill>
@@ -8441,7 +8584,7 @@
             </a:endParaRPr>
           </a:p>
           <a:p>
-            <a:pPr indent="-292576" lvl="0" marL="457200" rtl="0" algn="l">
+            <a:pPr marL="457200" lvl="0" indent="-292576" algn="l" rtl="0">
               <a:spcBef>
                 <a:spcPts val="0"/>
               </a:spcBef>
@@ -8452,7 +8595,7 @@
               <a:buChar char="●"/>
             </a:pPr>
             <a:r>
-              <a:rPr lang="en" sz="1100">
+              <a:rPr lang="en" sz="1100" dirty="0">
                 <a:solidFill>
                   <a:srgbClr val="000000"/>
                 </a:solidFill>
@@ -8461,10 +8604,10 @@
                 <a:cs typeface="Arial"/>
                 <a:sym typeface="Arial"/>
               </a:rPr>
-              <a:t>Dataenergy. (2019, April 16). </a:t>
+              <a:t>Earth, B. (2017, May 1). </a:t>
             </a:r>
             <a:r>
-              <a:rPr i="1" lang="en" sz="1100">
+              <a:rPr lang="en" sz="1100" i="1" dirty="0">
                 <a:solidFill>
                   <a:srgbClr val="000000"/>
                 </a:solidFill>
@@ -8473,10 +8616,10 @@
                 <a:cs typeface="Arial"/>
                 <a:sym typeface="Arial"/>
               </a:rPr>
-              <a:t>Eda of Climate Change and natural disasters</a:t>
+              <a:t>Climate change: Earth surface temperature data</a:t>
             </a:r>
             <a:r>
-              <a:rPr lang="en" sz="1100">
+              <a:rPr lang="en" sz="1100" dirty="0">
                 <a:solidFill>
                   <a:srgbClr val="000000"/>
                 </a:solidFill>
@@ -8485,9 +8628,9 @@
                 <a:cs typeface="Arial"/>
                 <a:sym typeface="Arial"/>
               </a:rPr>
-              <a:t>. Kaggle. Retrieved October 14, 2021, from https://www.kaggle.com/dataenergy/eda-of-climate-change-and-natural-disasters. </a:t>
+              <a:t>. Kaggle. Retrieved October 14, 2021, from https://www.kaggle.com/berkeleyearth/climate-change-earth-surface-temperature-data. </a:t>
             </a:r>
-            <a:endParaRPr sz="1100">
+            <a:endParaRPr sz="1100" dirty="0">
               <a:solidFill>
                 <a:srgbClr val="000000"/>
               </a:solidFill>
@@ -8498,7 +8641,7 @@
             </a:endParaRPr>
           </a:p>
           <a:p>
-            <a:pPr indent="-292576" lvl="0" marL="457200" rtl="0" algn="l">
+            <a:pPr marL="457200" lvl="0" indent="-292576" algn="l" rtl="0">
               <a:spcBef>
                 <a:spcPts val="0"/>
               </a:spcBef>
@@ -8509,7 +8652,7 @@
               <a:buChar char="●"/>
             </a:pPr>
             <a:r>
-              <a:rPr lang="en" sz="1100">
+              <a:rPr lang="en" sz="1100" i="1" dirty="0">
                 <a:solidFill>
                   <a:srgbClr val="000000"/>
                 </a:solidFill>
@@ -8518,10 +8661,10 @@
                 <a:cs typeface="Arial"/>
                 <a:sym typeface="Arial"/>
               </a:rPr>
-              <a:t>Earth, B. (2017, May 1). </a:t>
+              <a:t>Global weather disruptions, food commodity prices, and Economic</a:t>
             </a:r>
             <a:r>
-              <a:rPr i="1" lang="en" sz="1100">
+              <a:rPr lang="en" sz="1100" dirty="0">
                 <a:solidFill>
                   <a:srgbClr val="000000"/>
                 </a:solidFill>
@@ -8530,21 +8673,9 @@
                 <a:cs typeface="Arial"/>
                 <a:sym typeface="Arial"/>
               </a:rPr>
-              <a:t>Climate change: Earth surface temperature data</a:t>
+              <a:t>. VOX, CEPR Policy Portal. (n.d.). Retrieved October 14, 2021, from https://voxeu.org/article/global-weather-disruptions-food-commodity-prices-and-economic-activity. </a:t>
             </a:r>
-            <a:r>
-              <a:rPr lang="en" sz="1100">
-                <a:solidFill>
-                  <a:srgbClr val="000000"/>
-                </a:solidFill>
-                <a:latin typeface="Arial"/>
-                <a:ea typeface="Arial"/>
-                <a:cs typeface="Arial"/>
-                <a:sym typeface="Arial"/>
-              </a:rPr>
-              <a:t>. Kaggle. Retrieved October 14, 2021, from https://www.kaggle.com/berkeleyearth/climate-change-earth-surface-temperature-data. </a:t>
-            </a:r>
-            <a:endParaRPr sz="1100">
+            <a:endParaRPr sz="1100" dirty="0">
               <a:solidFill>
                 <a:srgbClr val="000000"/>
               </a:solidFill>
@@ -8555,18 +8686,22 @@
             </a:endParaRPr>
           </a:p>
           <a:p>
-            <a:pPr indent="-292576" lvl="0" marL="457200" rtl="0" algn="l">
-              <a:spcBef>
-                <a:spcPts val="0"/>
-              </a:spcBef>
-              <a:spcAft>
-                <a:spcPts val="0"/>
-              </a:spcAft>
-              <a:buSzPct val="118181"/>
+            <a:pPr marL="457200" lvl="0" indent="-282733" algn="l" rtl="0">
+              <a:spcBef>
+                <a:spcPts val="0"/>
+              </a:spcBef>
+              <a:spcAft>
+                <a:spcPts val="0"/>
+              </a:spcAft>
+              <a:buClr>
+                <a:srgbClr val="000000"/>
+              </a:buClr>
+              <a:buSzPct val="100000"/>
+              <a:buFont typeface="Arial"/>
               <a:buChar char="●"/>
             </a:pPr>
             <a:r>
-              <a:rPr i="1" lang="en" sz="1100">
+              <a:rPr lang="en" sz="1100" dirty="0">
                 <a:solidFill>
                   <a:srgbClr val="000000"/>
                 </a:solidFill>
@@ -8575,21 +8710,9 @@
                 <a:cs typeface="Arial"/>
                 <a:sym typeface="Arial"/>
               </a:rPr>
-              <a:t>Global weather disruptions, food commodity prices, and Economic</a:t>
+              <a:t>Masters, M. W., &amp; White, A. K. (2009). The 2008 Commodities Bubble - Assessing the Damage to The United States and It's Citizens. https://doi.org/https://www.bettermarkets.org/sites/default/files/The%20Accidental%20Hunt%20Brothers%20-%20Part%203.pdf </a:t>
             </a:r>
-            <a:r>
-              <a:rPr lang="en" sz="1100">
-                <a:solidFill>
-                  <a:srgbClr val="000000"/>
-                </a:solidFill>
-                <a:latin typeface="Arial"/>
-                <a:ea typeface="Arial"/>
-                <a:cs typeface="Arial"/>
-                <a:sym typeface="Arial"/>
-              </a:rPr>
-              <a:t>. VOX, CEPR Policy Portal. (n.d.). Retrieved October 14, 2021, from https://voxeu.org/article/global-weather-disruptions-food-commodity-prices-and-economic-activity. </a:t>
-            </a:r>
-            <a:endParaRPr sz="1100">
+            <a:endParaRPr sz="1100" dirty="0">
               <a:solidFill>
                 <a:srgbClr val="000000"/>
               </a:solidFill>
@@ -8600,22 +8723,18 @@
             </a:endParaRPr>
           </a:p>
           <a:p>
-            <a:pPr indent="-282733" lvl="0" marL="457200" rtl="0" algn="l">
-              <a:spcBef>
-                <a:spcPts val="0"/>
-              </a:spcBef>
-              <a:spcAft>
-                <a:spcPts val="0"/>
-              </a:spcAft>
-              <a:buClr>
-                <a:srgbClr val="000000"/>
-              </a:buClr>
-              <a:buSzPct val="100000"/>
-              <a:buFont typeface="Arial"/>
+            <a:pPr marL="457200" lvl="0" indent="-292576" algn="l" rtl="0">
+              <a:spcBef>
+                <a:spcPts val="0"/>
+              </a:spcBef>
+              <a:spcAft>
+                <a:spcPts val="0"/>
+              </a:spcAft>
+              <a:buSzPct val="118181"/>
               <a:buChar char="●"/>
             </a:pPr>
             <a:r>
-              <a:rPr lang="en" sz="1100">
+              <a:rPr lang="en" sz="1100" dirty="0">
                 <a:solidFill>
                   <a:srgbClr val="000000"/>
                 </a:solidFill>
@@ -8624,9 +8743,33 @@
                 <a:cs typeface="Arial"/>
                 <a:sym typeface="Arial"/>
               </a:rPr>
-              <a:t>Masters, M. W., &amp; White, A. K. (2009). The 2008 Commodities Bubble - Assessing the Damage to The United States and It's Citizens. https://doi.org/https://www.bettermarkets.org/sites/default/files/The%20Accidental%20Hunt%20Brothers%20-%20Part%203.pdf </a:t>
+              <a:t>Mooney, P. (2020, March 13). </a:t>
             </a:r>
-            <a:endParaRPr sz="1100">
+            <a:r>
+              <a:rPr lang="en" sz="1100" i="1" dirty="0">
+                <a:solidFill>
+                  <a:srgbClr val="000000"/>
+                </a:solidFill>
+                <a:latin typeface="Arial"/>
+                <a:ea typeface="Arial"/>
+                <a:cs typeface="Arial"/>
+                <a:sym typeface="Arial"/>
+              </a:rPr>
+              <a:t>Latitude and longitude for every country and State</a:t>
+            </a:r>
+            <a:r>
+              <a:rPr lang="en" sz="1100" dirty="0">
+                <a:solidFill>
+                  <a:srgbClr val="000000"/>
+                </a:solidFill>
+                <a:latin typeface="Arial"/>
+                <a:ea typeface="Arial"/>
+                <a:cs typeface="Arial"/>
+                <a:sym typeface="Arial"/>
+              </a:rPr>
+              <a:t>. Kaggle. Retrieved October 14, 2021, from https://www.kaggle.com/paultimothymooney/latitude-and-longitude-for-every-country-and-state. </a:t>
+            </a:r>
+            <a:endParaRPr sz="1100" dirty="0">
               <a:solidFill>
                 <a:srgbClr val="000000"/>
               </a:solidFill>
@@ -8637,7 +8780,7 @@
             </a:endParaRPr>
           </a:p>
           <a:p>
-            <a:pPr indent="-292576" lvl="0" marL="457200" rtl="0" algn="l">
+            <a:pPr marL="457200" lvl="0" indent="-292576" algn="l" rtl="0">
               <a:spcBef>
                 <a:spcPts val="0"/>
               </a:spcBef>
@@ -8648,7 +8791,7 @@
               <a:buChar char="●"/>
             </a:pPr>
             <a:r>
-              <a:rPr lang="en" sz="1100">
+              <a:rPr lang="en" sz="1100" dirty="0">
                 <a:solidFill>
                   <a:srgbClr val="000000"/>
                 </a:solidFill>
@@ -8657,10 +8800,10 @@
                 <a:cs typeface="Arial"/>
                 <a:sym typeface="Arial"/>
               </a:rPr>
-              <a:t>Mooney, P. (2020, March 13). </a:t>
+              <a:t>NASA. (n.d.). </a:t>
             </a:r>
             <a:r>
-              <a:rPr i="1" lang="en" sz="1100">
+              <a:rPr lang="en" sz="1100" i="1" dirty="0">
                 <a:solidFill>
                   <a:srgbClr val="000000"/>
                 </a:solidFill>
@@ -8669,10 +8812,10 @@
                 <a:cs typeface="Arial"/>
                 <a:sym typeface="Arial"/>
               </a:rPr>
-              <a:t>Latitude and longitude for every country and State</a:t>
+              <a:t>SVS: Global temperature anomalies from 1880 to 2020</a:t>
             </a:r>
             <a:r>
-              <a:rPr lang="en" sz="1100">
+              <a:rPr lang="en" sz="1100" dirty="0">
                 <a:solidFill>
                   <a:srgbClr val="000000"/>
                 </a:solidFill>
@@ -8681,9 +8824,9 @@
                 <a:cs typeface="Arial"/>
                 <a:sym typeface="Arial"/>
               </a:rPr>
-              <a:t>. Kaggle. Retrieved October 14, 2021, from https://www.kaggle.com/paultimothymooney/latitude-and-longitude-for-every-country-and-state. </a:t>
+              <a:t>. NASA. Retrieved October 14, 2021, from https://svs.gsfc.nasa.gov/4882. </a:t>
             </a:r>
-            <a:endParaRPr sz="1100">
+            <a:endParaRPr sz="1100" dirty="0">
               <a:solidFill>
                 <a:srgbClr val="000000"/>
               </a:solidFill>
@@ -8694,7 +8837,7 @@
             </a:endParaRPr>
           </a:p>
           <a:p>
-            <a:pPr indent="-292576" lvl="0" marL="457200" rtl="0" algn="l">
+            <a:pPr marL="457200" lvl="0" indent="-292576" algn="l" rtl="0">
               <a:spcBef>
                 <a:spcPts val="0"/>
               </a:spcBef>
@@ -8705,7 +8848,7 @@
               <a:buChar char="●"/>
             </a:pPr>
             <a:r>
-              <a:rPr lang="en" sz="1100">
+              <a:rPr lang="en" sz="1100" dirty="0">
                 <a:solidFill>
                   <a:srgbClr val="000000"/>
                 </a:solidFill>
@@ -8714,10 +8857,10 @@
                 <a:cs typeface="Arial"/>
                 <a:sym typeface="Arial"/>
               </a:rPr>
-              <a:t>NASA. (n.d.). </a:t>
+              <a:t>Sanchez-Lugo. (n.d.). </a:t>
             </a:r>
             <a:r>
-              <a:rPr i="1" lang="en" sz="1100">
+              <a:rPr lang="en" sz="1100" i="1" dirty="0">
                 <a:solidFill>
                   <a:srgbClr val="000000"/>
                 </a:solidFill>
@@ -8726,10 +8869,10 @@
                 <a:cs typeface="Arial"/>
                 <a:sym typeface="Arial"/>
               </a:rPr>
-              <a:t>SVS: Global temperature anomalies from 1880 to 2020</a:t>
+              <a:t>Global surface temperature anomalies</a:t>
             </a:r>
             <a:r>
-              <a:rPr lang="en" sz="1100">
+              <a:rPr lang="en" sz="1100" dirty="0">
                 <a:solidFill>
                   <a:srgbClr val="000000"/>
                 </a:solidFill>
@@ -8738,9 +8881,9 @@
                 <a:cs typeface="Arial"/>
                 <a:sym typeface="Arial"/>
               </a:rPr>
-              <a:t>. NASA. Retrieved October 14, 2021, from https://svs.gsfc.nasa.gov/4882. </a:t>
+              <a:t>. National Climatic Data Center. Retrieved October 14, 2021, from https://www.ncdc.noaa.gov/monitoring-references/faq/anomalies.php. </a:t>
             </a:r>
-            <a:endParaRPr sz="1100">
+            <a:endParaRPr sz="1100" dirty="0">
               <a:solidFill>
                 <a:srgbClr val="000000"/>
               </a:solidFill>
@@ -8751,7 +8894,7 @@
             </a:endParaRPr>
           </a:p>
           <a:p>
-            <a:pPr indent="-292576" lvl="0" marL="457200" rtl="0" algn="l">
+            <a:pPr marL="457200" lvl="0" indent="-292576" algn="l" rtl="0">
               <a:spcBef>
                 <a:spcPts val="0"/>
               </a:spcBef>
@@ -8762,7 +8905,7 @@
               <a:buChar char="●"/>
             </a:pPr>
             <a:r>
-              <a:rPr lang="en" sz="1100">
+              <a:rPr lang="en" sz="1100" dirty="0">
                 <a:solidFill>
                   <a:srgbClr val="000000"/>
                 </a:solidFill>
@@ -8771,10 +8914,10 @@
                 <a:cs typeface="Arial"/>
                 <a:sym typeface="Arial"/>
               </a:rPr>
-              <a:t>Sanchez-Lugo. (n.d.). </a:t>
+              <a:t>Tails, H. or. (2021, October 9). </a:t>
             </a:r>
             <a:r>
-              <a:rPr i="1" lang="en" sz="1100">
+              <a:rPr lang="en" sz="1100" i="1" dirty="0">
                 <a:solidFill>
                   <a:srgbClr val="000000"/>
                 </a:solidFill>
@@ -8783,10 +8926,10 @@
                 <a:cs typeface="Arial"/>
                 <a:sym typeface="Arial"/>
               </a:rPr>
-              <a:t>Global surface temperature anomalies</a:t>
+              <a:t>US natural disaster declarations</a:t>
             </a:r>
             <a:r>
-              <a:rPr lang="en" sz="1100">
+              <a:rPr lang="en" sz="1100" dirty="0">
                 <a:solidFill>
                   <a:srgbClr val="000000"/>
                 </a:solidFill>
@@ -8795,9 +8938,9 @@
                 <a:cs typeface="Arial"/>
                 <a:sym typeface="Arial"/>
               </a:rPr>
-              <a:t>. National Climatic Data Center. Retrieved October 14, 2021, from https://www.ncdc.noaa.gov/monitoring-references/faq/anomalies.php. </a:t>
+              <a:t>. Kaggle. Retrieved October 14, 2021, from https://www.kaggle.com/headsortails/us-natural-disaster-declarations. </a:t>
             </a:r>
-            <a:endParaRPr sz="1100">
+            <a:endParaRPr sz="1100" dirty="0">
               <a:solidFill>
                 <a:srgbClr val="000000"/>
               </a:solidFill>
@@ -8808,7 +8951,7 @@
             </a:endParaRPr>
           </a:p>
           <a:p>
-            <a:pPr indent="-292576" lvl="0" marL="457200" rtl="0" algn="l">
+            <a:pPr marL="457200" lvl="0" indent="-292576" algn="l" rtl="0">
               <a:spcBef>
                 <a:spcPts val="0"/>
               </a:spcBef>
@@ -8819,7 +8962,7 @@
               <a:buChar char="●"/>
             </a:pPr>
             <a:r>
-              <a:rPr lang="en" sz="1100">
+              <a:rPr lang="en" sz="1100" dirty="0">
                 <a:solidFill>
                   <a:srgbClr val="000000"/>
                 </a:solidFill>
@@ -8828,10 +8971,10 @@
                 <a:cs typeface="Arial"/>
                 <a:sym typeface="Arial"/>
               </a:rPr>
-              <a:t>Tails, H. or. (2021, October 9). </a:t>
+              <a:t>Wikimedia Foundation. (2021, July 23). </a:t>
             </a:r>
             <a:r>
-              <a:rPr i="1" lang="en" sz="1100">
+              <a:rPr lang="en" sz="1100" i="1" dirty="0">
                 <a:solidFill>
                   <a:srgbClr val="000000"/>
                 </a:solidFill>
@@ -8840,10 +8983,10 @@
                 <a:cs typeface="Arial"/>
                 <a:sym typeface="Arial"/>
               </a:rPr>
-              <a:t>US natural disaster declarations</a:t>
+              <a:t>Temperature anomaly</a:t>
             </a:r>
             <a:r>
-              <a:rPr lang="en" sz="1100">
+              <a:rPr lang="en" sz="1100" dirty="0">
                 <a:solidFill>
                   <a:srgbClr val="000000"/>
                 </a:solidFill>
@@ -8852,9 +8995,9 @@
                 <a:cs typeface="Arial"/>
                 <a:sym typeface="Arial"/>
               </a:rPr>
-              <a:t>. Kaggle. Retrieved October 14, 2021, from https://www.kaggle.com/headsortails/us-natural-disaster-declarations. </a:t>
+              <a:t>. Wikipedia. Retrieved October 14, 2021, from https://en.wikipedia.org/wiki/Temperature_anomaly. </a:t>
             </a:r>
-            <a:endParaRPr sz="1100">
+            <a:endParaRPr sz="1100" dirty="0">
               <a:solidFill>
                 <a:srgbClr val="000000"/>
               </a:solidFill>
@@ -8865,53 +9008,16 @@
             </a:endParaRPr>
           </a:p>
           <a:p>
-            <a:pPr indent="-292576" lvl="0" marL="457200" rtl="0" algn="l">
-              <a:spcBef>
-                <a:spcPts val="0"/>
-              </a:spcBef>
-              <a:spcAft>
-                <a:spcPts val="0"/>
-              </a:spcAft>
-              <a:buSzPct val="118181"/>
-              <a:buChar char="●"/>
-            </a:pPr>
-            <a:r>
-              <a:rPr lang="en" sz="1100">
-                <a:solidFill>
-                  <a:srgbClr val="000000"/>
-                </a:solidFill>
-                <a:latin typeface="Arial"/>
-                <a:ea typeface="Arial"/>
-                <a:cs typeface="Arial"/>
-                <a:sym typeface="Arial"/>
-              </a:rPr>
-              <a:t>Wikimedia Foundation. (2021, July 23). </a:t>
-            </a:r>
-            <a:r>
-              <a:rPr i="1" lang="en" sz="1100">
-                <a:solidFill>
-                  <a:srgbClr val="000000"/>
-                </a:solidFill>
-                <a:latin typeface="Arial"/>
-                <a:ea typeface="Arial"/>
-                <a:cs typeface="Arial"/>
-                <a:sym typeface="Arial"/>
-              </a:rPr>
-              <a:t>Temperature anomaly</a:t>
-            </a:r>
-            <a:r>
-              <a:rPr lang="en" sz="1100">
-                <a:solidFill>
-                  <a:srgbClr val="000000"/>
-                </a:solidFill>
-                <a:latin typeface="Arial"/>
-                <a:ea typeface="Arial"/>
-                <a:cs typeface="Arial"/>
-                <a:sym typeface="Arial"/>
-              </a:rPr>
-              <a:t>. Wikipedia. Retrieved October 14, 2021, from https://en.wikipedia.org/wiki/Temperature_anomaly. </a:t>
-            </a:r>
-            <a:endParaRPr sz="1100">
+            <a:pPr marL="457200" lvl="0" indent="0" algn="l" rtl="0">
+              <a:spcBef>
+                <a:spcPts val="1200"/>
+              </a:spcBef>
+              <a:spcAft>
+                <a:spcPts val="0"/>
+              </a:spcAft>
+              <a:buNone/>
+            </a:pPr>
+            <a:endParaRPr sz="1100" dirty="0">
               <a:solidFill>
                 <a:srgbClr val="000000"/>
               </a:solidFill>
@@ -8922,42 +9028,16 @@
             </a:endParaRPr>
           </a:p>
           <a:p>
-            <a:pPr indent="0" lvl="0" marL="457200" rtl="0" algn="l">
+            <a:pPr marL="457200" lvl="0" indent="0" algn="l" rtl="0">
               <a:spcBef>
                 <a:spcPts val="1200"/>
               </a:spcBef>
               <a:spcAft>
-                <a:spcPts val="0"/>
-              </a:spcAft>
-              <a:buNone/>
-            </a:pPr>
-            <a:r>
-              <a:t/>
-            </a:r>
-            <a:endParaRPr sz="1100">
-              <a:solidFill>
-                <a:srgbClr val="000000"/>
-              </a:solidFill>
-              <a:latin typeface="Arial"/>
-              <a:ea typeface="Arial"/>
-              <a:cs typeface="Arial"/>
-              <a:sym typeface="Arial"/>
-            </a:endParaRPr>
-          </a:p>
-          <a:p>
-            <a:pPr indent="0" lvl="0" marL="457200" rtl="0" algn="l">
-              <a:spcBef>
                 <a:spcPts val="1200"/>
-              </a:spcBef>
-              <a:spcAft>
-                <a:spcPts val="1200"/>
-              </a:spcAft>
-              <a:buNone/>
-            </a:pPr>
-            <a:r>
-              <a:t/>
-            </a:r>
-            <a:endParaRPr/>
+              </a:spcAft>
+              <a:buNone/>
+            </a:pPr>
+            <a:endParaRPr dirty="0"/>
           </a:p>
         </p:txBody>
       </p:sp>
@@ -8970,11 +9050,11 @@
 </file>
 
 <file path=ppt/slides/slide2.xml><?xml version="1.0" encoding="utf-8"?>
-<p:sld xmlns:a="http://schemas.openxmlformats.org/drawingml/2006/main" xmlns:r="http://schemas.openxmlformats.org/officeDocument/2006/relationships" xmlns:mc="http://schemas.openxmlformats.org/markup-compatibility/2006" xmlns:mv="urn:schemas-microsoft-com:mac:vml" xmlns:p="http://schemas.openxmlformats.org/presentationml/2006/main" xmlns:c="http://schemas.openxmlformats.org/drawingml/2006/chart" xmlns:dgm="http://schemas.openxmlformats.org/drawingml/2006/diagram" xmlns:o="urn:schemas-microsoft-com:office:office" xmlns:v="urn:schemas-microsoft-com:vml" xmlns:pvml="urn:schemas-microsoft-com:office:powerpoint" xmlns:com="http://schemas.openxmlformats.org/drawingml/2006/compatibility" xmlns:p14="http://schemas.microsoft.com/office/powerpoint/2010/main" xmlns:p15="http://schemas.microsoft.com/office/powerpoint/2012/main" xmlns:ahyp="http://schemas.microsoft.com/office/drawing/2018/hyperlinkcolor">
+<p:sld xmlns:a="http://schemas.openxmlformats.org/drawingml/2006/main" xmlns:r="http://schemas.openxmlformats.org/officeDocument/2006/relationships" xmlns:p="http://schemas.openxmlformats.org/presentationml/2006/main">
   <p:cSld>
     <p:spTree>
       <p:nvGrpSpPr>
-        <p:cNvPr id="90" name="Shape 90"/>
+        <p:cNvPr id="1" name="Shape 90"/>
         <p:cNvGrpSpPr/>
         <p:nvPr/>
       </p:nvGrpSpPr>
@@ -8989,7 +9069,9 @@
       <p:sp>
         <p:nvSpPr>
           <p:cNvPr id="91" name="Google Shape;91;p14"/>
-          <p:cNvSpPr txBox="1"/>
+          <p:cNvSpPr txBox="1">
+            <a:spLocks noGrp="1"/>
+          </p:cNvSpPr>
           <p:nvPr>
             <p:ph type="title"/>
           </p:nvPr>
@@ -9004,12 +9086,12 @@
           </a:prstGeom>
         </p:spPr>
         <p:txBody>
-          <a:bodyPr anchorCtr="0" anchor="t" bIns="91425" lIns="91425" spcFirstLastPara="1" rIns="91425" wrap="square" tIns="91425">
+          <a:bodyPr spcFirstLastPara="1" wrap="square" lIns="91425" tIns="91425" rIns="91425" bIns="91425" anchor="t" anchorCtr="0">
             <a:normAutofit/>
           </a:bodyPr>
           <a:lstStyle/>
           <a:p>
-            <a:pPr indent="0" lvl="0" marL="0" rtl="0" algn="l">
+            <a:pPr marL="0" lvl="0" indent="0" algn="l" rtl="0">
               <a:spcBef>
                 <a:spcPts val="0"/>
               </a:spcBef>
@@ -9029,7 +9111,9 @@
       <p:sp>
         <p:nvSpPr>
           <p:cNvPr id="92" name="Google Shape;92;p14"/>
-          <p:cNvSpPr txBox="1"/>
+          <p:cNvSpPr txBox="1">
+            <a:spLocks noGrp="1"/>
+          </p:cNvSpPr>
           <p:nvPr>
             <p:ph type="title"/>
           </p:nvPr>
@@ -9044,12 +9128,12 @@
           </a:prstGeom>
         </p:spPr>
         <p:txBody>
-          <a:bodyPr anchorCtr="0" anchor="t" bIns="91425" lIns="91425" spcFirstLastPara="1" rIns="91425" wrap="square" tIns="91425">
+          <a:bodyPr spcFirstLastPara="1" wrap="square" lIns="91425" tIns="91425" rIns="91425" bIns="91425" anchor="t" anchorCtr="0">
             <a:normAutofit/>
           </a:bodyPr>
           <a:lstStyle/>
           <a:p>
-            <a:pPr indent="0" lvl="0" marL="0" rtl="0" algn="l">
+            <a:pPr marL="0" lvl="0" indent="0" algn="l" rtl="0">
               <a:lnSpc>
                 <a:spcPct val="115000"/>
               </a:lnSpc>
@@ -9068,7 +9152,7 @@
             <a:endParaRPr sz="1200"/>
           </a:p>
           <a:p>
-            <a:pPr indent="0" lvl="0" marL="0" rtl="0" algn="l">
+            <a:pPr marL="0" lvl="0" indent="0" algn="l" rtl="0">
               <a:spcBef>
                 <a:spcPts val="1200"/>
               </a:spcBef>
@@ -9079,39 +9163,7 @@
             </a:pPr>
             <a:r>
               <a:rPr lang="en" sz="1200"/>
-              <a:t>The intent of our project is to evaluate the effects that climate </a:t>
-            </a:r>
-            <a:r>
-              <a:rPr lang="en" sz="1200"/>
-              <a:t>change</a:t>
-            </a:r>
-            <a:r>
-              <a:rPr lang="en" sz="1200"/>
-              <a:t> and extreme weather events have on </a:t>
-            </a:r>
-            <a:r>
-              <a:rPr lang="en" sz="1200"/>
-              <a:t>commodity</a:t>
-            </a:r>
-            <a:r>
-              <a:rPr lang="en" sz="1200"/>
-              <a:t> pricing.  This project specifically looks at agricultural commodities (US cash crops i.e wheat, barley, corn, cotton etc.)   After further </a:t>
-            </a:r>
-            <a:r>
-              <a:rPr lang="en" sz="1200"/>
-              <a:t>analysis we will </a:t>
-            </a:r>
-            <a:r>
-              <a:rPr lang="en" sz="1200"/>
-              <a:t>provide a conclusion summarizing our findings on climate events and </a:t>
-            </a:r>
-            <a:r>
-              <a:rPr lang="en" sz="1200"/>
-              <a:t>its</a:t>
-            </a:r>
-            <a:r>
-              <a:rPr lang="en" sz="1200"/>
-              <a:t> impact on commodities.    </a:t>
+              <a:t>The intent of our project is to evaluate the effects that climate change and extreme weather events have on commodity pricing.  This project specifically looks at agricultural commodities (US cash crops i.e wheat, barley, corn, cotton etc.)   After further analysis we will provide a conclusion summarizing our findings on climate events and its impact on commodities.    </a:t>
             </a:r>
             <a:endParaRPr sz="1200"/>
           </a:p>
@@ -9126,11 +9178,11 @@
 </file>
 
 <file path=ppt/slides/slide3.xml><?xml version="1.0" encoding="utf-8"?>
-<p:sld xmlns:a="http://schemas.openxmlformats.org/drawingml/2006/main" xmlns:r="http://schemas.openxmlformats.org/officeDocument/2006/relationships" xmlns:mc="http://schemas.openxmlformats.org/markup-compatibility/2006" xmlns:mv="urn:schemas-microsoft-com:mac:vml" xmlns:p="http://schemas.openxmlformats.org/presentationml/2006/main" xmlns:c="http://schemas.openxmlformats.org/drawingml/2006/chart" xmlns:dgm="http://schemas.openxmlformats.org/drawingml/2006/diagram" xmlns:o="urn:schemas-microsoft-com:office:office" xmlns:v="urn:schemas-microsoft-com:vml" xmlns:pvml="urn:schemas-microsoft-com:office:powerpoint" xmlns:com="http://schemas.openxmlformats.org/drawingml/2006/compatibility" xmlns:p14="http://schemas.microsoft.com/office/powerpoint/2010/main" xmlns:p15="http://schemas.microsoft.com/office/powerpoint/2012/main" xmlns:ahyp="http://schemas.microsoft.com/office/drawing/2018/hyperlinkcolor">
+<p:sld xmlns:a="http://schemas.openxmlformats.org/drawingml/2006/main" xmlns:r="http://schemas.openxmlformats.org/officeDocument/2006/relationships" xmlns:p="http://schemas.openxmlformats.org/presentationml/2006/main">
   <p:cSld>
     <p:spTree>
       <p:nvGrpSpPr>
-        <p:cNvPr id="96" name="Shape 96"/>
+        <p:cNvPr id="1" name="Shape 96"/>
         <p:cNvGrpSpPr/>
         <p:nvPr/>
       </p:nvGrpSpPr>
@@ -9145,7 +9197,9 @@
       <p:sp>
         <p:nvSpPr>
           <p:cNvPr id="97" name="Google Shape;97;p15"/>
-          <p:cNvSpPr txBox="1"/>
+          <p:cNvSpPr txBox="1">
+            <a:spLocks noGrp="1"/>
+          </p:cNvSpPr>
           <p:nvPr>
             <p:ph type="title"/>
           </p:nvPr>
@@ -9160,12 +9214,12 @@
           </a:prstGeom>
         </p:spPr>
         <p:txBody>
-          <a:bodyPr anchorCtr="0" anchor="t" bIns="91425" lIns="91425" spcFirstLastPara="1" rIns="91425" wrap="square" tIns="91425">
+          <a:bodyPr spcFirstLastPara="1" wrap="square" lIns="91425" tIns="91425" rIns="91425" bIns="91425" anchor="t" anchorCtr="0">
             <a:normAutofit fontScale="90000"/>
           </a:bodyPr>
           <a:lstStyle/>
           <a:p>
-            <a:pPr indent="0" lvl="0" marL="0" rtl="0" algn="l">
+            <a:pPr marL="0" lvl="0" indent="0" algn="l" rtl="0">
               <a:spcBef>
                 <a:spcPts val="0"/>
               </a:spcBef>
@@ -9185,9 +9239,11 @@
       <p:sp>
         <p:nvSpPr>
           <p:cNvPr id="98" name="Google Shape;98;p15"/>
-          <p:cNvSpPr txBox="1"/>
+          <p:cNvSpPr txBox="1">
+            <a:spLocks noGrp="1"/>
+          </p:cNvSpPr>
           <p:nvPr>
-            <p:ph idx="1" type="body"/>
+            <p:ph type="body" idx="1"/>
           </p:nvPr>
         </p:nvSpPr>
         <p:spPr>
@@ -9200,12 +9256,12 @@
           </a:prstGeom>
         </p:spPr>
         <p:txBody>
-          <a:bodyPr anchorCtr="0" anchor="t" bIns="91425" lIns="91425" spcFirstLastPara="1" rIns="91425" wrap="square" tIns="91425">
+          <a:bodyPr spcFirstLastPara="1" wrap="square" lIns="91425" tIns="91425" rIns="91425" bIns="91425" anchor="t" anchorCtr="0">
             <a:normAutofit/>
           </a:bodyPr>
           <a:lstStyle/>
           <a:p>
-            <a:pPr indent="-311150" lvl="0" marL="457200" rtl="0" algn="l">
+            <a:pPr marL="457200" lvl="0" indent="-311150" algn="l" rtl="0">
               <a:spcBef>
                 <a:spcPts val="0"/>
               </a:spcBef>
@@ -9217,16 +9273,12 @@
             </a:pPr>
             <a:r>
               <a:rPr lang="en"/>
-              <a:t>What was the m</a:t>
+              <a:t>What was the motivation behind this idea?</a:t>
             </a:r>
-            <a:r>
-              <a:rPr lang="en"/>
-              <a:t>otivation behind this idea?</a:t>
-            </a:r>
-            <a:endParaRPr/>
-          </a:p>
-          <a:p>
-            <a:pPr indent="-298450" lvl="1" marL="914400" rtl="0" algn="l">
+            <a:endParaRPr/>
+          </a:p>
+          <a:p>
+            <a:pPr marL="914400" lvl="1" indent="-298450" algn="l" rtl="0">
               <a:spcBef>
                 <a:spcPts val="0"/>
               </a:spcBef>
@@ -9243,7 +9295,7 @@
             <a:endParaRPr/>
           </a:p>
           <a:p>
-            <a:pPr indent="-298450" lvl="1" marL="914400" rtl="0" algn="l">
+            <a:pPr marL="914400" lvl="1" indent="-298450" algn="l" rtl="0">
               <a:spcBef>
                 <a:spcPts val="0"/>
               </a:spcBef>
@@ -9260,7 +9312,7 @@
             <a:endParaRPr/>
           </a:p>
           <a:p>
-            <a:pPr indent="-298450" lvl="2" marL="1371600" rtl="0" algn="l">
+            <a:pPr marL="1371600" lvl="2" indent="-298450" algn="l" rtl="0">
               <a:spcBef>
                 <a:spcPts val="0"/>
               </a:spcBef>
@@ -9277,7 +9329,7 @@
             <a:endParaRPr/>
           </a:p>
           <a:p>
-            <a:pPr indent="-298450" lvl="3" marL="1828800" rtl="0" algn="l">
+            <a:pPr marL="1828800" lvl="3" indent="-298450" algn="l" rtl="0">
               <a:spcBef>
                 <a:spcPts val="0"/>
               </a:spcBef>
@@ -9294,7 +9346,7 @@
             <a:endParaRPr/>
           </a:p>
           <a:p>
-            <a:pPr indent="-298450" lvl="2" marL="1371600" rtl="0" algn="l">
+            <a:pPr marL="1371600" lvl="2" indent="-298450" algn="l" rtl="0">
               <a:spcBef>
                 <a:spcPts val="0"/>
               </a:spcBef>
@@ -9311,7 +9363,7 @@
             <a:endParaRPr/>
           </a:p>
           <a:p>
-            <a:pPr indent="-298450" lvl="3" marL="1828800" rtl="0" algn="l">
+            <a:pPr marL="1828800" lvl="3" indent="-298450" algn="l" rtl="0">
               <a:spcBef>
                 <a:spcPts val="0"/>
               </a:spcBef>
@@ -9328,7 +9380,7 @@
             <a:endParaRPr/>
           </a:p>
           <a:p>
-            <a:pPr indent="0" lvl="0" marL="457200" rtl="0" algn="l">
+            <a:pPr marL="457200" lvl="0" indent="0" algn="l" rtl="0">
               <a:spcBef>
                 <a:spcPts val="1200"/>
               </a:spcBef>
@@ -9354,11 +9406,11 @@
 </file>
 
 <file path=ppt/slides/slide4.xml><?xml version="1.0" encoding="utf-8"?>
-<p:sld xmlns:a="http://schemas.openxmlformats.org/drawingml/2006/main" xmlns:r="http://schemas.openxmlformats.org/officeDocument/2006/relationships" xmlns:mc="http://schemas.openxmlformats.org/markup-compatibility/2006" xmlns:mv="urn:schemas-microsoft-com:mac:vml" xmlns:p="http://schemas.openxmlformats.org/presentationml/2006/main" xmlns:c="http://schemas.openxmlformats.org/drawingml/2006/chart" xmlns:dgm="http://schemas.openxmlformats.org/drawingml/2006/diagram" xmlns:o="urn:schemas-microsoft-com:office:office" xmlns:v="urn:schemas-microsoft-com:vml" xmlns:pvml="urn:schemas-microsoft-com:office:powerpoint" xmlns:com="http://schemas.openxmlformats.org/drawingml/2006/compatibility" xmlns:p14="http://schemas.microsoft.com/office/powerpoint/2010/main" xmlns:p15="http://schemas.microsoft.com/office/powerpoint/2012/main" xmlns:ahyp="http://schemas.microsoft.com/office/drawing/2018/hyperlinkcolor">
+<p:sld xmlns:a="http://schemas.openxmlformats.org/drawingml/2006/main" xmlns:r="http://schemas.openxmlformats.org/officeDocument/2006/relationships" xmlns:p="http://schemas.openxmlformats.org/presentationml/2006/main">
   <p:cSld>
     <p:spTree>
       <p:nvGrpSpPr>
-        <p:cNvPr id="102" name="Shape 102"/>
+        <p:cNvPr id="1" name="Shape 102"/>
         <p:cNvGrpSpPr/>
         <p:nvPr/>
       </p:nvGrpSpPr>
@@ -9373,7 +9425,9 @@
       <p:sp>
         <p:nvSpPr>
           <p:cNvPr id="103" name="Google Shape;103;p16"/>
-          <p:cNvSpPr txBox="1"/>
+          <p:cNvSpPr txBox="1">
+            <a:spLocks noGrp="1"/>
+          </p:cNvSpPr>
           <p:nvPr>
             <p:ph type="title"/>
           </p:nvPr>
@@ -9388,12 +9442,12 @@
           </a:prstGeom>
         </p:spPr>
         <p:txBody>
-          <a:bodyPr anchorCtr="0" anchor="t" bIns="91425" lIns="91425" spcFirstLastPara="1" rIns="91425" wrap="square" tIns="91425">
+          <a:bodyPr spcFirstLastPara="1" wrap="square" lIns="91425" tIns="91425" rIns="91425" bIns="91425" anchor="t" anchorCtr="0">
             <a:normAutofit fontScale="90000"/>
           </a:bodyPr>
           <a:lstStyle/>
           <a:p>
-            <a:pPr indent="0" lvl="0" marL="0" rtl="0" algn="l">
+            <a:pPr marL="0" lvl="0" indent="0" algn="l" rtl="0">
               <a:spcBef>
                 <a:spcPts val="0"/>
               </a:spcBef>
@@ -9413,9 +9467,11 @@
       <p:sp>
         <p:nvSpPr>
           <p:cNvPr id="104" name="Google Shape;104;p16"/>
-          <p:cNvSpPr txBox="1"/>
+          <p:cNvSpPr txBox="1">
+            <a:spLocks noGrp="1"/>
+          </p:cNvSpPr>
           <p:nvPr>
-            <p:ph idx="1" type="body"/>
+            <p:ph type="body" idx="1"/>
           </p:nvPr>
         </p:nvSpPr>
         <p:spPr>
@@ -9428,12 +9484,12 @@
           </a:prstGeom>
         </p:spPr>
         <p:txBody>
-          <a:bodyPr anchorCtr="0" anchor="t" bIns="91425" lIns="91425" spcFirstLastPara="1" rIns="91425" wrap="square" tIns="91425">
+          <a:bodyPr spcFirstLastPara="1" wrap="square" lIns="91425" tIns="91425" rIns="91425" bIns="91425" anchor="t" anchorCtr="0">
             <a:normAutofit lnSpcReduction="10000"/>
           </a:bodyPr>
           <a:lstStyle/>
           <a:p>
-            <a:pPr indent="-311150" lvl="0" marL="457200" rtl="0" algn="l">
+            <a:pPr marL="457200" lvl="0" indent="-311150" algn="l" rtl="0">
               <a:spcBef>
                 <a:spcPts val="0"/>
               </a:spcBef>
@@ -9450,7 +9506,7 @@
             <a:endParaRPr u="sng"/>
           </a:p>
           <a:p>
-            <a:pPr indent="-298450" lvl="1" marL="914400" rtl="0" algn="l">
+            <a:pPr marL="914400" lvl="1" indent="-298450" algn="l" rtl="0">
               <a:spcBef>
                 <a:spcPts val="0"/>
               </a:spcBef>
@@ -9467,7 +9523,7 @@
             <a:endParaRPr/>
           </a:p>
           <a:p>
-            <a:pPr indent="-298450" lvl="1" marL="914400" rtl="0" algn="l">
+            <a:pPr marL="914400" lvl="1" indent="-298450" algn="l" rtl="0">
               <a:spcBef>
                 <a:spcPts val="0"/>
               </a:spcBef>
@@ -9479,16 +9535,12 @@
             </a:pPr>
             <a:r>
               <a:rPr lang="en"/>
-              <a:t> Temperature a</a:t>
+              <a:t> Temperature anomalies</a:t>
             </a:r>
-            <a:r>
-              <a:rPr lang="en"/>
-              <a:t>nomalies</a:t>
-            </a:r>
-            <a:endParaRPr/>
-          </a:p>
-          <a:p>
-            <a:pPr indent="-298450" lvl="1" marL="914400" rtl="0" algn="l">
+            <a:endParaRPr/>
+          </a:p>
+          <a:p>
+            <a:pPr marL="914400" lvl="1" indent="-298450" algn="l" rtl="0">
               <a:spcBef>
                 <a:spcPts val="0"/>
               </a:spcBef>
@@ -9505,7 +9557,7 @@
             <a:endParaRPr/>
           </a:p>
           <a:p>
-            <a:pPr indent="-311150" lvl="0" marL="457200" rtl="0" algn="l">
+            <a:pPr marL="457200" lvl="0" indent="-311150" algn="l" rtl="0">
               <a:spcBef>
                 <a:spcPts val="0"/>
               </a:spcBef>
@@ -9522,7 +9574,7 @@
             <a:endParaRPr u="sng"/>
           </a:p>
           <a:p>
-            <a:pPr indent="-298450" lvl="1" marL="914400" rtl="0" algn="l">
+            <a:pPr marL="914400" lvl="1" indent="-298450" algn="l" rtl="0">
               <a:spcBef>
                 <a:spcPts val="0"/>
               </a:spcBef>
@@ -9539,7 +9591,7 @@
             <a:endParaRPr/>
           </a:p>
           <a:p>
-            <a:pPr indent="-298450" lvl="1" marL="914400" rtl="0" algn="l">
+            <a:pPr marL="914400" lvl="1" indent="-298450" algn="l" rtl="0">
               <a:spcBef>
                 <a:spcPts val="0"/>
               </a:spcBef>
@@ -9556,7 +9608,7 @@
             <a:endParaRPr/>
           </a:p>
           <a:p>
-            <a:pPr indent="-298450" lvl="1" marL="914400" rtl="0" algn="l">
+            <a:pPr marL="914400" lvl="1" indent="-298450" algn="l" rtl="0">
               <a:spcBef>
                 <a:spcPts val="0"/>
               </a:spcBef>
@@ -9568,16 +9620,12 @@
             </a:pPr>
             <a:r>
               <a:rPr lang="en"/>
-              <a:t> Natural disaster </a:t>
+              <a:t> Natural disaster anomalies</a:t>
             </a:r>
-            <a:r>
-              <a:rPr lang="en"/>
-              <a:t>anomalies</a:t>
-            </a:r>
-            <a:endParaRPr/>
-          </a:p>
-          <a:p>
-            <a:pPr indent="-298450" lvl="1" marL="914400" rtl="0" algn="l">
+            <a:endParaRPr/>
+          </a:p>
+          <a:p>
+            <a:pPr marL="914400" lvl="1" indent="-298450" algn="l" rtl="0">
               <a:spcBef>
                 <a:spcPts val="0"/>
               </a:spcBef>
@@ -9594,7 +9642,7 @@
             <a:endParaRPr/>
           </a:p>
           <a:p>
-            <a:pPr indent="-311150" lvl="0" marL="457200" rtl="0" algn="l">
+            <a:pPr marL="457200" lvl="0" indent="-311150" algn="l" rtl="0">
               <a:spcBef>
                 <a:spcPts val="0"/>
               </a:spcBef>
@@ -9606,16 +9654,12 @@
             </a:pPr>
             <a:r>
               <a:rPr lang="en" u="sng"/>
-              <a:t>Commodity</a:t>
-            </a:r>
-            <a:r>
-              <a:rPr lang="en" u="sng"/>
-              <a:t> Pricing Analysis</a:t>
+              <a:t>Commodity Pricing Analysis</a:t>
             </a:r>
             <a:endParaRPr u="sng"/>
           </a:p>
           <a:p>
-            <a:pPr indent="-298450" lvl="1" marL="914400" rtl="0" algn="l">
+            <a:pPr marL="914400" lvl="1" indent="-298450" algn="l" rtl="0">
               <a:spcBef>
                 <a:spcPts val="0"/>
               </a:spcBef>
@@ -9632,7 +9676,7 @@
             <a:endParaRPr/>
           </a:p>
           <a:p>
-            <a:pPr indent="-298450" lvl="1" marL="914400" rtl="0" algn="l">
+            <a:pPr marL="914400" lvl="1" indent="-298450" algn="l" rtl="0">
               <a:spcBef>
                 <a:spcPts val="0"/>
               </a:spcBef>
@@ -9644,16 +9688,12 @@
             </a:pPr>
             <a:r>
               <a:rPr lang="en"/>
-              <a:t>Analyze trends and </a:t>
+              <a:t>Analyze trends and anomalies</a:t>
             </a:r>
-            <a:r>
-              <a:rPr lang="en"/>
-              <a:t>anomalies</a:t>
-            </a:r>
-            <a:endParaRPr/>
-          </a:p>
-          <a:p>
-            <a:pPr indent="-311150" lvl="0" marL="457200" rtl="0" algn="l">
+            <a:endParaRPr/>
+          </a:p>
+          <a:p>
+            <a:pPr marL="457200" lvl="0" indent="-311150" algn="l" rtl="0">
               <a:spcBef>
                 <a:spcPts val="0"/>
               </a:spcBef>
@@ -9670,7 +9710,7 @@
             <a:endParaRPr/>
           </a:p>
           <a:p>
-            <a:pPr indent="0" lvl="0" marL="0" rtl="0" algn="l">
+            <a:pPr marL="0" lvl="0" indent="0" algn="l" rtl="0">
               <a:spcBef>
                 <a:spcPts val="1200"/>
               </a:spcBef>
@@ -9679,9 +9719,6 @@
               </a:spcAft>
               <a:buNone/>
             </a:pPr>
-            <a:r>
-              <a:t/>
-            </a:r>
             <a:endParaRPr/>
           </a:p>
         </p:txBody>
@@ -9695,11 +9732,11 @@
 </file>
 
 <file path=ppt/slides/slide5.xml><?xml version="1.0" encoding="utf-8"?>
-<p:sld xmlns:a="http://schemas.openxmlformats.org/drawingml/2006/main" xmlns:r="http://schemas.openxmlformats.org/officeDocument/2006/relationships" xmlns:mc="http://schemas.openxmlformats.org/markup-compatibility/2006" xmlns:mv="urn:schemas-microsoft-com:mac:vml" xmlns:p="http://schemas.openxmlformats.org/presentationml/2006/main" xmlns:c="http://schemas.openxmlformats.org/drawingml/2006/chart" xmlns:dgm="http://schemas.openxmlformats.org/drawingml/2006/diagram" xmlns:o="urn:schemas-microsoft-com:office:office" xmlns:v="urn:schemas-microsoft-com:vml" xmlns:pvml="urn:schemas-microsoft-com:office:powerpoint" xmlns:com="http://schemas.openxmlformats.org/drawingml/2006/compatibility" xmlns:p14="http://schemas.microsoft.com/office/powerpoint/2010/main" xmlns:p15="http://schemas.microsoft.com/office/powerpoint/2012/main" xmlns:ahyp="http://schemas.microsoft.com/office/drawing/2018/hyperlinkcolor">
+<p:sld xmlns:a="http://schemas.openxmlformats.org/drawingml/2006/main" xmlns:r="http://schemas.openxmlformats.org/officeDocument/2006/relationships" xmlns:p="http://schemas.openxmlformats.org/presentationml/2006/main">
   <p:cSld>
     <p:spTree>
       <p:nvGrpSpPr>
-        <p:cNvPr id="108" name="Shape 108"/>
+        <p:cNvPr id="1" name="Shape 108"/>
         <p:cNvGrpSpPr/>
         <p:nvPr/>
       </p:nvGrpSpPr>
@@ -9714,7 +9751,9 @@
       <p:sp>
         <p:nvSpPr>
           <p:cNvPr id="109" name="Google Shape;109;p17"/>
-          <p:cNvSpPr txBox="1"/>
+          <p:cNvSpPr txBox="1">
+            <a:spLocks noGrp="1"/>
+          </p:cNvSpPr>
           <p:nvPr>
             <p:ph type="title"/>
           </p:nvPr>
@@ -9729,12 +9768,12 @@
           </a:prstGeom>
         </p:spPr>
         <p:txBody>
-          <a:bodyPr anchorCtr="0" anchor="t" bIns="91425" lIns="91425" spcFirstLastPara="1" rIns="91425" wrap="square" tIns="91425">
+          <a:bodyPr spcFirstLastPara="1" wrap="square" lIns="91425" tIns="91425" rIns="91425" bIns="91425" anchor="t" anchorCtr="0">
             <a:normAutofit fontScale="90000"/>
           </a:bodyPr>
           <a:lstStyle/>
           <a:p>
-            <a:pPr indent="0" lvl="0" marL="0" rtl="0" algn="l">
+            <a:pPr marL="0" lvl="0" indent="0" algn="l" rtl="0">
               <a:spcBef>
                 <a:spcPts val="0"/>
               </a:spcBef>
@@ -9754,9 +9793,11 @@
       <p:sp>
         <p:nvSpPr>
           <p:cNvPr id="110" name="Google Shape;110;p17"/>
-          <p:cNvSpPr txBox="1"/>
+          <p:cNvSpPr txBox="1">
+            <a:spLocks noGrp="1"/>
+          </p:cNvSpPr>
           <p:nvPr>
-            <p:ph idx="1" type="body"/>
+            <p:ph type="body" idx="1"/>
           </p:nvPr>
         </p:nvSpPr>
         <p:spPr>
@@ -9769,12 +9810,12 @@
           </a:prstGeom>
         </p:spPr>
         <p:txBody>
-          <a:bodyPr anchorCtr="0" anchor="t" bIns="91425" lIns="91425" spcFirstLastPara="1" rIns="91425" wrap="square" tIns="91425">
+          <a:bodyPr spcFirstLastPara="1" wrap="square" lIns="91425" tIns="91425" rIns="91425" bIns="91425" anchor="t" anchorCtr="0">
             <a:normAutofit/>
           </a:bodyPr>
           <a:lstStyle/>
           <a:p>
-            <a:pPr indent="-311150" lvl="0" marL="457200" rtl="0" algn="l">
+            <a:pPr marL="457200" lvl="0" indent="-311150" algn="l" rtl="0">
               <a:spcBef>
                 <a:spcPts val="0"/>
               </a:spcBef>
@@ -9786,16 +9827,12 @@
             </a:pPr>
             <a:r>
               <a:rPr lang="en"/>
-              <a:t>D</a:t>
+              <a:t>Data Sources:</a:t>
             </a:r>
-            <a:r>
-              <a:rPr lang="en"/>
-              <a:t>ata Sources:</a:t>
-            </a:r>
-            <a:endParaRPr/>
-          </a:p>
-          <a:p>
-            <a:pPr indent="-285750" lvl="1" marL="914400" rtl="0" algn="l">
+            <a:endParaRPr/>
+          </a:p>
+          <a:p>
+            <a:pPr marL="914400" lvl="1" indent="-285750" algn="l" rtl="0">
               <a:spcBef>
                 <a:spcPts val="0"/>
               </a:spcBef>
@@ -9812,7 +9849,7 @@
             <a:endParaRPr/>
           </a:p>
           <a:p>
-            <a:pPr indent="-298450" lvl="2" marL="1371600" rtl="0" algn="l">
+            <a:pPr marL="1371600" lvl="2" indent="-298450" algn="l" rtl="0">
               <a:spcBef>
                 <a:spcPts val="0"/>
               </a:spcBef>
@@ -9829,7 +9866,7 @@
             <a:endParaRPr/>
           </a:p>
           <a:p>
-            <a:pPr indent="-298450" lvl="3" marL="1828800" rtl="0" algn="l">
+            <a:pPr marL="1828800" lvl="3" indent="-298450" algn="l" rtl="0">
               <a:spcBef>
                 <a:spcPts val="0"/>
               </a:spcBef>
@@ -9846,7 +9883,7 @@
             <a:endParaRPr/>
           </a:p>
           <a:p>
-            <a:pPr indent="-298450" lvl="2" marL="1371600" rtl="0" algn="l">
+            <a:pPr marL="1371600" lvl="2" indent="-298450" algn="l" rtl="0">
               <a:spcBef>
                 <a:spcPts val="0"/>
               </a:spcBef>
@@ -9863,7 +9900,7 @@
             <a:endParaRPr/>
           </a:p>
           <a:p>
-            <a:pPr indent="-298450" lvl="3" marL="1828800" rtl="0" algn="l">
+            <a:pPr marL="1828800" lvl="3" indent="-298450" algn="l" rtl="0">
               <a:spcBef>
                 <a:spcPts val="0"/>
               </a:spcBef>
@@ -9880,7 +9917,7 @@
             <a:endParaRPr/>
           </a:p>
           <a:p>
-            <a:pPr indent="-298450" lvl="2" marL="1371600" rtl="0" algn="l">
+            <a:pPr marL="1371600" lvl="2" indent="-298450" algn="l" rtl="0">
               <a:spcBef>
                 <a:spcPts val="0"/>
               </a:spcBef>
@@ -9897,7 +9934,7 @@
             <a:endParaRPr/>
           </a:p>
           <a:p>
-            <a:pPr indent="-298450" lvl="3" marL="1828800" rtl="0" algn="l">
+            <a:pPr marL="1828800" lvl="3" indent="-298450" algn="l" rtl="0">
               <a:spcBef>
                 <a:spcPts val="0"/>
               </a:spcBef>
@@ -9914,7 +9951,7 @@
             <a:endParaRPr/>
           </a:p>
           <a:p>
-            <a:pPr indent="-311150" lvl="0" marL="457200" rtl="0" algn="l">
+            <a:pPr marL="457200" lvl="0" indent="-311150" algn="l" rtl="0">
               <a:spcBef>
                 <a:spcPts val="0"/>
               </a:spcBef>
@@ -9931,7 +9968,7 @@
             <a:endParaRPr/>
           </a:p>
           <a:p>
-            <a:pPr indent="-298450" lvl="1" marL="914400" rtl="0" algn="l">
+            <a:pPr marL="914400" lvl="1" indent="-298450" algn="l" rtl="0">
               <a:spcBef>
                 <a:spcPts val="0"/>
               </a:spcBef>
@@ -9948,7 +9985,7 @@
             <a:endParaRPr/>
           </a:p>
           <a:p>
-            <a:pPr indent="-311150" lvl="0" marL="457200" rtl="0" algn="l">
+            <a:pPr marL="457200" lvl="0" indent="-311150" algn="l" rtl="0">
               <a:spcBef>
                 <a:spcPts val="0"/>
               </a:spcBef>
@@ -9965,7 +10002,7 @@
             <a:endParaRPr/>
           </a:p>
           <a:p>
-            <a:pPr indent="-298450" lvl="1" marL="914400" rtl="0" algn="l">
+            <a:pPr marL="914400" lvl="1" indent="-298450" algn="l" rtl="0">
               <a:spcBef>
                 <a:spcPts val="0"/>
               </a:spcBef>
@@ -9982,7 +10019,7 @@
             <a:endParaRPr/>
           </a:p>
           <a:p>
-            <a:pPr indent="-298450" lvl="1" marL="914400" rtl="0" algn="l">
+            <a:pPr marL="914400" lvl="1" indent="-298450" algn="l" rtl="0">
               <a:spcBef>
                 <a:spcPts val="0"/>
               </a:spcBef>
@@ -9999,7 +10036,7 @@
             <a:endParaRPr/>
           </a:p>
           <a:p>
-            <a:pPr indent="-298450" lvl="1" marL="914400" rtl="0" algn="l">
+            <a:pPr marL="914400" lvl="1" indent="-298450" algn="l" rtl="0">
               <a:spcBef>
                 <a:spcPts val="0"/>
               </a:spcBef>
@@ -10016,7 +10053,7 @@
             <a:endParaRPr/>
           </a:p>
           <a:p>
-            <a:pPr indent="-298450" lvl="1" marL="914400" rtl="0" algn="l">
+            <a:pPr marL="914400" lvl="1" indent="-298450" algn="l" rtl="0">
               <a:spcBef>
                 <a:spcPts val="0"/>
               </a:spcBef>
@@ -10033,7 +10070,7 @@
             <a:endParaRPr/>
           </a:p>
           <a:p>
-            <a:pPr indent="0" lvl="0" marL="0" rtl="0" algn="l">
+            <a:pPr marL="0" lvl="0" indent="0" algn="l" rtl="0">
               <a:spcBef>
                 <a:spcPts val="1200"/>
               </a:spcBef>
@@ -10042,9 +10079,6 @@
               </a:spcAft>
               <a:buNone/>
             </a:pPr>
-            <a:r>
-              <a:t/>
-            </a:r>
             <a:endParaRPr/>
           </a:p>
         </p:txBody>
@@ -10058,11 +10092,11 @@
 </file>
 
 <file path=ppt/slides/slide6.xml><?xml version="1.0" encoding="utf-8"?>
-<p:sld xmlns:a="http://schemas.openxmlformats.org/drawingml/2006/main" xmlns:r="http://schemas.openxmlformats.org/officeDocument/2006/relationships" xmlns:mc="http://schemas.openxmlformats.org/markup-compatibility/2006" xmlns:mv="urn:schemas-microsoft-com:mac:vml" xmlns:p="http://schemas.openxmlformats.org/presentationml/2006/main" xmlns:c="http://schemas.openxmlformats.org/drawingml/2006/chart" xmlns:dgm="http://schemas.openxmlformats.org/drawingml/2006/diagram" xmlns:o="urn:schemas-microsoft-com:office:office" xmlns:v="urn:schemas-microsoft-com:vml" xmlns:pvml="urn:schemas-microsoft-com:office:powerpoint" xmlns:com="http://schemas.openxmlformats.org/drawingml/2006/compatibility" xmlns:p14="http://schemas.microsoft.com/office/powerpoint/2010/main" xmlns:p15="http://schemas.microsoft.com/office/powerpoint/2012/main" xmlns:ahyp="http://schemas.microsoft.com/office/drawing/2018/hyperlinkcolor">
+<p:sld xmlns:a="http://schemas.openxmlformats.org/drawingml/2006/main" xmlns:r="http://schemas.openxmlformats.org/officeDocument/2006/relationships" xmlns:p="http://schemas.openxmlformats.org/presentationml/2006/main">
   <p:cSld>
     <p:spTree>
       <p:nvGrpSpPr>
-        <p:cNvPr id="114" name="Shape 114"/>
+        <p:cNvPr id="1" name="Shape 114"/>
         <p:cNvGrpSpPr/>
         <p:nvPr/>
       </p:nvGrpSpPr>
@@ -10077,7 +10111,9 @@
       <p:sp>
         <p:nvSpPr>
           <p:cNvPr id="115" name="Google Shape;115;p18"/>
-          <p:cNvSpPr txBox="1"/>
+          <p:cNvSpPr txBox="1">
+            <a:spLocks noGrp="1"/>
+          </p:cNvSpPr>
           <p:nvPr>
             <p:ph type="title"/>
           </p:nvPr>
@@ -10092,12 +10128,12 @@
           </a:prstGeom>
         </p:spPr>
         <p:txBody>
-          <a:bodyPr anchorCtr="0" anchor="t" bIns="91425" lIns="91425" spcFirstLastPara="1" rIns="91425" wrap="square" tIns="91425">
+          <a:bodyPr spcFirstLastPara="1" wrap="square" lIns="91425" tIns="91425" rIns="91425" bIns="91425" anchor="t" anchorCtr="0">
             <a:normAutofit fontScale="90000"/>
           </a:bodyPr>
           <a:lstStyle/>
           <a:p>
-            <a:pPr indent="0" lvl="0" marL="0" rtl="0" algn="l">
+            <a:pPr marL="0" lvl="0" indent="0" algn="l" rtl="0">
               <a:spcBef>
                 <a:spcPts val="0"/>
               </a:spcBef>
@@ -10117,9 +10153,11 @@
       <p:sp>
         <p:nvSpPr>
           <p:cNvPr id="116" name="Google Shape;116;p18"/>
-          <p:cNvSpPr txBox="1"/>
+          <p:cNvSpPr txBox="1">
+            <a:spLocks noGrp="1"/>
+          </p:cNvSpPr>
           <p:nvPr>
-            <p:ph idx="1" type="body"/>
+            <p:ph type="body" idx="1"/>
           </p:nvPr>
         </p:nvSpPr>
         <p:spPr>
@@ -10132,12 +10170,12 @@
           </a:prstGeom>
         </p:spPr>
         <p:txBody>
-          <a:bodyPr anchorCtr="0" anchor="t" bIns="91425" lIns="91425" spcFirstLastPara="1" rIns="91425" wrap="square" tIns="91425">
+          <a:bodyPr spcFirstLastPara="1" wrap="square" lIns="91425" tIns="91425" rIns="91425" bIns="91425" anchor="t" anchorCtr="0">
             <a:normAutofit/>
           </a:bodyPr>
           <a:lstStyle/>
           <a:p>
-            <a:pPr indent="-311150" lvl="0" marL="457200" rtl="0" algn="l">
+            <a:pPr marL="457200" lvl="0" indent="-311150" algn="l" rtl="0">
               <a:spcBef>
                 <a:spcPts val="0"/>
               </a:spcBef>
@@ -10154,7 +10192,7 @@
             <a:endParaRPr/>
           </a:p>
           <a:p>
-            <a:pPr indent="-298450" lvl="1" marL="914400" rtl="0" algn="l">
+            <a:pPr marL="914400" lvl="1" indent="-298450" algn="l" rtl="0">
               <a:spcBef>
                 <a:spcPts val="0"/>
               </a:spcBef>
@@ -10171,7 +10209,7 @@
             <a:endParaRPr/>
           </a:p>
           <a:p>
-            <a:pPr indent="-298450" lvl="2" marL="1371600" rtl="0" algn="l">
+            <a:pPr marL="1371600" lvl="2" indent="-298450" algn="l" rtl="0">
               <a:spcBef>
                 <a:spcPts val="0"/>
               </a:spcBef>
@@ -10188,7 +10226,7 @@
             <a:endParaRPr/>
           </a:p>
           <a:p>
-            <a:pPr indent="-298450" lvl="2" marL="1371600" rtl="0" algn="l">
+            <a:pPr marL="1371600" lvl="2" indent="-298450" algn="l" rtl="0">
               <a:spcBef>
                 <a:spcPts val="0"/>
               </a:spcBef>
@@ -10205,7 +10243,7 @@
             <a:endParaRPr/>
           </a:p>
           <a:p>
-            <a:pPr indent="-298450" lvl="2" marL="1371600" rtl="0" algn="l">
+            <a:pPr marL="1371600" lvl="2" indent="-298450" algn="l" rtl="0">
               <a:spcBef>
                 <a:spcPts val="0"/>
               </a:spcBef>
@@ -10222,7 +10260,7 @@
             <a:endParaRPr/>
           </a:p>
           <a:p>
-            <a:pPr indent="-298450" lvl="2" marL="1371600" rtl="0" algn="l">
+            <a:pPr marL="1371600" lvl="2" indent="-298450" algn="l" rtl="0">
               <a:spcBef>
                 <a:spcPts val="0"/>
               </a:spcBef>
@@ -10239,7 +10277,7 @@
             <a:endParaRPr/>
           </a:p>
           <a:p>
-            <a:pPr indent="-311150" lvl="0" marL="457200" rtl="0" algn="l">
+            <a:pPr marL="457200" lvl="0" indent="-311150" algn="l" rtl="0">
               <a:spcBef>
                 <a:spcPts val="0"/>
               </a:spcBef>
@@ -10256,7 +10294,7 @@
             <a:endParaRPr/>
           </a:p>
           <a:p>
-            <a:pPr indent="-298450" lvl="1" marL="914400" rtl="0" algn="l">
+            <a:pPr marL="914400" lvl="1" indent="-298450" algn="l" rtl="0">
               <a:spcBef>
                 <a:spcPts val="0"/>
               </a:spcBef>
@@ -10273,7 +10311,7 @@
             <a:endParaRPr/>
           </a:p>
           <a:p>
-            <a:pPr indent="-298450" lvl="1" marL="914400" rtl="0" algn="l">
+            <a:pPr marL="914400" lvl="1" indent="-298450" algn="l" rtl="0">
               <a:spcBef>
                 <a:spcPts val="0"/>
               </a:spcBef>
@@ -10290,7 +10328,7 @@
             <a:endParaRPr/>
           </a:p>
           <a:p>
-            <a:pPr indent="-298450" lvl="1" marL="914400" rtl="0" algn="l">
+            <a:pPr marL="914400" lvl="1" indent="-298450" algn="l" rtl="0">
               <a:spcBef>
                 <a:spcPts val="0"/>
               </a:spcBef>
@@ -10307,7 +10345,7 @@
             <a:endParaRPr/>
           </a:p>
           <a:p>
-            <a:pPr indent="-311150" lvl="0" marL="457200" rtl="0" algn="l">
+            <a:pPr marL="457200" lvl="0" indent="-311150" algn="l" rtl="0">
               <a:spcBef>
                 <a:spcPts val="0"/>
               </a:spcBef>
@@ -10324,7 +10362,7 @@
             <a:endParaRPr/>
           </a:p>
           <a:p>
-            <a:pPr indent="-298450" lvl="1" marL="914400" rtl="0" algn="l">
+            <a:pPr marL="914400" lvl="1" indent="-298450" algn="l" rtl="0">
               <a:spcBef>
                 <a:spcPts val="0"/>
               </a:spcBef>
@@ -10341,7 +10379,7 @@
             <a:endParaRPr/>
           </a:p>
           <a:p>
-            <a:pPr indent="-298450" lvl="1" marL="914400" rtl="0" algn="l">
+            <a:pPr marL="914400" lvl="1" indent="-298450" algn="l" rtl="0">
               <a:spcBef>
                 <a:spcPts val="0"/>
               </a:spcBef>
@@ -10358,7 +10396,7 @@
             <a:endParaRPr/>
           </a:p>
           <a:p>
-            <a:pPr indent="-298450" lvl="1" marL="914400" rtl="0" algn="l">
+            <a:pPr marL="914400" lvl="1" indent="-298450" algn="l" rtl="0">
               <a:spcBef>
                 <a:spcPts val="0"/>
               </a:spcBef>
@@ -10385,11 +10423,11 @@
 </file>
 
 <file path=ppt/slides/slide7.xml><?xml version="1.0" encoding="utf-8"?>
-<p:sld xmlns:a="http://schemas.openxmlformats.org/drawingml/2006/main" xmlns:r="http://schemas.openxmlformats.org/officeDocument/2006/relationships" xmlns:mc="http://schemas.openxmlformats.org/markup-compatibility/2006" xmlns:mv="urn:schemas-microsoft-com:mac:vml" xmlns:p="http://schemas.openxmlformats.org/presentationml/2006/main" xmlns:c="http://schemas.openxmlformats.org/drawingml/2006/chart" xmlns:dgm="http://schemas.openxmlformats.org/drawingml/2006/diagram" xmlns:o="urn:schemas-microsoft-com:office:office" xmlns:v="urn:schemas-microsoft-com:vml" xmlns:pvml="urn:schemas-microsoft-com:office:powerpoint" xmlns:com="http://schemas.openxmlformats.org/drawingml/2006/compatibility" xmlns:p14="http://schemas.microsoft.com/office/powerpoint/2010/main" xmlns:p15="http://schemas.microsoft.com/office/powerpoint/2012/main" xmlns:ahyp="http://schemas.microsoft.com/office/drawing/2018/hyperlinkcolor">
+<p:sld xmlns:a="http://schemas.openxmlformats.org/drawingml/2006/main" xmlns:r="http://schemas.openxmlformats.org/officeDocument/2006/relationships" xmlns:p="http://schemas.openxmlformats.org/presentationml/2006/main">
   <p:cSld>
     <p:spTree>
       <p:nvGrpSpPr>
-        <p:cNvPr id="120" name="Shape 120"/>
+        <p:cNvPr id="1" name="Shape 120"/>
         <p:cNvGrpSpPr/>
         <p:nvPr/>
       </p:nvGrpSpPr>
@@ -10404,7 +10442,9 @@
       <p:sp>
         <p:nvSpPr>
           <p:cNvPr id="121" name="Google Shape;121;p19"/>
-          <p:cNvSpPr txBox="1"/>
+          <p:cNvSpPr txBox="1">
+            <a:spLocks noGrp="1"/>
+          </p:cNvSpPr>
           <p:nvPr>
             <p:ph type="title"/>
           </p:nvPr>
@@ -10419,12 +10459,12 @@
           </a:prstGeom>
         </p:spPr>
         <p:txBody>
-          <a:bodyPr anchorCtr="0" anchor="t" bIns="91425" lIns="91425" spcFirstLastPara="1" rIns="91425" wrap="square" tIns="91425">
+          <a:bodyPr spcFirstLastPara="1" wrap="square" lIns="91425" tIns="91425" rIns="91425" bIns="91425" anchor="t" anchorCtr="0">
             <a:normAutofit/>
           </a:bodyPr>
           <a:lstStyle/>
           <a:p>
-            <a:pPr indent="0" lvl="0" marL="0" rtl="0" algn="l">
+            <a:pPr marL="0" lvl="0" indent="0" algn="l" rtl="0">
               <a:spcBef>
                 <a:spcPts val="0"/>
               </a:spcBef>
@@ -10450,11 +10490,11 @@
 </file>
 
 <file path=ppt/slides/slide8.xml><?xml version="1.0" encoding="utf-8"?>
-<p:sld xmlns:a="http://schemas.openxmlformats.org/drawingml/2006/main" xmlns:r="http://schemas.openxmlformats.org/officeDocument/2006/relationships" xmlns:mc="http://schemas.openxmlformats.org/markup-compatibility/2006" xmlns:mv="urn:schemas-microsoft-com:mac:vml" xmlns:p="http://schemas.openxmlformats.org/presentationml/2006/main" xmlns:c="http://schemas.openxmlformats.org/drawingml/2006/chart" xmlns:dgm="http://schemas.openxmlformats.org/drawingml/2006/diagram" xmlns:o="urn:schemas-microsoft-com:office:office" xmlns:v="urn:schemas-microsoft-com:vml" xmlns:pvml="urn:schemas-microsoft-com:office:powerpoint" xmlns:com="http://schemas.openxmlformats.org/drawingml/2006/compatibility" xmlns:p14="http://schemas.microsoft.com/office/powerpoint/2010/main" xmlns:p15="http://schemas.microsoft.com/office/powerpoint/2012/main" xmlns:ahyp="http://schemas.microsoft.com/office/drawing/2018/hyperlinkcolor">
+<p:sld xmlns:a="http://schemas.openxmlformats.org/drawingml/2006/main" xmlns:r="http://schemas.openxmlformats.org/officeDocument/2006/relationships" xmlns:p="http://schemas.openxmlformats.org/presentationml/2006/main">
   <p:cSld>
     <p:spTree>
       <p:nvGrpSpPr>
-        <p:cNvPr id="125" name="Shape 125"/>
+        <p:cNvPr id="1" name="Shape 125"/>
         <p:cNvGrpSpPr/>
         <p:nvPr/>
       </p:nvGrpSpPr>
@@ -10469,7 +10509,9 @@
       <p:sp>
         <p:nvSpPr>
           <p:cNvPr id="126" name="Google Shape;126;p20"/>
-          <p:cNvSpPr txBox="1"/>
+          <p:cNvSpPr txBox="1">
+            <a:spLocks noGrp="1"/>
+          </p:cNvSpPr>
           <p:nvPr>
             <p:ph type="title"/>
           </p:nvPr>
@@ -10484,12 +10526,12 @@
           </a:prstGeom>
         </p:spPr>
         <p:txBody>
-          <a:bodyPr anchorCtr="0" anchor="t" bIns="91425" lIns="91425" spcFirstLastPara="1" rIns="91425" wrap="square" tIns="91425">
+          <a:bodyPr spcFirstLastPara="1" wrap="square" lIns="91425" tIns="91425" rIns="91425" bIns="91425" anchor="t" anchorCtr="0">
             <a:normAutofit fontScale="90000"/>
           </a:bodyPr>
           <a:lstStyle/>
           <a:p>
-            <a:pPr indent="0" lvl="0" marL="0" rtl="0" algn="l">
+            <a:pPr marL="0" lvl="0" indent="0" algn="l" rtl="0">
               <a:spcBef>
                 <a:spcPts val="0"/>
               </a:spcBef>
@@ -10509,9 +10551,11 @@
       <p:sp>
         <p:nvSpPr>
           <p:cNvPr id="127" name="Google Shape;127;p20"/>
-          <p:cNvSpPr txBox="1"/>
+          <p:cNvSpPr txBox="1">
+            <a:spLocks noGrp="1"/>
+          </p:cNvSpPr>
           <p:nvPr>
-            <p:ph idx="1" type="body"/>
+            <p:ph type="body" idx="1"/>
           </p:nvPr>
         </p:nvSpPr>
         <p:spPr>
@@ -10524,12 +10568,12 @@
           </a:prstGeom>
         </p:spPr>
         <p:txBody>
-          <a:bodyPr anchorCtr="0" anchor="t" bIns="91425" lIns="91425" spcFirstLastPara="1" rIns="91425" wrap="square" tIns="91425">
+          <a:bodyPr spcFirstLastPara="1" wrap="square" lIns="91425" tIns="91425" rIns="91425" bIns="91425" anchor="t" anchorCtr="0">
             <a:normAutofit fontScale="85000" lnSpcReduction="20000"/>
           </a:bodyPr>
           <a:lstStyle/>
           <a:p>
-            <a:pPr indent="0" lvl="0" marL="0" rtl="0" algn="l">
+            <a:pPr marL="0" lvl="0" indent="0" algn="l" rtl="0">
               <a:spcBef>
                 <a:spcPts val="0"/>
               </a:spcBef>
@@ -10540,68 +10584,12 @@
             </a:pPr>
             <a:r>
               <a:rPr lang="en"/>
-              <a:t>In conclusion, we can say that rising temperatures and increased frequency of natural disasters will have economic consequences, although, at this point in our analysis, we cannot confidently state the scale or timing of when these consequence will occur in regards to disasters and commodity pricing.  Based off the correlation analysis, it appears that rising temperature will actually lower the cost of commodity pricing so one might make a financial decision to sell </a:t>
+              <a:t>In conclusion, we can say that rising temperatures and increased frequency of natural disasters will have economic consequences, although, at this point in our analysis, we cannot confidently state the scale or timing of when these consequence will occur in regards to disasters and commodity pricing.  Based off the correlation analysis, it appears that rising temperature will actually lower the cost of commodity pricing so one might make a financial decision to sell derivatives on commodities (especially oats, barley and wheat with a correlation of -0.89, -0.57 and -0.46, respectively) when there is a large increase temperature.  Although, it is important to keep in mind that economic events such as demand and financial markets also play a role in pricing as well as the effects of temperature changes.  It would be extremely interesting to further this investigation and gather more data regarding commodity prices when compared to demand, financial markets and other factors.  The general trend between temperature and disaster count was interesting because although correlation was low year-to-year, the overall trend was very noticeable.  Number of disasters and economic damages would also be an interesting topic to further investigate because based off our analysis, the trend is increasing very quickly.  If this analysis was to continue, it would be important to find larger datasets, specifically for commodities.  The more information we have, the more confidence we will have in our results.  It would also be interesting to investigate disasters worldwide as our analysis was focused on the USA.    </a:t>
             </a:r>
-            <a:r>
-              <a:rPr lang="en"/>
-              <a:t>derivatives</a:t>
-            </a:r>
-            <a:r>
-              <a:rPr lang="en"/>
-              <a:t> on commodities (especially oats, barley and wheat with a correlation of -0.89, -0.57 and -0.46, </a:t>
-            </a:r>
-            <a:r>
-              <a:rPr lang="en"/>
-              <a:t>respectively</a:t>
-            </a:r>
-            <a:r>
-              <a:rPr lang="en"/>
-              <a:t>) when there is a large increase </a:t>
-            </a:r>
-            <a:r>
-              <a:rPr lang="en"/>
-              <a:t>temperature</a:t>
-            </a:r>
-            <a:r>
-              <a:rPr lang="en"/>
-              <a:t>.  Although, it is important to keep in mind that economic events such as demand and </a:t>
-            </a:r>
-            <a:r>
-              <a:rPr lang="en"/>
-              <a:t>financial</a:t>
-            </a:r>
-            <a:r>
-              <a:rPr lang="en"/>
-              <a:t> markets also play a role in pricing as well as the effects of temperature changes.  It would be extremely interesting to further this investigation and gather more data regarding commodity prices when compared to demand, financial markets and other factors.  The general trend between temperature and disaster count was interesting because although correlation was low year-to-year, the overall trend was very noticeable.  Number of disasters and economic damages would also be an interesting topic to further investigate </a:t>
-            </a:r>
-            <a:r>
-              <a:rPr lang="en"/>
-              <a:t>because</a:t>
-            </a:r>
-            <a:r>
-              <a:rPr lang="en"/>
-              <a:t> based off our analysis, the trend is increasing very quickly.  If this analysis was to continue, it would be important to find larger datasets, </a:t>
-            </a:r>
-            <a:r>
-              <a:rPr lang="en"/>
-              <a:t>specifically</a:t>
-            </a:r>
-            <a:r>
-              <a:rPr lang="en"/>
-              <a:t> for commodities.  The more information we have, the more confidence we will have in our results.  It would also be interesting to investigate disasters worldwide as our </a:t>
-            </a:r>
-            <a:r>
-              <a:rPr lang="en"/>
-              <a:t>analysis</a:t>
-            </a:r>
-            <a:r>
-              <a:rPr lang="en"/>
-              <a:t> was focused on the USA.    </a:t>
-            </a:r>
-            <a:endParaRPr/>
-          </a:p>
-          <a:p>
-            <a:pPr indent="0" lvl="0" marL="457200" rtl="0" algn="l">
+            <a:endParaRPr/>
+          </a:p>
+          <a:p>
+            <a:pPr marL="457200" lvl="0" indent="0" algn="l" rtl="0">
               <a:spcBef>
                 <a:spcPts val="1200"/>
               </a:spcBef>
@@ -10610,13 +10598,10 @@
               </a:spcAft>
               <a:buNone/>
             </a:pPr>
-            <a:r>
-              <a:t/>
-            </a:r>
-            <a:endParaRPr/>
-          </a:p>
-          <a:p>
-            <a:pPr indent="0" lvl="0" marL="457200" rtl="0" algn="l">
+            <a:endParaRPr/>
+          </a:p>
+          <a:p>
+            <a:pPr marL="457200" lvl="0" indent="0" algn="l" rtl="0">
               <a:spcBef>
                 <a:spcPts val="1200"/>
               </a:spcBef>
@@ -10625,13 +10610,10 @@
               </a:spcAft>
               <a:buNone/>
             </a:pPr>
-            <a:r>
-              <a:t/>
-            </a:r>
-            <a:endParaRPr/>
-          </a:p>
-          <a:p>
-            <a:pPr indent="0" lvl="0" marL="0" rtl="0" algn="l">
+            <a:endParaRPr/>
+          </a:p>
+          <a:p>
+            <a:pPr marL="0" lvl="0" indent="0" algn="l" rtl="0">
               <a:spcBef>
                 <a:spcPts val="1200"/>
               </a:spcBef>
@@ -10640,9 +10622,6 @@
               </a:spcAft>
               <a:buNone/>
             </a:pPr>
-            <a:r>
-              <a:t/>
-            </a:r>
             <a:endParaRPr/>
           </a:p>
         </p:txBody>
@@ -10656,11 +10635,11 @@
 </file>
 
 <file path=ppt/slides/slide9.xml><?xml version="1.0" encoding="utf-8"?>
-<p:sld xmlns:a="http://schemas.openxmlformats.org/drawingml/2006/main" xmlns:r="http://schemas.openxmlformats.org/officeDocument/2006/relationships" xmlns:mc="http://schemas.openxmlformats.org/markup-compatibility/2006" xmlns:mv="urn:schemas-microsoft-com:mac:vml" xmlns:p="http://schemas.openxmlformats.org/presentationml/2006/main" xmlns:c="http://schemas.openxmlformats.org/drawingml/2006/chart" xmlns:dgm="http://schemas.openxmlformats.org/drawingml/2006/diagram" xmlns:o="urn:schemas-microsoft-com:office:office" xmlns:v="urn:schemas-microsoft-com:vml" xmlns:pvml="urn:schemas-microsoft-com:office:powerpoint" xmlns:com="http://schemas.openxmlformats.org/drawingml/2006/compatibility" xmlns:p14="http://schemas.microsoft.com/office/powerpoint/2010/main" xmlns:p15="http://schemas.microsoft.com/office/powerpoint/2012/main" xmlns:ahyp="http://schemas.microsoft.com/office/drawing/2018/hyperlinkcolor">
+<p:sld xmlns:a="http://schemas.openxmlformats.org/drawingml/2006/main" xmlns:r="http://schemas.openxmlformats.org/officeDocument/2006/relationships" xmlns:p="http://schemas.openxmlformats.org/presentationml/2006/main">
   <p:cSld>
     <p:spTree>
       <p:nvGrpSpPr>
-        <p:cNvPr id="131" name="Shape 131"/>
+        <p:cNvPr id="1" name="Shape 131"/>
         <p:cNvGrpSpPr/>
         <p:nvPr/>
       </p:nvGrpSpPr>
@@ -10675,7 +10654,9 @@
       <p:sp>
         <p:nvSpPr>
           <p:cNvPr id="132" name="Google Shape;132;p21"/>
-          <p:cNvSpPr txBox="1"/>
+          <p:cNvSpPr txBox="1">
+            <a:spLocks noGrp="1"/>
+          </p:cNvSpPr>
           <p:nvPr>
             <p:ph type="title"/>
           </p:nvPr>
@@ -10690,12 +10671,12 @@
           </a:prstGeom>
         </p:spPr>
         <p:txBody>
-          <a:bodyPr anchorCtr="0" anchor="t" bIns="91425" lIns="91425" spcFirstLastPara="1" rIns="91425" wrap="square" tIns="91425">
+          <a:bodyPr spcFirstLastPara="1" wrap="square" lIns="91425" tIns="91425" rIns="91425" bIns="91425" anchor="t" anchorCtr="0">
             <a:normAutofit fontScale="90000"/>
           </a:bodyPr>
           <a:lstStyle/>
           <a:p>
-            <a:pPr indent="0" lvl="0" marL="0" rtl="0" algn="l">
+            <a:pPr marL="0" lvl="0" indent="0" algn="l" rtl="0">
               <a:spcBef>
                 <a:spcPts val="0"/>
               </a:spcBef>
@@ -10715,9 +10696,11 @@
       <p:sp>
         <p:nvSpPr>
           <p:cNvPr id="133" name="Google Shape;133;p21"/>
-          <p:cNvSpPr txBox="1"/>
+          <p:cNvSpPr txBox="1">
+            <a:spLocks noGrp="1"/>
+          </p:cNvSpPr>
           <p:nvPr>
-            <p:ph idx="1" type="body"/>
+            <p:ph type="body" idx="1"/>
           </p:nvPr>
         </p:nvSpPr>
         <p:spPr>
@@ -10730,12 +10713,12 @@
           </a:prstGeom>
         </p:spPr>
         <p:txBody>
-          <a:bodyPr anchorCtr="0" anchor="t" bIns="91425" lIns="91425" spcFirstLastPara="1" rIns="91425" wrap="square" tIns="91425">
+          <a:bodyPr spcFirstLastPara="1" wrap="square" lIns="91425" tIns="91425" rIns="91425" bIns="91425" anchor="t" anchorCtr="0">
             <a:normAutofit/>
           </a:bodyPr>
           <a:lstStyle/>
           <a:p>
-            <a:pPr indent="-311150" lvl="0" marL="457200" rtl="0" algn="l">
+            <a:pPr marL="457200" lvl="0" indent="-311150" algn="l" rtl="0">
               <a:spcBef>
                 <a:spcPts val="0"/>
               </a:spcBef>
@@ -10752,7 +10735,7 @@
             <a:endParaRPr/>
           </a:p>
           <a:p>
-            <a:pPr indent="-298450" lvl="1" marL="914400" rtl="0" algn="l">
+            <a:pPr marL="914400" lvl="1" indent="-298450" algn="l" rtl="0">
               <a:spcBef>
                 <a:spcPts val="0"/>
               </a:spcBef>
@@ -10769,7 +10752,7 @@
             <a:endParaRPr/>
           </a:p>
           <a:p>
-            <a:pPr indent="-298450" lvl="1" marL="914400" rtl="0" algn="l">
+            <a:pPr marL="914400" lvl="1" indent="-298450" algn="l" rtl="0">
               <a:spcBef>
                 <a:spcPts val="0"/>
               </a:spcBef>
@@ -10786,7 +10769,7 @@
             <a:endParaRPr/>
           </a:p>
           <a:p>
-            <a:pPr indent="-298450" lvl="1" marL="914400" rtl="0" algn="l">
+            <a:pPr marL="914400" lvl="1" indent="-298450" algn="l" rtl="0">
               <a:spcBef>
                 <a:spcPts val="0"/>
               </a:spcBef>
@@ -10803,7 +10786,7 @@
             <a:endParaRPr/>
           </a:p>
           <a:p>
-            <a:pPr indent="-298450" lvl="2" marL="1371600" rtl="0" algn="l">
+            <a:pPr marL="1371600" lvl="2" indent="-298450" algn="l" rtl="0">
               <a:spcBef>
                 <a:spcPts val="0"/>
               </a:spcBef>
@@ -10820,7 +10803,7 @@
             <a:endParaRPr/>
           </a:p>
           <a:p>
-            <a:pPr indent="-298450" lvl="2" marL="1371600" rtl="0" algn="l">
+            <a:pPr marL="1371600" lvl="2" indent="-298450" algn="l" rtl="0">
               <a:spcBef>
                 <a:spcPts val="0"/>
               </a:spcBef>
@@ -10837,7 +10820,7 @@
             <a:endParaRPr/>
           </a:p>
           <a:p>
-            <a:pPr indent="-298450" lvl="2" marL="1371600" rtl="0" algn="l">
+            <a:pPr marL="1371600" lvl="2" indent="-298450" algn="l" rtl="0">
               <a:spcBef>
                 <a:spcPts val="0"/>
               </a:spcBef>
@@ -10854,7 +10837,7 @@
             <a:endParaRPr/>
           </a:p>
           <a:p>
-            <a:pPr indent="-311150" lvl="0" marL="457200" rtl="0" algn="l">
+            <a:pPr marL="457200" lvl="0" indent="-311150" algn="l" rtl="0">
               <a:spcBef>
                 <a:spcPts val="0"/>
               </a:spcBef>
@@ -10871,7 +10854,7 @@
             <a:endParaRPr/>
           </a:p>
           <a:p>
-            <a:pPr indent="-298450" lvl="1" marL="914400" rtl="0" algn="l">
+            <a:pPr marL="914400" lvl="1" indent="-298450" algn="l" rtl="0">
               <a:spcBef>
                 <a:spcPts val="0"/>
               </a:spcBef>
@@ -10888,7 +10871,7 @@
             <a:endParaRPr/>
           </a:p>
           <a:p>
-            <a:pPr indent="-298450" lvl="1" marL="914400" rtl="0" algn="l">
+            <a:pPr marL="914400" lvl="1" indent="-298450" algn="l" rtl="0">
               <a:spcBef>
                 <a:spcPts val="0"/>
               </a:spcBef>
@@ -10905,7 +10888,7 @@
             <a:endParaRPr/>
           </a:p>
           <a:p>
-            <a:pPr indent="-298450" lvl="2" marL="1371600" rtl="0" algn="l">
+            <a:pPr marL="1371600" lvl="2" indent="-298450" algn="l" rtl="0">
               <a:spcBef>
                 <a:spcPts val="0"/>
               </a:spcBef>
@@ -10917,16 +10900,12 @@
             </a:pPr>
             <a:r>
               <a:rPr lang="en"/>
-              <a:t>Potential</a:t>
+              <a:t>Potential investment opportunities. </a:t>
             </a:r>
-            <a:r>
-              <a:rPr lang="en"/>
-              <a:t> investment opportunities. </a:t>
-            </a:r>
-            <a:endParaRPr/>
-          </a:p>
-          <a:p>
-            <a:pPr indent="0" lvl="0" marL="0" rtl="0" algn="l">
+            <a:endParaRPr/>
+          </a:p>
+          <a:p>
+            <a:pPr marL="0" lvl="0" indent="0" algn="l" rtl="0">
               <a:spcBef>
                 <a:spcPts val="1200"/>
               </a:spcBef>
@@ -10935,9 +10914,6 @@
               </a:spcAft>
               <a:buNone/>
             </a:pPr>
-            <a:r>
-              <a:t/>
-            </a:r>
             <a:endParaRPr/>
           </a:p>
         </p:txBody>
@@ -10951,7 +10927,288 @@
 </file>
 
 <file path=ppt/theme/theme1.xml><?xml version="1.0" encoding="utf-8"?>
-<a:theme xmlns:a="http://schemas.openxmlformats.org/drawingml/2006/main" xmlns:r="http://schemas.openxmlformats.org/officeDocument/2006/relationships">
+<a:theme xmlns:a="http://schemas.openxmlformats.org/drawingml/2006/main" name="Streamline">
+  <a:themeElements>
+    <a:clrScheme name="Streamline">
+      <a:dk1>
+        <a:srgbClr val="1A9988"/>
+      </a:dk1>
+      <a:lt1>
+        <a:srgbClr val="FFFFFF"/>
+      </a:lt1>
+      <a:dk2>
+        <a:srgbClr val="1A1A1A"/>
+      </a:dk2>
+      <a:lt2>
+        <a:srgbClr val="E9EDEE"/>
+      </a:lt2>
+      <a:accent1>
+        <a:srgbClr val="595959"/>
+      </a:accent1>
+      <a:accent2>
+        <a:srgbClr val="6AA4C8"/>
+      </a:accent2>
+      <a:accent3>
+        <a:srgbClr val="EB5600"/>
+      </a:accent3>
+      <a:accent4>
+        <a:srgbClr val="A2FFE8"/>
+      </a:accent4>
+      <a:accent5>
+        <a:srgbClr val="1C3678"/>
+      </a:accent5>
+      <a:accent6>
+        <a:srgbClr val="FFB8A2"/>
+      </a:accent6>
+      <a:hlink>
+        <a:srgbClr val="1C3678"/>
+      </a:hlink>
+      <a:folHlink>
+        <a:srgbClr val="1C3678"/>
+      </a:folHlink>
+    </a:clrScheme>
+    <a:fontScheme name="Office">
+      <a:majorFont>
+        <a:latin typeface="Arial"/>
+        <a:ea typeface=""/>
+        <a:cs typeface=""/>
+        <a:font script="Jpan" typeface="ＭＳ Ｐゴシック"/>
+        <a:font script="Hang" typeface="맑은 고딕"/>
+        <a:font script="Hans" typeface="宋体"/>
+        <a:font script="Hant" typeface="新細明體"/>
+        <a:font script="Arab" typeface="Times New Roman"/>
+        <a:font script="Hebr" typeface="Times New Roman"/>
+        <a:font script="Thai" typeface="Angsana New"/>
+        <a:font script="Ethi" typeface="Nyala"/>
+        <a:font script="Beng" typeface="Vrinda"/>
+        <a:font script="Gujr" typeface="Shruti"/>
+        <a:font script="Khmr" typeface="MoolBoran"/>
+        <a:font script="Knda" typeface="Tunga"/>
+        <a:font script="Guru" typeface="Raavi"/>
+        <a:font script="Cans" typeface="Euphemia"/>
+        <a:font script="Cher" typeface="Plantagenet Cherokee"/>
+        <a:font script="Yiii" typeface="Microsoft Yi Baiti"/>
+        <a:font script="Tibt" typeface="Microsoft Himalaya"/>
+        <a:font script="Thaa" typeface="MV Boli"/>
+        <a:font script="Deva" typeface="Mangal"/>
+        <a:font script="Telu" typeface="Gautami"/>
+        <a:font script="Taml" typeface="Latha"/>
+        <a:font script="Syrc" typeface="Estrangelo Edessa"/>
+        <a:font script="Orya" typeface="Kalinga"/>
+        <a:font script="Mlym" typeface="Kartika"/>
+        <a:font script="Laoo" typeface="DokChampa"/>
+        <a:font script="Sinh" typeface="Iskoola Pota"/>
+        <a:font script="Mong" typeface="Mongolian Baiti"/>
+        <a:font script="Viet" typeface="Times New Roman"/>
+        <a:font script="Uigh" typeface="Microsoft Uighur"/>
+        <a:font script="Geor" typeface="Sylfaen"/>
+      </a:majorFont>
+      <a:minorFont>
+        <a:latin typeface="Arial"/>
+        <a:ea typeface=""/>
+        <a:cs typeface=""/>
+        <a:font script="Jpan" typeface="ＭＳ Ｐゴシック"/>
+        <a:font script="Hang" typeface="맑은 고딕"/>
+        <a:font script="Hans" typeface="宋体"/>
+        <a:font script="Hant" typeface="新細明體"/>
+        <a:font script="Arab" typeface="Arial"/>
+        <a:font script="Hebr" typeface="Arial"/>
+        <a:font script="Thai" typeface="Cordia New"/>
+        <a:font script="Ethi" typeface="Nyala"/>
+        <a:font script="Beng" typeface="Vrinda"/>
+        <a:font script="Gujr" typeface="Shruti"/>
+        <a:font script="Khmr" typeface="DaunPenh"/>
+        <a:font script="Knda" typeface="Tunga"/>
+        <a:font script="Guru" typeface="Raavi"/>
+        <a:font script="Cans" typeface="Euphemia"/>
+        <a:font script="Cher" typeface="Plantagenet Cherokee"/>
+        <a:font script="Yiii" typeface="Microsoft Yi Baiti"/>
+        <a:font script="Tibt" typeface="Microsoft Himalaya"/>
+        <a:font script="Thaa" typeface="MV Boli"/>
+        <a:font script="Deva" typeface="Mangal"/>
+        <a:font script="Telu" typeface="Gautami"/>
+        <a:font script="Taml" typeface="Latha"/>
+        <a:font script="Syrc" typeface="Estrangelo Edessa"/>
+        <a:font script="Orya" typeface="Kalinga"/>
+        <a:font script="Mlym" typeface="Kartika"/>
+        <a:font script="Laoo" typeface="DokChampa"/>
+        <a:font script="Sinh" typeface="Iskoola Pota"/>
+        <a:font script="Mong" typeface="Mongolian Baiti"/>
+        <a:font script="Viet" typeface="Arial"/>
+        <a:font script="Uigh" typeface="Microsoft Uighur"/>
+        <a:font script="Geor" typeface="Sylfaen"/>
+      </a:minorFont>
+    </a:fontScheme>
+    <a:fmtScheme name="Office">
+      <a:fillStyleLst>
+        <a:solidFill>
+          <a:schemeClr val="phClr"/>
+        </a:solidFill>
+        <a:gradFill rotWithShape="1">
+          <a:gsLst>
+            <a:gs pos="0">
+              <a:schemeClr val="phClr">
+                <a:tint val="50000"/>
+                <a:satMod val="300000"/>
+              </a:schemeClr>
+            </a:gs>
+            <a:gs pos="35000">
+              <a:schemeClr val="phClr">
+                <a:tint val="37000"/>
+                <a:satMod val="300000"/>
+              </a:schemeClr>
+            </a:gs>
+            <a:gs pos="100000">
+              <a:schemeClr val="phClr">
+                <a:tint val="15000"/>
+                <a:satMod val="350000"/>
+              </a:schemeClr>
+            </a:gs>
+          </a:gsLst>
+          <a:lin ang="16200000" scaled="1"/>
+        </a:gradFill>
+        <a:gradFill rotWithShape="1">
+          <a:gsLst>
+            <a:gs pos="0">
+              <a:schemeClr val="phClr">
+                <a:tint val="100000"/>
+                <a:shade val="100000"/>
+                <a:satMod val="130000"/>
+              </a:schemeClr>
+            </a:gs>
+            <a:gs pos="100000">
+              <a:schemeClr val="phClr">
+                <a:tint val="50000"/>
+                <a:shade val="100000"/>
+                <a:satMod val="350000"/>
+              </a:schemeClr>
+            </a:gs>
+          </a:gsLst>
+          <a:lin ang="16200000" scaled="0"/>
+        </a:gradFill>
+      </a:fillStyleLst>
+      <a:lnStyleLst>
+        <a:ln w="9525" cap="flat" cmpd="sng" algn="ctr">
+          <a:solidFill>
+            <a:schemeClr val="phClr">
+              <a:shade val="95000"/>
+              <a:satMod val="105000"/>
+            </a:schemeClr>
+          </a:solidFill>
+          <a:prstDash val="solid"/>
+        </a:ln>
+        <a:ln w="25400" cap="flat" cmpd="sng" algn="ctr">
+          <a:solidFill>
+            <a:schemeClr val="phClr"/>
+          </a:solidFill>
+          <a:prstDash val="solid"/>
+        </a:ln>
+        <a:ln w="38100" cap="flat" cmpd="sng" algn="ctr">
+          <a:solidFill>
+            <a:schemeClr val="phClr"/>
+          </a:solidFill>
+          <a:prstDash val="solid"/>
+        </a:ln>
+      </a:lnStyleLst>
+      <a:effectStyleLst>
+        <a:effectStyle>
+          <a:effectLst>
+            <a:outerShdw blurRad="40000" dist="20000" dir="5400000" rotWithShape="0">
+              <a:srgbClr val="000000">
+                <a:alpha val="38000"/>
+              </a:srgbClr>
+            </a:outerShdw>
+          </a:effectLst>
+        </a:effectStyle>
+        <a:effectStyle>
+          <a:effectLst>
+            <a:outerShdw blurRad="40000" dist="23000" dir="5400000" rotWithShape="0">
+              <a:srgbClr val="000000">
+                <a:alpha val="35000"/>
+              </a:srgbClr>
+            </a:outerShdw>
+          </a:effectLst>
+        </a:effectStyle>
+        <a:effectStyle>
+          <a:effectLst>
+            <a:outerShdw blurRad="40000" dist="23000" dir="5400000" rotWithShape="0">
+              <a:srgbClr val="000000">
+                <a:alpha val="35000"/>
+              </a:srgbClr>
+            </a:outerShdw>
+          </a:effectLst>
+          <a:scene3d>
+            <a:camera prst="orthographicFront">
+              <a:rot lat="0" lon="0" rev="0"/>
+            </a:camera>
+            <a:lightRig rig="threePt" dir="t">
+              <a:rot lat="0" lon="0" rev="1200000"/>
+            </a:lightRig>
+          </a:scene3d>
+          <a:sp3d>
+            <a:bevelT w="63500" h="25400"/>
+          </a:sp3d>
+        </a:effectStyle>
+      </a:effectStyleLst>
+      <a:bgFillStyleLst>
+        <a:solidFill>
+          <a:schemeClr val="phClr"/>
+        </a:solidFill>
+        <a:gradFill rotWithShape="1">
+          <a:gsLst>
+            <a:gs pos="0">
+              <a:schemeClr val="phClr">
+                <a:tint val="40000"/>
+                <a:satMod val="350000"/>
+              </a:schemeClr>
+            </a:gs>
+            <a:gs pos="40000">
+              <a:schemeClr val="phClr">
+                <a:tint val="45000"/>
+                <a:shade val="99000"/>
+                <a:satMod val="350000"/>
+              </a:schemeClr>
+            </a:gs>
+            <a:gs pos="100000">
+              <a:schemeClr val="phClr">
+                <a:shade val="20000"/>
+                <a:satMod val="255000"/>
+              </a:schemeClr>
+            </a:gs>
+          </a:gsLst>
+          <a:path path="circle">
+            <a:fillToRect l="50000" t="-80000" r="50000" b="180000"/>
+          </a:path>
+        </a:gradFill>
+        <a:gradFill rotWithShape="1">
+          <a:gsLst>
+            <a:gs pos="0">
+              <a:schemeClr val="phClr">
+                <a:tint val="80000"/>
+                <a:satMod val="300000"/>
+              </a:schemeClr>
+            </a:gs>
+            <a:gs pos="100000">
+              <a:schemeClr val="phClr">
+                <a:shade val="30000"/>
+                <a:satMod val="200000"/>
+              </a:schemeClr>
+            </a:gs>
+          </a:gsLst>
+          <a:path path="circle">
+            <a:fillToRect l="50000" t="50000" r="50000" b="50000"/>
+          </a:path>
+        </a:gradFill>
+      </a:bgFillStyleLst>
+    </a:fmtScheme>
+  </a:themeElements>
+  <a:objectDefaults/>
+  <a:extraClrSchemeLst/>
+</a:theme>
+</file>
+
+<file path=ppt/theme/theme2.xml><?xml version="1.0" encoding="utf-8"?>
+<a:theme xmlns:a="http://schemas.openxmlformats.org/drawingml/2006/main">
   <a:themeElements>
     <a:clrScheme name="Default">
       <a:dk1>
@@ -11226,284 +11483,7 @@
       </a:bgFillStyleLst>
     </a:fmtScheme>
   </a:themeElements>
-</a:theme>
-</file>
-
-<file path=ppt/theme/theme2.xml><?xml version="1.0" encoding="utf-8"?>
-<a:theme xmlns:a="http://schemas.openxmlformats.org/drawingml/2006/main" xmlns:r="http://schemas.openxmlformats.org/officeDocument/2006/relationships" name="Streamline">
-  <a:themeElements>
-    <a:clrScheme name="Streamline">
-      <a:dk1>
-        <a:srgbClr val="1A9988"/>
-      </a:dk1>
-      <a:lt1>
-        <a:srgbClr val="FFFFFF"/>
-      </a:lt1>
-      <a:dk2>
-        <a:srgbClr val="1A1A1A"/>
-      </a:dk2>
-      <a:lt2>
-        <a:srgbClr val="E9EDEE"/>
-      </a:lt2>
-      <a:accent1>
-        <a:srgbClr val="595959"/>
-      </a:accent1>
-      <a:accent2>
-        <a:srgbClr val="6AA4C8"/>
-      </a:accent2>
-      <a:accent3>
-        <a:srgbClr val="EB5600"/>
-      </a:accent3>
-      <a:accent4>
-        <a:srgbClr val="A2FFE8"/>
-      </a:accent4>
-      <a:accent5>
-        <a:srgbClr val="1C3678"/>
-      </a:accent5>
-      <a:accent6>
-        <a:srgbClr val="FFB8A2"/>
-      </a:accent6>
-      <a:hlink>
-        <a:srgbClr val="1C3678"/>
-      </a:hlink>
-      <a:folHlink>
-        <a:srgbClr val="1C3678"/>
-      </a:folHlink>
-    </a:clrScheme>
-    <a:fontScheme name="Office">
-      <a:majorFont>
-        <a:latin typeface="Arial"/>
-        <a:ea typeface=""/>
-        <a:cs typeface=""/>
-        <a:font script="Jpan" typeface="ＭＳ Ｐゴシック"/>
-        <a:font script="Hang" typeface="맑은 고딕"/>
-        <a:font script="Hans" typeface="宋体"/>
-        <a:font script="Hant" typeface="新細明體"/>
-        <a:font script="Arab" typeface="Times New Roman"/>
-        <a:font script="Hebr" typeface="Times New Roman"/>
-        <a:font script="Thai" typeface="Angsana New"/>
-        <a:font script="Ethi" typeface="Nyala"/>
-        <a:font script="Beng" typeface="Vrinda"/>
-        <a:font script="Gujr" typeface="Shruti"/>
-        <a:font script="Khmr" typeface="MoolBoran"/>
-        <a:font script="Knda" typeface="Tunga"/>
-        <a:font script="Guru" typeface="Raavi"/>
-        <a:font script="Cans" typeface="Euphemia"/>
-        <a:font script="Cher" typeface="Plantagenet Cherokee"/>
-        <a:font script="Yiii" typeface="Microsoft Yi Baiti"/>
-        <a:font script="Tibt" typeface="Microsoft Himalaya"/>
-        <a:font script="Thaa" typeface="MV Boli"/>
-        <a:font script="Deva" typeface="Mangal"/>
-        <a:font script="Telu" typeface="Gautami"/>
-        <a:font script="Taml" typeface="Latha"/>
-        <a:font script="Syrc" typeface="Estrangelo Edessa"/>
-        <a:font script="Orya" typeface="Kalinga"/>
-        <a:font script="Mlym" typeface="Kartika"/>
-        <a:font script="Laoo" typeface="DokChampa"/>
-        <a:font script="Sinh" typeface="Iskoola Pota"/>
-        <a:font script="Mong" typeface="Mongolian Baiti"/>
-        <a:font script="Viet" typeface="Times New Roman"/>
-        <a:font script="Uigh" typeface="Microsoft Uighur"/>
-        <a:font script="Geor" typeface="Sylfaen"/>
-      </a:majorFont>
-      <a:minorFont>
-        <a:latin typeface="Arial"/>
-        <a:ea typeface=""/>
-        <a:cs typeface=""/>
-        <a:font script="Jpan" typeface="ＭＳ Ｐゴシック"/>
-        <a:font script="Hang" typeface="맑은 고딕"/>
-        <a:font script="Hans" typeface="宋体"/>
-        <a:font script="Hant" typeface="新細明體"/>
-        <a:font script="Arab" typeface="Arial"/>
-        <a:font script="Hebr" typeface="Arial"/>
-        <a:font script="Thai" typeface="Cordia New"/>
-        <a:font script="Ethi" typeface="Nyala"/>
-        <a:font script="Beng" typeface="Vrinda"/>
-        <a:font script="Gujr" typeface="Shruti"/>
-        <a:font script="Khmr" typeface="DaunPenh"/>
-        <a:font script="Knda" typeface="Tunga"/>
-        <a:font script="Guru" typeface="Raavi"/>
-        <a:font script="Cans" typeface="Euphemia"/>
-        <a:font script="Cher" typeface="Plantagenet Cherokee"/>
-        <a:font script="Yiii" typeface="Microsoft Yi Baiti"/>
-        <a:font script="Tibt" typeface="Microsoft Himalaya"/>
-        <a:font script="Thaa" typeface="MV Boli"/>
-        <a:font script="Deva" typeface="Mangal"/>
-        <a:font script="Telu" typeface="Gautami"/>
-        <a:font script="Taml" typeface="Latha"/>
-        <a:font script="Syrc" typeface="Estrangelo Edessa"/>
-        <a:font script="Orya" typeface="Kalinga"/>
-        <a:font script="Mlym" typeface="Kartika"/>
-        <a:font script="Laoo" typeface="DokChampa"/>
-        <a:font script="Sinh" typeface="Iskoola Pota"/>
-        <a:font script="Mong" typeface="Mongolian Baiti"/>
-        <a:font script="Viet" typeface="Arial"/>
-        <a:font script="Uigh" typeface="Microsoft Uighur"/>
-        <a:font script="Geor" typeface="Sylfaen"/>
-      </a:minorFont>
-    </a:fontScheme>
-    <a:fmtScheme name="Office">
-      <a:fillStyleLst>
-        <a:solidFill>
-          <a:schemeClr val="phClr"/>
-        </a:solidFill>
-        <a:gradFill rotWithShape="1">
-          <a:gsLst>
-            <a:gs pos="0">
-              <a:schemeClr val="phClr">
-                <a:tint val="50000"/>
-                <a:satMod val="300000"/>
-              </a:schemeClr>
-            </a:gs>
-            <a:gs pos="35000">
-              <a:schemeClr val="phClr">
-                <a:tint val="37000"/>
-                <a:satMod val="300000"/>
-              </a:schemeClr>
-            </a:gs>
-            <a:gs pos="100000">
-              <a:schemeClr val="phClr">
-                <a:tint val="15000"/>
-                <a:satMod val="350000"/>
-              </a:schemeClr>
-            </a:gs>
-          </a:gsLst>
-          <a:lin ang="16200000" scaled="1"/>
-        </a:gradFill>
-        <a:gradFill rotWithShape="1">
-          <a:gsLst>
-            <a:gs pos="0">
-              <a:schemeClr val="phClr">
-                <a:tint val="100000"/>
-                <a:shade val="100000"/>
-                <a:satMod val="130000"/>
-              </a:schemeClr>
-            </a:gs>
-            <a:gs pos="100000">
-              <a:schemeClr val="phClr">
-                <a:tint val="50000"/>
-                <a:shade val="100000"/>
-                <a:satMod val="350000"/>
-              </a:schemeClr>
-            </a:gs>
-          </a:gsLst>
-          <a:lin ang="16200000" scaled="0"/>
-        </a:gradFill>
-      </a:fillStyleLst>
-      <a:lnStyleLst>
-        <a:ln w="9525" cap="flat" cmpd="sng" algn="ctr">
-          <a:solidFill>
-            <a:schemeClr val="phClr">
-              <a:shade val="95000"/>
-              <a:satMod val="105000"/>
-            </a:schemeClr>
-          </a:solidFill>
-          <a:prstDash val="solid"/>
-        </a:ln>
-        <a:ln w="25400" cap="flat" cmpd="sng" algn="ctr">
-          <a:solidFill>
-            <a:schemeClr val="phClr"/>
-          </a:solidFill>
-          <a:prstDash val="solid"/>
-        </a:ln>
-        <a:ln w="38100" cap="flat" cmpd="sng" algn="ctr">
-          <a:solidFill>
-            <a:schemeClr val="phClr"/>
-          </a:solidFill>
-          <a:prstDash val="solid"/>
-        </a:ln>
-      </a:lnStyleLst>
-      <a:effectStyleLst>
-        <a:effectStyle>
-          <a:effectLst>
-            <a:outerShdw blurRad="40000" dist="20000" dir="5400000" rotWithShape="0">
-              <a:srgbClr val="000000">
-                <a:alpha val="38000"/>
-              </a:srgbClr>
-            </a:outerShdw>
-          </a:effectLst>
-        </a:effectStyle>
-        <a:effectStyle>
-          <a:effectLst>
-            <a:outerShdw blurRad="40000" dist="23000" dir="5400000" rotWithShape="0">
-              <a:srgbClr val="000000">
-                <a:alpha val="35000"/>
-              </a:srgbClr>
-            </a:outerShdw>
-          </a:effectLst>
-        </a:effectStyle>
-        <a:effectStyle>
-          <a:effectLst>
-            <a:outerShdw blurRad="40000" dist="23000" dir="5400000" rotWithShape="0">
-              <a:srgbClr val="000000">
-                <a:alpha val="35000"/>
-              </a:srgbClr>
-            </a:outerShdw>
-          </a:effectLst>
-          <a:scene3d>
-            <a:camera prst="orthographicFront">
-              <a:rot lat="0" lon="0" rev="0"/>
-            </a:camera>
-            <a:lightRig rig="threePt" dir="t">
-              <a:rot lat="0" lon="0" rev="1200000"/>
-            </a:lightRig>
-          </a:scene3d>
-          <a:sp3d>
-            <a:bevelT w="63500" h="25400"/>
-          </a:sp3d>
-        </a:effectStyle>
-      </a:effectStyleLst>
-      <a:bgFillStyleLst>
-        <a:solidFill>
-          <a:schemeClr val="phClr"/>
-        </a:solidFill>
-        <a:gradFill rotWithShape="1">
-          <a:gsLst>
-            <a:gs pos="0">
-              <a:schemeClr val="phClr">
-                <a:tint val="40000"/>
-                <a:satMod val="350000"/>
-              </a:schemeClr>
-            </a:gs>
-            <a:gs pos="40000">
-              <a:schemeClr val="phClr">
-                <a:tint val="45000"/>
-                <a:shade val="99000"/>
-                <a:satMod val="350000"/>
-              </a:schemeClr>
-            </a:gs>
-            <a:gs pos="100000">
-              <a:schemeClr val="phClr">
-                <a:shade val="20000"/>
-                <a:satMod val="255000"/>
-              </a:schemeClr>
-            </a:gs>
-          </a:gsLst>
-          <a:path path="circle">
-            <a:fillToRect l="50000" t="-80000" r="50000" b="180000"/>
-          </a:path>
-        </a:gradFill>
-        <a:gradFill rotWithShape="1">
-          <a:gsLst>
-            <a:gs pos="0">
-              <a:schemeClr val="phClr">
-                <a:tint val="80000"/>
-                <a:satMod val="300000"/>
-              </a:schemeClr>
-            </a:gs>
-            <a:gs pos="100000">
-              <a:schemeClr val="phClr">
-                <a:shade val="30000"/>
-                <a:satMod val="200000"/>
-              </a:schemeClr>
-            </a:gs>
-          </a:gsLst>
-          <a:path path="circle">
-            <a:fillToRect l="50000" t="50000" r="50000" b="50000"/>
-          </a:path>
-        </a:gradFill>
-      </a:bgFillStyleLst>
-    </a:fmtScheme>
-  </a:themeElements>
+  <a:objectDefaults/>
+  <a:extraClrSchemeLst/>
 </a:theme>
 </file>